--- a/docs/Analyzing_Jeopardy_Data.pptx
+++ b/docs/Analyzing_Jeopardy_Data.pptx
@@ -8,8 +8,10 @@
     <p:sldId id="256" r:id="rId2"/>
     <p:sldId id="257" r:id="rId3"/>
     <p:sldId id="258" r:id="rId4"/>
-    <p:sldId id="260" r:id="rId5"/>
-    <p:sldId id="259" r:id="rId6"/>
+    <p:sldId id="261" r:id="rId5"/>
+    <p:sldId id="260" r:id="rId6"/>
+    <p:sldId id="262" r:id="rId7"/>
+    <p:sldId id="259" r:id="rId8"/>
   </p:sldIdLst>
   <p:sldSz cx="12192000" cy="6858000"/>
   <p:notesSz cx="6858000" cy="9144000"/>
@@ -108,6 +110,11 @@
       </a:defRPr>
     </a:lvl9pPr>
   </p:defaultTextStyle>
+  <p:extLst>
+    <p:ext uri="{EFAFB233-063F-42B5-8137-9DF3F51BA10A}">
+      <p15:sldGuideLst xmlns:p15="http://schemas.microsoft.com/office/powerpoint/2012/main"/>
+    </p:ext>
+  </p:extLst>
 </p:presentation>
 </file>
 
@@ -356,7 +363,7 @@
           <a:p>
             <a:fld id="{1160EA64-D806-43AC-9DF2-F8C432F32B4C}" type="datetimeFigureOut">
               <a:rPr lang="en-US" smtClean="0"/>
-              <a:t>3/27/2021</a:t>
+              <a:t>3/31/2021</a:t>
             </a:fld>
             <a:endParaRPr lang="en-US" dirty="0"/>
           </a:p>
@@ -619,7 +626,7 @@
           <a:p>
             <a:fld id="{E9F9C37B-1D36-470B-8223-D6C91242EC14}" type="datetimeFigureOut">
               <a:rPr lang="en-US" smtClean="0"/>
-              <a:t>3/27/2021</a:t>
+              <a:t>3/31/2021</a:t>
             </a:fld>
             <a:endParaRPr lang="en-US" dirty="0"/>
           </a:p>
@@ -854,7 +861,7 @@
           <a:p>
             <a:fld id="{67C6F52A-A82B-47A2-A83A-8C4C91F2D59F}" type="datetimeFigureOut">
               <a:rPr lang="en-US" smtClean="0"/>
-              <a:t>3/27/2021</a:t>
+              <a:t>3/31/2021</a:t>
             </a:fld>
             <a:endParaRPr lang="en-US" dirty="0"/>
           </a:p>
@@ -1094,7 +1101,7 @@
           <a:p>
             <a:fld id="{F070A7B3-6521-4DCA-87E5-044747A908C1}" type="datetimeFigureOut">
               <a:rPr lang="en-US" smtClean="0"/>
-              <a:t>3/27/2021</a:t>
+              <a:t>3/31/2021</a:t>
             </a:fld>
             <a:endParaRPr lang="en-US" dirty="0"/>
           </a:p>
@@ -1402,7 +1409,7 @@
           <a:p>
             <a:fld id="{1160EA64-D806-43AC-9DF2-F8C432F32B4C}" type="datetimeFigureOut">
               <a:rPr lang="en-US" smtClean="0"/>
-              <a:t>3/27/2021</a:t>
+              <a:t>3/31/2021</a:t>
             </a:fld>
             <a:endParaRPr lang="en-US" dirty="0"/>
           </a:p>
@@ -1705,7 +1712,7 @@
           <a:p>
             <a:fld id="{AB134690-1557-4C89-A502-4959FE7FAD70}" type="datetimeFigureOut">
               <a:rPr lang="en-US" smtClean="0"/>
-              <a:t>3/27/2021</a:t>
+              <a:t>3/31/2021</a:t>
             </a:fld>
             <a:endParaRPr lang="en-US" dirty="0"/>
           </a:p>
@@ -2127,7 +2134,7 @@
           <a:p>
             <a:fld id="{1160EA64-D806-43AC-9DF2-F8C432F32B4C}" type="datetimeFigureOut">
               <a:rPr lang="en-US" smtClean="0"/>
-              <a:t>3/27/2021</a:t>
+              <a:t>3/31/2021</a:t>
             </a:fld>
             <a:endParaRPr lang="en-US" dirty="0"/>
           </a:p>
@@ -2224,7 +2231,7 @@
           <a:p>
             <a:fld id="{E1037C31-9E7A-4F99-8774-A0E530DE1A42}" type="datetimeFigureOut">
               <a:rPr lang="en-US" smtClean="0"/>
-              <a:t>3/27/2021</a:t>
+              <a:t>3/31/2021</a:t>
             </a:fld>
             <a:endParaRPr lang="en-US" dirty="0"/>
           </a:p>
@@ -2386,7 +2393,7 @@
           <a:p>
             <a:fld id="{C278504F-A551-4DE0-9316-4DCD1D8CC752}" type="datetimeFigureOut">
               <a:rPr lang="en-US" smtClean="0"/>
-              <a:t>3/27/2021</a:t>
+              <a:t>3/31/2021</a:t>
             </a:fld>
             <a:endParaRPr lang="en-US" dirty="0"/>
           </a:p>
@@ -2764,7 +2771,7 @@
           <a:p>
             <a:fld id="{1160EA64-D806-43AC-9DF2-F8C432F32B4C}" type="datetimeFigureOut">
               <a:rPr lang="en-US" smtClean="0"/>
-              <a:t>3/27/2021</a:t>
+              <a:t>3/31/2021</a:t>
             </a:fld>
             <a:endParaRPr lang="en-US" dirty="0"/>
           </a:p>
@@ -3055,7 +3062,7 @@
             <a:fld id="{1160EA64-D806-43AC-9DF2-F8C432F32B4C}" type="datetimeFigureOut">
               <a:rPr lang="en-US" smtClean="0"/>
               <a:pPr/>
-              <a:t>3/27/2021</a:t>
+              <a:t>3/31/2021</a:t>
             </a:fld>
             <a:endParaRPr lang="en-US" dirty="0"/>
           </a:p>
@@ -3267,7 +3274,7 @@
           <a:p>
             <a:fld id="{1160EA64-D806-43AC-9DF2-F8C432F32B4C}" type="datetimeFigureOut">
               <a:rPr lang="en-US" smtClean="0"/>
-              <a:t>3/27/2021</a:t>
+              <a:t>3/31/2021</a:t>
             </a:fld>
             <a:endParaRPr lang="en-US" dirty="0"/>
           </a:p>
@@ -4394,6 +4401,92 @@
       </p:grpSpPr>
       <p:sp>
         <p:nvSpPr>
+          <p:cNvPr id="2" name="Title 1">
+            <a:extLst>
+              <a:ext uri="{FF2B5EF4-FFF2-40B4-BE49-F238E27FC236}">
+                <a16:creationId xmlns:a16="http://schemas.microsoft.com/office/drawing/2014/main" id="{8653E717-715C-4A54-B0C2-2E52789F4868}"/>
+              </a:ext>
+            </a:extLst>
+          </p:cNvPr>
+          <p:cNvSpPr>
+            <a:spLocks noGrp="1"/>
+          </p:cNvSpPr>
+          <p:nvPr>
+            <p:ph type="title"/>
+          </p:nvPr>
+        </p:nvSpPr>
+        <p:spPr/>
+        <p:txBody>
+          <a:bodyPr/>
+          <a:lstStyle/>
+          <a:p>
+            <a:r>
+              <a:rPr lang="en-US" dirty="0"/>
+              <a:t>Where is the daily double?</a:t>
+            </a:r>
+          </a:p>
+        </p:txBody>
+      </p:sp>
+      <p:pic>
+        <p:nvPicPr>
+          <p:cNvPr id="5" name="Content Placeholder 4" descr="Chart, treemap chart&#10;&#10;Description automatically generated">
+            <a:extLst>
+              <a:ext uri="{FF2B5EF4-FFF2-40B4-BE49-F238E27FC236}">
+                <a16:creationId xmlns:a16="http://schemas.microsoft.com/office/drawing/2014/main" id="{5F98CF6B-15C6-4EA5-863A-FB91FA015C80}"/>
+              </a:ext>
+            </a:extLst>
+          </p:cNvPr>
+          <p:cNvPicPr>
+            <a:picLocks noGrp="1" noChangeAspect="1"/>
+          </p:cNvPicPr>
+          <p:nvPr>
+            <p:ph idx="1"/>
+          </p:nvPr>
+        </p:nvPicPr>
+        <p:blipFill rotWithShape="1">
+          <a:blip r:embed="rId2"/>
+          <a:srcRect l="2321" t="7683" r="4534" b="3153"/>
+          <a:stretch/>
+        </p:blipFill>
+        <p:spPr>
+          <a:xfrm>
+            <a:off x="2609850" y="1940443"/>
+            <a:ext cx="6400800" cy="4688958"/>
+          </a:xfrm>
+        </p:spPr>
+      </p:pic>
+    </p:spTree>
+    <p:extLst>
+      <p:ext uri="{BB962C8B-B14F-4D97-AF65-F5344CB8AC3E}">
+        <p14:creationId xmlns:p14="http://schemas.microsoft.com/office/powerpoint/2010/main" val="2583894826"/>
+      </p:ext>
+    </p:extLst>
+  </p:cSld>
+  <p:clrMapOvr>
+    <a:masterClrMapping/>
+  </p:clrMapOvr>
+</p:sld>
+</file>
+
+<file path=ppt/slides/slide5.xml><?xml version="1.0" encoding="utf-8"?>
+<p:sld xmlns:a="http://schemas.openxmlformats.org/drawingml/2006/main" xmlns:r="http://schemas.openxmlformats.org/officeDocument/2006/relationships" xmlns:p="http://schemas.openxmlformats.org/presentationml/2006/main">
+  <p:cSld>
+    <p:spTree>
+      <p:nvGrpSpPr>
+        <p:cNvPr id="1" name=""/>
+        <p:cNvGrpSpPr/>
+        <p:nvPr/>
+      </p:nvGrpSpPr>
+      <p:grpSpPr>
+        <a:xfrm>
+          <a:off x="0" y="0"/>
+          <a:ext cx="0" cy="0"/>
+          <a:chOff x="0" y="0"/>
+          <a:chExt cx="0" cy="0"/>
+        </a:xfrm>
+      </p:grpSpPr>
+      <p:sp>
+        <p:nvSpPr>
           <p:cNvPr id="4" name="Title 3">
             <a:extLst>
               <a:ext uri="{FF2B5EF4-FFF2-40B4-BE49-F238E27FC236}">
@@ -4413,27 +4506,12 @@
           <a:bodyPr/>
           <a:lstStyle/>
           <a:p>
-            <a:endParaRPr lang="en-US"/>
-          </a:p>
-        </p:txBody>
-      </p:sp>
-      <p:sp>
-        <p:nvSpPr>
-          <p:cNvPr id="5" name="Picture Placeholder 4">
-            <a:extLst>
-              <a:ext uri="{FF2B5EF4-FFF2-40B4-BE49-F238E27FC236}">
-                <a16:creationId xmlns:a16="http://schemas.microsoft.com/office/drawing/2014/main" id="{5E8BE14E-4290-40D5-8B70-22094F7075E0}"/>
-              </a:ext>
-            </a:extLst>
-          </p:cNvPr>
-          <p:cNvSpPr>
-            <a:spLocks noGrp="1"/>
-          </p:cNvSpPr>
-          <p:nvPr>
-            <p:ph type="pic" idx="1"/>
-          </p:nvPr>
-        </p:nvSpPr>
-        <p:spPr/>
+            <a:r>
+              <a:rPr lang="en-US" dirty="0"/>
+              <a:t>Daily Double Insights</a:t>
+            </a:r>
+          </a:p>
+        </p:txBody>
       </p:sp>
       <p:sp>
         <p:nvSpPr>
@@ -4451,15 +4529,583 @@
             <p:ph type="body" sz="half" idx="2"/>
           </p:nvPr>
         </p:nvSpPr>
-        <p:spPr/>
-        <p:txBody>
-          <a:bodyPr/>
+        <p:spPr>
+          <a:xfrm>
+            <a:off x="581192" y="5260127"/>
+            <a:ext cx="11029617" cy="598671"/>
+          </a:xfrm>
+        </p:spPr>
+        <p:txBody>
+          <a:bodyPr>
+            <a:normAutofit/>
+          </a:bodyPr>
           <a:lstStyle/>
           <a:p>
-            <a:endParaRPr lang="en-US"/>
-          </a:p>
-        </p:txBody>
-      </p:sp>
+            <a:r>
+              <a:rPr lang="en-US" sz="2400" dirty="0"/>
+              <a:t>What are the most common daily double clue categories?</a:t>
+            </a:r>
+          </a:p>
+        </p:txBody>
+      </p:sp>
+      <p:pic>
+        <p:nvPicPr>
+          <p:cNvPr id="8" name="Picture 7" descr="Text&#10;&#10;Description automatically generated">
+            <a:extLst>
+              <a:ext uri="{FF2B5EF4-FFF2-40B4-BE49-F238E27FC236}">
+                <a16:creationId xmlns:a16="http://schemas.microsoft.com/office/drawing/2014/main" id="{13766116-F0CE-4337-A46E-8AFE3CF734DC}"/>
+              </a:ext>
+            </a:extLst>
+          </p:cNvPr>
+          <p:cNvPicPr>
+            <a:picLocks noChangeAspect="1"/>
+          </p:cNvPicPr>
+          <p:nvPr/>
+        </p:nvPicPr>
+        <p:blipFill rotWithShape="1">
+          <a:blip r:embed="rId2"/>
+          <a:srcRect l="16256" t="8763" r="16253" b="7949"/>
+          <a:stretch/>
+        </p:blipFill>
+        <p:spPr>
+          <a:xfrm>
+            <a:off x="885992" y="1274685"/>
+            <a:ext cx="3382392" cy="3342504"/>
+          </a:xfrm>
+          <a:prstGeom prst="rect">
+            <a:avLst/>
+          </a:prstGeom>
+        </p:spPr>
+      </p:pic>
+      <p:sp>
+        <p:nvSpPr>
+          <p:cNvPr id="9" name="Text Placeholder 5">
+            <a:extLst>
+              <a:ext uri="{FF2B5EF4-FFF2-40B4-BE49-F238E27FC236}">
+                <a16:creationId xmlns:a16="http://schemas.microsoft.com/office/drawing/2014/main" id="{412EA00F-F01A-4163-A6A3-975F0DCBC2C6}"/>
+              </a:ext>
+            </a:extLst>
+          </p:cNvPr>
+          <p:cNvSpPr txBox="1">
+            <a:spLocks/>
+          </p:cNvSpPr>
+          <p:nvPr/>
+        </p:nvSpPr>
+        <p:spPr>
+          <a:xfrm>
+            <a:off x="733592" y="5412527"/>
+            <a:ext cx="11029617" cy="598671"/>
+          </a:xfrm>
+          <a:prstGeom prst="rect">
+            <a:avLst/>
+          </a:prstGeom>
+        </p:spPr>
+        <p:txBody>
+          <a:bodyPr vert="horz" lIns="91440" tIns="45720" rIns="91440" bIns="45720" rtlCol="0" anchor="ctr">
+            <a:normAutofit/>
+          </a:bodyPr>
+          <a:lstStyle>
+            <a:lvl1pPr marL="0" indent="0" algn="l" defTabSz="457200" rtl="0" eaLnBrk="1" latinLnBrk="0" hangingPunct="1">
+              <a:spcBef>
+                <a:spcPct val="20000"/>
+              </a:spcBef>
+              <a:spcAft>
+                <a:spcPts val="600"/>
+              </a:spcAft>
+              <a:buClr>
+                <a:schemeClr val="accent2"/>
+              </a:buClr>
+              <a:buSzPct val="92000"/>
+              <a:buFont typeface="Wingdings 2" panose="05020102010507070707" pitchFamily="18" charset="2"/>
+              <a:buNone/>
+              <a:defRPr sz="1200" kern="1200">
+                <a:solidFill>
+                  <a:schemeClr val="tx2"/>
+                </a:solidFill>
+                <a:latin typeface="+mn-lt"/>
+                <a:ea typeface="+mn-ea"/>
+                <a:cs typeface="+mn-cs"/>
+              </a:defRPr>
+            </a:lvl1pPr>
+            <a:lvl2pPr marL="457200" indent="0" algn="l" defTabSz="457200" rtl="0" eaLnBrk="1" latinLnBrk="0" hangingPunct="1">
+              <a:spcBef>
+                <a:spcPct val="20000"/>
+              </a:spcBef>
+              <a:spcAft>
+                <a:spcPts val="600"/>
+              </a:spcAft>
+              <a:buClr>
+                <a:schemeClr val="accent2"/>
+              </a:buClr>
+              <a:buSzPct val="92000"/>
+              <a:buFont typeface="Wingdings 2" panose="05020102010507070707" pitchFamily="18" charset="2"/>
+              <a:buNone/>
+              <a:defRPr sz="1200" kern="1200">
+                <a:solidFill>
+                  <a:schemeClr val="tx2"/>
+                </a:solidFill>
+                <a:latin typeface="+mn-lt"/>
+                <a:ea typeface="+mn-ea"/>
+                <a:cs typeface="+mn-cs"/>
+              </a:defRPr>
+            </a:lvl2pPr>
+            <a:lvl3pPr marL="914400" indent="0" algn="l" defTabSz="457200" rtl="0" eaLnBrk="1" latinLnBrk="0" hangingPunct="1">
+              <a:spcBef>
+                <a:spcPct val="20000"/>
+              </a:spcBef>
+              <a:spcAft>
+                <a:spcPts val="600"/>
+              </a:spcAft>
+              <a:buClr>
+                <a:schemeClr val="accent2"/>
+              </a:buClr>
+              <a:buSzPct val="92000"/>
+              <a:buFont typeface="Wingdings 2" panose="05020102010507070707" pitchFamily="18" charset="2"/>
+              <a:buNone/>
+              <a:defRPr sz="1000" kern="1200">
+                <a:solidFill>
+                  <a:schemeClr val="tx2"/>
+                </a:solidFill>
+                <a:latin typeface="+mn-lt"/>
+                <a:ea typeface="+mn-ea"/>
+                <a:cs typeface="+mn-cs"/>
+              </a:defRPr>
+            </a:lvl3pPr>
+            <a:lvl4pPr marL="1371600" indent="0" algn="l" defTabSz="457200" rtl="0" eaLnBrk="1" latinLnBrk="0" hangingPunct="1">
+              <a:spcBef>
+                <a:spcPct val="20000"/>
+              </a:spcBef>
+              <a:spcAft>
+                <a:spcPts val="600"/>
+              </a:spcAft>
+              <a:buClr>
+                <a:schemeClr val="accent2"/>
+              </a:buClr>
+              <a:buSzPct val="92000"/>
+              <a:buFont typeface="Wingdings 2" panose="05020102010507070707" pitchFamily="18" charset="2"/>
+              <a:buNone/>
+              <a:defRPr sz="900" kern="1200">
+                <a:solidFill>
+                  <a:schemeClr val="tx2"/>
+                </a:solidFill>
+                <a:latin typeface="+mn-lt"/>
+                <a:ea typeface="+mn-ea"/>
+                <a:cs typeface="+mn-cs"/>
+              </a:defRPr>
+            </a:lvl4pPr>
+            <a:lvl5pPr marL="1828800" indent="0" algn="l" defTabSz="457200" rtl="0" eaLnBrk="1" latinLnBrk="0" hangingPunct="1">
+              <a:spcBef>
+                <a:spcPct val="20000"/>
+              </a:spcBef>
+              <a:spcAft>
+                <a:spcPts val="600"/>
+              </a:spcAft>
+              <a:buClr>
+                <a:schemeClr val="accent2"/>
+              </a:buClr>
+              <a:buSzPct val="92000"/>
+              <a:buFont typeface="Wingdings 2" panose="05020102010507070707" pitchFamily="18" charset="2"/>
+              <a:buNone/>
+              <a:defRPr sz="900" kern="1200">
+                <a:solidFill>
+                  <a:schemeClr val="tx2"/>
+                </a:solidFill>
+                <a:latin typeface="+mn-lt"/>
+                <a:ea typeface="+mn-ea"/>
+                <a:cs typeface="+mn-cs"/>
+              </a:defRPr>
+            </a:lvl5pPr>
+            <a:lvl6pPr marL="2286000" indent="0" algn="l" defTabSz="457200" rtl="0" eaLnBrk="1" latinLnBrk="0" hangingPunct="1">
+              <a:spcBef>
+                <a:spcPct val="20000"/>
+              </a:spcBef>
+              <a:spcAft>
+                <a:spcPts val="600"/>
+              </a:spcAft>
+              <a:buClr>
+                <a:schemeClr val="accent2"/>
+              </a:buClr>
+              <a:buSzPct val="92000"/>
+              <a:buFont typeface="Wingdings 2" panose="05020102010507070707" pitchFamily="18" charset="2"/>
+              <a:buNone/>
+              <a:defRPr sz="900" kern="1200">
+                <a:solidFill>
+                  <a:schemeClr val="tx2"/>
+                </a:solidFill>
+                <a:latin typeface="+mn-lt"/>
+                <a:ea typeface="+mn-ea"/>
+                <a:cs typeface="+mn-cs"/>
+              </a:defRPr>
+            </a:lvl6pPr>
+            <a:lvl7pPr marL="2743200" indent="0" algn="l" defTabSz="457200" rtl="0" eaLnBrk="1" latinLnBrk="0" hangingPunct="1">
+              <a:spcBef>
+                <a:spcPct val="20000"/>
+              </a:spcBef>
+              <a:spcAft>
+                <a:spcPts val="600"/>
+              </a:spcAft>
+              <a:buClr>
+                <a:schemeClr val="accent2"/>
+              </a:buClr>
+              <a:buSzPct val="92000"/>
+              <a:buFont typeface="Wingdings 2" panose="05020102010507070707" pitchFamily="18" charset="2"/>
+              <a:buNone/>
+              <a:defRPr sz="900" kern="1200">
+                <a:solidFill>
+                  <a:schemeClr val="tx2"/>
+                </a:solidFill>
+                <a:latin typeface="+mn-lt"/>
+                <a:ea typeface="+mn-ea"/>
+                <a:cs typeface="+mn-cs"/>
+              </a:defRPr>
+            </a:lvl7pPr>
+            <a:lvl8pPr marL="3200400" indent="0" algn="l" defTabSz="457200" rtl="0" eaLnBrk="1" latinLnBrk="0" hangingPunct="1">
+              <a:spcBef>
+                <a:spcPct val="20000"/>
+              </a:spcBef>
+              <a:spcAft>
+                <a:spcPts val="600"/>
+              </a:spcAft>
+              <a:buClr>
+                <a:schemeClr val="accent2"/>
+              </a:buClr>
+              <a:buSzPct val="92000"/>
+              <a:buFont typeface="Wingdings 2" panose="05020102010507070707" pitchFamily="18" charset="2"/>
+              <a:buNone/>
+              <a:defRPr sz="900" kern="1200">
+                <a:solidFill>
+                  <a:schemeClr val="tx2"/>
+                </a:solidFill>
+                <a:latin typeface="+mn-lt"/>
+                <a:ea typeface="+mn-ea"/>
+                <a:cs typeface="+mn-cs"/>
+              </a:defRPr>
+            </a:lvl8pPr>
+            <a:lvl9pPr marL="3657600" indent="0" algn="l" defTabSz="457200" rtl="0" eaLnBrk="1" latinLnBrk="0" hangingPunct="1">
+              <a:spcBef>
+                <a:spcPct val="20000"/>
+              </a:spcBef>
+              <a:spcAft>
+                <a:spcPts val="600"/>
+              </a:spcAft>
+              <a:buClr>
+                <a:schemeClr val="accent2"/>
+              </a:buClr>
+              <a:buSzPct val="92000"/>
+              <a:buFont typeface="Wingdings 2" panose="05020102010507070707" pitchFamily="18" charset="2"/>
+              <a:buNone/>
+              <a:defRPr sz="900" kern="1200">
+                <a:solidFill>
+                  <a:schemeClr val="tx2"/>
+                </a:solidFill>
+                <a:latin typeface="+mn-lt"/>
+                <a:ea typeface="+mn-ea"/>
+                <a:cs typeface="+mn-cs"/>
+              </a:defRPr>
+            </a:lvl9pPr>
+          </a:lstStyle>
+          <a:p>
+            <a:r>
+              <a:rPr lang="en-US" sz="2400" dirty="0"/>
+              <a:t>What are the most common daily double clue clues?</a:t>
+            </a:r>
+          </a:p>
+        </p:txBody>
+      </p:sp>
+      <p:sp>
+        <p:nvSpPr>
+          <p:cNvPr id="10" name="Text Placeholder 5">
+            <a:extLst>
+              <a:ext uri="{FF2B5EF4-FFF2-40B4-BE49-F238E27FC236}">
+                <a16:creationId xmlns:a16="http://schemas.microsoft.com/office/drawing/2014/main" id="{862A68C0-5728-43E8-AC11-A46EDE76A973}"/>
+              </a:ext>
+            </a:extLst>
+          </p:cNvPr>
+          <p:cNvSpPr txBox="1">
+            <a:spLocks/>
+          </p:cNvSpPr>
+          <p:nvPr/>
+        </p:nvSpPr>
+        <p:spPr>
+          <a:xfrm>
+            <a:off x="885992" y="5564927"/>
+            <a:ext cx="11029617" cy="598671"/>
+          </a:xfrm>
+          <a:prstGeom prst="rect">
+            <a:avLst/>
+          </a:prstGeom>
+        </p:spPr>
+        <p:txBody>
+          <a:bodyPr vert="horz" lIns="91440" tIns="45720" rIns="91440" bIns="45720" rtlCol="0" anchor="ctr">
+            <a:normAutofit/>
+          </a:bodyPr>
+          <a:lstStyle>
+            <a:lvl1pPr marL="0" indent="0" algn="l" defTabSz="457200" rtl="0" eaLnBrk="1" latinLnBrk="0" hangingPunct="1">
+              <a:spcBef>
+                <a:spcPct val="20000"/>
+              </a:spcBef>
+              <a:spcAft>
+                <a:spcPts val="600"/>
+              </a:spcAft>
+              <a:buClr>
+                <a:schemeClr val="accent2"/>
+              </a:buClr>
+              <a:buSzPct val="92000"/>
+              <a:buFont typeface="Wingdings 2" panose="05020102010507070707" pitchFamily="18" charset="2"/>
+              <a:buNone/>
+              <a:defRPr sz="1200" kern="1200">
+                <a:solidFill>
+                  <a:schemeClr val="tx2"/>
+                </a:solidFill>
+                <a:latin typeface="+mn-lt"/>
+                <a:ea typeface="+mn-ea"/>
+                <a:cs typeface="+mn-cs"/>
+              </a:defRPr>
+            </a:lvl1pPr>
+            <a:lvl2pPr marL="457200" indent="0" algn="l" defTabSz="457200" rtl="0" eaLnBrk="1" latinLnBrk="0" hangingPunct="1">
+              <a:spcBef>
+                <a:spcPct val="20000"/>
+              </a:spcBef>
+              <a:spcAft>
+                <a:spcPts val="600"/>
+              </a:spcAft>
+              <a:buClr>
+                <a:schemeClr val="accent2"/>
+              </a:buClr>
+              <a:buSzPct val="92000"/>
+              <a:buFont typeface="Wingdings 2" panose="05020102010507070707" pitchFamily="18" charset="2"/>
+              <a:buNone/>
+              <a:defRPr sz="1200" kern="1200">
+                <a:solidFill>
+                  <a:schemeClr val="tx2"/>
+                </a:solidFill>
+                <a:latin typeface="+mn-lt"/>
+                <a:ea typeface="+mn-ea"/>
+                <a:cs typeface="+mn-cs"/>
+              </a:defRPr>
+            </a:lvl2pPr>
+            <a:lvl3pPr marL="914400" indent="0" algn="l" defTabSz="457200" rtl="0" eaLnBrk="1" latinLnBrk="0" hangingPunct="1">
+              <a:spcBef>
+                <a:spcPct val="20000"/>
+              </a:spcBef>
+              <a:spcAft>
+                <a:spcPts val="600"/>
+              </a:spcAft>
+              <a:buClr>
+                <a:schemeClr val="accent2"/>
+              </a:buClr>
+              <a:buSzPct val="92000"/>
+              <a:buFont typeface="Wingdings 2" panose="05020102010507070707" pitchFamily="18" charset="2"/>
+              <a:buNone/>
+              <a:defRPr sz="1000" kern="1200">
+                <a:solidFill>
+                  <a:schemeClr val="tx2"/>
+                </a:solidFill>
+                <a:latin typeface="+mn-lt"/>
+                <a:ea typeface="+mn-ea"/>
+                <a:cs typeface="+mn-cs"/>
+              </a:defRPr>
+            </a:lvl3pPr>
+            <a:lvl4pPr marL="1371600" indent="0" algn="l" defTabSz="457200" rtl="0" eaLnBrk="1" latinLnBrk="0" hangingPunct="1">
+              <a:spcBef>
+                <a:spcPct val="20000"/>
+              </a:spcBef>
+              <a:spcAft>
+                <a:spcPts val="600"/>
+              </a:spcAft>
+              <a:buClr>
+                <a:schemeClr val="accent2"/>
+              </a:buClr>
+              <a:buSzPct val="92000"/>
+              <a:buFont typeface="Wingdings 2" panose="05020102010507070707" pitchFamily="18" charset="2"/>
+              <a:buNone/>
+              <a:defRPr sz="900" kern="1200">
+                <a:solidFill>
+                  <a:schemeClr val="tx2"/>
+                </a:solidFill>
+                <a:latin typeface="+mn-lt"/>
+                <a:ea typeface="+mn-ea"/>
+                <a:cs typeface="+mn-cs"/>
+              </a:defRPr>
+            </a:lvl4pPr>
+            <a:lvl5pPr marL="1828800" indent="0" algn="l" defTabSz="457200" rtl="0" eaLnBrk="1" latinLnBrk="0" hangingPunct="1">
+              <a:spcBef>
+                <a:spcPct val="20000"/>
+              </a:spcBef>
+              <a:spcAft>
+                <a:spcPts val="600"/>
+              </a:spcAft>
+              <a:buClr>
+                <a:schemeClr val="accent2"/>
+              </a:buClr>
+              <a:buSzPct val="92000"/>
+              <a:buFont typeface="Wingdings 2" panose="05020102010507070707" pitchFamily="18" charset="2"/>
+              <a:buNone/>
+              <a:defRPr sz="900" kern="1200">
+                <a:solidFill>
+                  <a:schemeClr val="tx2"/>
+                </a:solidFill>
+                <a:latin typeface="+mn-lt"/>
+                <a:ea typeface="+mn-ea"/>
+                <a:cs typeface="+mn-cs"/>
+              </a:defRPr>
+            </a:lvl5pPr>
+            <a:lvl6pPr marL="2286000" indent="0" algn="l" defTabSz="457200" rtl="0" eaLnBrk="1" latinLnBrk="0" hangingPunct="1">
+              <a:spcBef>
+                <a:spcPct val="20000"/>
+              </a:spcBef>
+              <a:spcAft>
+                <a:spcPts val="600"/>
+              </a:spcAft>
+              <a:buClr>
+                <a:schemeClr val="accent2"/>
+              </a:buClr>
+              <a:buSzPct val="92000"/>
+              <a:buFont typeface="Wingdings 2" panose="05020102010507070707" pitchFamily="18" charset="2"/>
+              <a:buNone/>
+              <a:defRPr sz="900" kern="1200">
+                <a:solidFill>
+                  <a:schemeClr val="tx2"/>
+                </a:solidFill>
+                <a:latin typeface="+mn-lt"/>
+                <a:ea typeface="+mn-ea"/>
+                <a:cs typeface="+mn-cs"/>
+              </a:defRPr>
+            </a:lvl6pPr>
+            <a:lvl7pPr marL="2743200" indent="0" algn="l" defTabSz="457200" rtl="0" eaLnBrk="1" latinLnBrk="0" hangingPunct="1">
+              <a:spcBef>
+                <a:spcPct val="20000"/>
+              </a:spcBef>
+              <a:spcAft>
+                <a:spcPts val="600"/>
+              </a:spcAft>
+              <a:buClr>
+                <a:schemeClr val="accent2"/>
+              </a:buClr>
+              <a:buSzPct val="92000"/>
+              <a:buFont typeface="Wingdings 2" panose="05020102010507070707" pitchFamily="18" charset="2"/>
+              <a:buNone/>
+              <a:defRPr sz="900" kern="1200">
+                <a:solidFill>
+                  <a:schemeClr val="tx2"/>
+                </a:solidFill>
+                <a:latin typeface="+mn-lt"/>
+                <a:ea typeface="+mn-ea"/>
+                <a:cs typeface="+mn-cs"/>
+              </a:defRPr>
+            </a:lvl7pPr>
+            <a:lvl8pPr marL="3200400" indent="0" algn="l" defTabSz="457200" rtl="0" eaLnBrk="1" latinLnBrk="0" hangingPunct="1">
+              <a:spcBef>
+                <a:spcPct val="20000"/>
+              </a:spcBef>
+              <a:spcAft>
+                <a:spcPts val="600"/>
+              </a:spcAft>
+              <a:buClr>
+                <a:schemeClr val="accent2"/>
+              </a:buClr>
+              <a:buSzPct val="92000"/>
+              <a:buFont typeface="Wingdings 2" panose="05020102010507070707" pitchFamily="18" charset="2"/>
+              <a:buNone/>
+              <a:defRPr sz="900" kern="1200">
+                <a:solidFill>
+                  <a:schemeClr val="tx2"/>
+                </a:solidFill>
+                <a:latin typeface="+mn-lt"/>
+                <a:ea typeface="+mn-ea"/>
+                <a:cs typeface="+mn-cs"/>
+              </a:defRPr>
+            </a:lvl8pPr>
+            <a:lvl9pPr marL="3657600" indent="0" algn="l" defTabSz="457200" rtl="0" eaLnBrk="1" latinLnBrk="0" hangingPunct="1">
+              <a:spcBef>
+                <a:spcPct val="20000"/>
+              </a:spcBef>
+              <a:spcAft>
+                <a:spcPts val="600"/>
+              </a:spcAft>
+              <a:buClr>
+                <a:schemeClr val="accent2"/>
+              </a:buClr>
+              <a:buSzPct val="92000"/>
+              <a:buFont typeface="Wingdings 2" panose="05020102010507070707" pitchFamily="18" charset="2"/>
+              <a:buNone/>
+              <a:defRPr sz="900" kern="1200">
+                <a:solidFill>
+                  <a:schemeClr val="tx2"/>
+                </a:solidFill>
+                <a:latin typeface="+mn-lt"/>
+                <a:ea typeface="+mn-ea"/>
+                <a:cs typeface="+mn-cs"/>
+              </a:defRPr>
+            </a:lvl9pPr>
+          </a:lstStyle>
+          <a:p>
+            <a:r>
+              <a:rPr lang="en-US" sz="2400" dirty="0"/>
+              <a:t>What are the most common daily double clue answers?</a:t>
+            </a:r>
+          </a:p>
+        </p:txBody>
+      </p:sp>
+      <p:pic>
+        <p:nvPicPr>
+          <p:cNvPr id="12" name="Picture 11" descr="Text, timeline&#10;&#10;Description automatically generated">
+            <a:extLst>
+              <a:ext uri="{FF2B5EF4-FFF2-40B4-BE49-F238E27FC236}">
+                <a16:creationId xmlns:a16="http://schemas.microsoft.com/office/drawing/2014/main" id="{A38636FC-2A49-4F8F-A7D5-6C7705632B7C}"/>
+              </a:ext>
+            </a:extLst>
+          </p:cNvPr>
+          <p:cNvPicPr>
+            <a:picLocks noChangeAspect="1"/>
+          </p:cNvPicPr>
+          <p:nvPr/>
+        </p:nvPicPr>
+        <p:blipFill rotWithShape="1">
+          <a:blip r:embed="rId3"/>
+          <a:srcRect l="20182" t="7970" r="21931" b="8492"/>
+          <a:stretch/>
+        </p:blipFill>
+        <p:spPr>
+          <a:xfrm>
+            <a:off x="4474346" y="1274685"/>
+            <a:ext cx="2891161" cy="3192981"/>
+          </a:xfrm>
+          <a:prstGeom prst="rect">
+            <a:avLst/>
+          </a:prstGeom>
+        </p:spPr>
+      </p:pic>
+      <p:pic>
+        <p:nvPicPr>
+          <p:cNvPr id="14" name="Picture 13" descr="Text&#10;&#10;Description automatically generated">
+            <a:extLst>
+              <a:ext uri="{FF2B5EF4-FFF2-40B4-BE49-F238E27FC236}">
+                <a16:creationId xmlns:a16="http://schemas.microsoft.com/office/drawing/2014/main" id="{DA4F2227-79FE-460C-8CE6-8B4B0B0DE47F}"/>
+              </a:ext>
+            </a:extLst>
+          </p:cNvPr>
+          <p:cNvPicPr>
+            <a:picLocks noChangeAspect="1"/>
+          </p:cNvPicPr>
+          <p:nvPr/>
+        </p:nvPicPr>
+        <p:blipFill>
+          <a:blip r:embed="rId4"/>
+          <a:stretch>
+            <a:fillRect/>
+          </a:stretch>
+        </p:blipFill>
+        <p:spPr>
+          <a:xfrm>
+            <a:off x="7858172" y="1353691"/>
+            <a:ext cx="3561470" cy="3263498"/>
+          </a:xfrm>
+          <a:prstGeom prst="rect">
+            <a:avLst/>
+          </a:prstGeom>
+        </p:spPr>
+      </p:pic>
     </p:spTree>
     <p:extLst>
       <p:ext uri="{BB962C8B-B14F-4D97-AF65-F5344CB8AC3E}">
@@ -4470,10 +5116,547 @@
   <p:clrMapOvr>
     <a:masterClrMapping/>
   </p:clrMapOvr>
+  <p:timing>
+    <p:tnLst>
+      <p:par>
+        <p:cTn id="1" dur="indefinite" restart="never" nodeType="tmRoot">
+          <p:childTnLst>
+            <p:seq concurrent="1" nextAc="seek">
+              <p:cTn id="2" dur="indefinite" nodeType="mainSeq">
+                <p:childTnLst>
+                  <p:par>
+                    <p:cTn id="3" fill="hold">
+                      <p:stCondLst>
+                        <p:cond delay="indefinite"/>
+                      </p:stCondLst>
+                      <p:childTnLst>
+                        <p:par>
+                          <p:cTn id="4" fill="hold">
+                            <p:stCondLst>
+                              <p:cond delay="0"/>
+                            </p:stCondLst>
+                            <p:childTnLst>
+                              <p:par>
+                                <p:cTn id="5" presetID="1" presetClass="entr" presetSubtype="0" fill="hold" grpId="0" nodeType="clickEffect">
+                                  <p:stCondLst>
+                                    <p:cond delay="0"/>
+                                  </p:stCondLst>
+                                  <p:childTnLst>
+                                    <p:set>
+                                      <p:cBhvr>
+                                        <p:cTn id="6" dur="1" fill="hold">
+                                          <p:stCondLst>
+                                            <p:cond delay="0"/>
+                                          </p:stCondLst>
+                                        </p:cTn>
+                                        <p:tgtEl>
+                                          <p:spTgt spid="6">
+                                            <p:txEl>
+                                              <p:pRg st="0" end="0"/>
+                                            </p:txEl>
+                                          </p:spTgt>
+                                        </p:tgtEl>
+                                        <p:attrNameLst>
+                                          <p:attrName>style.visibility</p:attrName>
+                                        </p:attrNameLst>
+                                      </p:cBhvr>
+                                      <p:to>
+                                        <p:strVal val="visible"/>
+                                      </p:to>
+                                    </p:set>
+                                  </p:childTnLst>
+                                </p:cTn>
+                              </p:par>
+                            </p:childTnLst>
+                          </p:cTn>
+                        </p:par>
+                      </p:childTnLst>
+                    </p:cTn>
+                  </p:par>
+                  <p:par>
+                    <p:cTn id="7" fill="hold">
+                      <p:stCondLst>
+                        <p:cond delay="indefinite"/>
+                      </p:stCondLst>
+                      <p:childTnLst>
+                        <p:par>
+                          <p:cTn id="8" fill="hold">
+                            <p:stCondLst>
+                              <p:cond delay="0"/>
+                            </p:stCondLst>
+                            <p:childTnLst>
+                              <p:par>
+                                <p:cTn id="9" presetID="10" presetClass="entr" presetSubtype="0" fill="hold" nodeType="clickEffect">
+                                  <p:stCondLst>
+                                    <p:cond delay="0"/>
+                                  </p:stCondLst>
+                                  <p:childTnLst>
+                                    <p:set>
+                                      <p:cBhvr>
+                                        <p:cTn id="10" dur="1" fill="hold">
+                                          <p:stCondLst>
+                                            <p:cond delay="0"/>
+                                          </p:stCondLst>
+                                        </p:cTn>
+                                        <p:tgtEl>
+                                          <p:spTgt spid="8"/>
+                                        </p:tgtEl>
+                                        <p:attrNameLst>
+                                          <p:attrName>style.visibility</p:attrName>
+                                        </p:attrNameLst>
+                                      </p:cBhvr>
+                                      <p:to>
+                                        <p:strVal val="visible"/>
+                                      </p:to>
+                                    </p:set>
+                                    <p:animEffect transition="in" filter="fade">
+                                      <p:cBhvr>
+                                        <p:cTn id="11" dur="500"/>
+                                        <p:tgtEl>
+                                          <p:spTgt spid="8"/>
+                                        </p:tgtEl>
+                                      </p:cBhvr>
+                                    </p:animEffect>
+                                  </p:childTnLst>
+                                </p:cTn>
+                              </p:par>
+                            </p:childTnLst>
+                          </p:cTn>
+                        </p:par>
+                      </p:childTnLst>
+                    </p:cTn>
+                  </p:par>
+                  <p:par>
+                    <p:cTn id="12" fill="hold">
+                      <p:stCondLst>
+                        <p:cond delay="indefinite"/>
+                      </p:stCondLst>
+                      <p:childTnLst>
+                        <p:par>
+                          <p:cTn id="13" fill="hold">
+                            <p:stCondLst>
+                              <p:cond delay="0"/>
+                            </p:stCondLst>
+                            <p:childTnLst>
+                              <p:par>
+                                <p:cTn id="14" presetID="1" presetClass="exit" presetSubtype="0" fill="hold" grpId="1" nodeType="clickEffect">
+                                  <p:stCondLst>
+                                    <p:cond delay="0"/>
+                                  </p:stCondLst>
+                                  <p:childTnLst>
+                                    <p:set>
+                                      <p:cBhvr>
+                                        <p:cTn id="15" dur="1" fill="hold">
+                                          <p:stCondLst>
+                                            <p:cond delay="0"/>
+                                          </p:stCondLst>
+                                        </p:cTn>
+                                        <p:tgtEl>
+                                          <p:spTgt spid="6">
+                                            <p:txEl>
+                                              <p:pRg st="0" end="0"/>
+                                            </p:txEl>
+                                          </p:spTgt>
+                                        </p:tgtEl>
+                                        <p:attrNameLst>
+                                          <p:attrName>style.visibility</p:attrName>
+                                        </p:attrNameLst>
+                                      </p:cBhvr>
+                                      <p:to>
+                                        <p:strVal val="hidden"/>
+                                      </p:to>
+                                    </p:set>
+                                  </p:childTnLst>
+                                </p:cTn>
+                              </p:par>
+                            </p:childTnLst>
+                          </p:cTn>
+                        </p:par>
+                      </p:childTnLst>
+                    </p:cTn>
+                  </p:par>
+                  <p:par>
+                    <p:cTn id="16" fill="hold">
+                      <p:stCondLst>
+                        <p:cond delay="indefinite"/>
+                      </p:stCondLst>
+                      <p:childTnLst>
+                        <p:par>
+                          <p:cTn id="17" fill="hold">
+                            <p:stCondLst>
+                              <p:cond delay="0"/>
+                            </p:stCondLst>
+                            <p:childTnLst>
+                              <p:par>
+                                <p:cTn id="18" presetID="1" presetClass="entr" presetSubtype="0" fill="hold" grpId="0" nodeType="clickEffect">
+                                  <p:stCondLst>
+                                    <p:cond delay="0"/>
+                                  </p:stCondLst>
+                                  <p:childTnLst>
+                                    <p:set>
+                                      <p:cBhvr>
+                                        <p:cTn id="19" dur="1" fill="hold">
+                                          <p:stCondLst>
+                                            <p:cond delay="0"/>
+                                          </p:stCondLst>
+                                        </p:cTn>
+                                        <p:tgtEl>
+                                          <p:spTgt spid="9"/>
+                                        </p:tgtEl>
+                                        <p:attrNameLst>
+                                          <p:attrName>style.visibility</p:attrName>
+                                        </p:attrNameLst>
+                                      </p:cBhvr>
+                                      <p:to>
+                                        <p:strVal val="visible"/>
+                                      </p:to>
+                                    </p:set>
+                                  </p:childTnLst>
+                                </p:cTn>
+                              </p:par>
+                            </p:childTnLst>
+                          </p:cTn>
+                        </p:par>
+                      </p:childTnLst>
+                    </p:cTn>
+                  </p:par>
+                  <p:par>
+                    <p:cTn id="20" fill="hold">
+                      <p:stCondLst>
+                        <p:cond delay="indefinite"/>
+                      </p:stCondLst>
+                      <p:childTnLst>
+                        <p:par>
+                          <p:cTn id="21" fill="hold">
+                            <p:stCondLst>
+                              <p:cond delay="0"/>
+                            </p:stCondLst>
+                            <p:childTnLst>
+                              <p:par>
+                                <p:cTn id="22" presetID="10" presetClass="entr" presetSubtype="0" fill="hold" nodeType="clickEffect">
+                                  <p:stCondLst>
+                                    <p:cond delay="0"/>
+                                  </p:stCondLst>
+                                  <p:childTnLst>
+                                    <p:set>
+                                      <p:cBhvr>
+                                        <p:cTn id="23" dur="1" fill="hold">
+                                          <p:stCondLst>
+                                            <p:cond delay="0"/>
+                                          </p:stCondLst>
+                                        </p:cTn>
+                                        <p:tgtEl>
+                                          <p:spTgt spid="12"/>
+                                        </p:tgtEl>
+                                        <p:attrNameLst>
+                                          <p:attrName>style.visibility</p:attrName>
+                                        </p:attrNameLst>
+                                      </p:cBhvr>
+                                      <p:to>
+                                        <p:strVal val="visible"/>
+                                      </p:to>
+                                    </p:set>
+                                    <p:animEffect transition="in" filter="fade">
+                                      <p:cBhvr>
+                                        <p:cTn id="24" dur="500"/>
+                                        <p:tgtEl>
+                                          <p:spTgt spid="12"/>
+                                        </p:tgtEl>
+                                      </p:cBhvr>
+                                    </p:animEffect>
+                                  </p:childTnLst>
+                                </p:cTn>
+                              </p:par>
+                            </p:childTnLst>
+                          </p:cTn>
+                        </p:par>
+                      </p:childTnLst>
+                    </p:cTn>
+                  </p:par>
+                  <p:par>
+                    <p:cTn id="25" fill="hold">
+                      <p:stCondLst>
+                        <p:cond delay="indefinite"/>
+                      </p:stCondLst>
+                      <p:childTnLst>
+                        <p:par>
+                          <p:cTn id="26" fill="hold">
+                            <p:stCondLst>
+                              <p:cond delay="0"/>
+                            </p:stCondLst>
+                            <p:childTnLst>
+                              <p:par>
+                                <p:cTn id="27" presetID="1" presetClass="exit" presetSubtype="0" fill="hold" grpId="1" nodeType="clickEffect">
+                                  <p:stCondLst>
+                                    <p:cond delay="0"/>
+                                  </p:stCondLst>
+                                  <p:childTnLst>
+                                    <p:set>
+                                      <p:cBhvr>
+                                        <p:cTn id="28" dur="1" fill="hold">
+                                          <p:stCondLst>
+                                            <p:cond delay="0"/>
+                                          </p:stCondLst>
+                                        </p:cTn>
+                                        <p:tgtEl>
+                                          <p:spTgt spid="9"/>
+                                        </p:tgtEl>
+                                        <p:attrNameLst>
+                                          <p:attrName>style.visibility</p:attrName>
+                                        </p:attrNameLst>
+                                      </p:cBhvr>
+                                      <p:to>
+                                        <p:strVal val="hidden"/>
+                                      </p:to>
+                                    </p:set>
+                                  </p:childTnLst>
+                                </p:cTn>
+                              </p:par>
+                            </p:childTnLst>
+                          </p:cTn>
+                        </p:par>
+                      </p:childTnLst>
+                    </p:cTn>
+                  </p:par>
+                  <p:par>
+                    <p:cTn id="29" fill="hold">
+                      <p:stCondLst>
+                        <p:cond delay="indefinite"/>
+                      </p:stCondLst>
+                      <p:childTnLst>
+                        <p:par>
+                          <p:cTn id="30" fill="hold">
+                            <p:stCondLst>
+                              <p:cond delay="0"/>
+                            </p:stCondLst>
+                            <p:childTnLst>
+                              <p:par>
+                                <p:cTn id="31" presetID="1" presetClass="entr" presetSubtype="0" fill="hold" grpId="0" nodeType="clickEffect">
+                                  <p:stCondLst>
+                                    <p:cond delay="0"/>
+                                  </p:stCondLst>
+                                  <p:childTnLst>
+                                    <p:set>
+                                      <p:cBhvr>
+                                        <p:cTn id="32" dur="1" fill="hold">
+                                          <p:stCondLst>
+                                            <p:cond delay="0"/>
+                                          </p:stCondLst>
+                                        </p:cTn>
+                                        <p:tgtEl>
+                                          <p:spTgt spid="10"/>
+                                        </p:tgtEl>
+                                        <p:attrNameLst>
+                                          <p:attrName>style.visibility</p:attrName>
+                                        </p:attrNameLst>
+                                      </p:cBhvr>
+                                      <p:to>
+                                        <p:strVal val="visible"/>
+                                      </p:to>
+                                    </p:set>
+                                  </p:childTnLst>
+                                </p:cTn>
+                              </p:par>
+                            </p:childTnLst>
+                          </p:cTn>
+                        </p:par>
+                      </p:childTnLst>
+                    </p:cTn>
+                  </p:par>
+                  <p:par>
+                    <p:cTn id="33" fill="hold">
+                      <p:stCondLst>
+                        <p:cond delay="indefinite"/>
+                      </p:stCondLst>
+                      <p:childTnLst>
+                        <p:par>
+                          <p:cTn id="34" fill="hold">
+                            <p:stCondLst>
+                              <p:cond delay="0"/>
+                            </p:stCondLst>
+                            <p:childTnLst>
+                              <p:par>
+                                <p:cTn id="35" presetID="10" presetClass="entr" presetSubtype="0" fill="hold" nodeType="clickEffect">
+                                  <p:stCondLst>
+                                    <p:cond delay="0"/>
+                                  </p:stCondLst>
+                                  <p:childTnLst>
+                                    <p:set>
+                                      <p:cBhvr>
+                                        <p:cTn id="36" dur="1" fill="hold">
+                                          <p:stCondLst>
+                                            <p:cond delay="0"/>
+                                          </p:stCondLst>
+                                        </p:cTn>
+                                        <p:tgtEl>
+                                          <p:spTgt spid="14"/>
+                                        </p:tgtEl>
+                                        <p:attrNameLst>
+                                          <p:attrName>style.visibility</p:attrName>
+                                        </p:attrNameLst>
+                                      </p:cBhvr>
+                                      <p:to>
+                                        <p:strVal val="visible"/>
+                                      </p:to>
+                                    </p:set>
+                                    <p:animEffect transition="in" filter="fade">
+                                      <p:cBhvr>
+                                        <p:cTn id="37" dur="500"/>
+                                        <p:tgtEl>
+                                          <p:spTgt spid="14"/>
+                                        </p:tgtEl>
+                                      </p:cBhvr>
+                                    </p:animEffect>
+                                  </p:childTnLst>
+                                </p:cTn>
+                              </p:par>
+                            </p:childTnLst>
+                          </p:cTn>
+                        </p:par>
+                      </p:childTnLst>
+                    </p:cTn>
+                  </p:par>
+                </p:childTnLst>
+              </p:cTn>
+              <p:prevCondLst>
+                <p:cond evt="onPrev" delay="0">
+                  <p:tgtEl>
+                    <p:sldTgt/>
+                  </p:tgtEl>
+                </p:cond>
+              </p:prevCondLst>
+              <p:nextCondLst>
+                <p:cond evt="onNext" delay="0">
+                  <p:tgtEl>
+                    <p:sldTgt/>
+                  </p:tgtEl>
+                </p:cond>
+              </p:nextCondLst>
+            </p:seq>
+          </p:childTnLst>
+        </p:cTn>
+      </p:par>
+    </p:tnLst>
+    <p:bldLst>
+      <p:bldP spid="6" grpId="0" build="p"/>
+      <p:bldP spid="6" grpId="1" build="p"/>
+      <p:bldP spid="9" grpId="0"/>
+      <p:bldP spid="9" grpId="1"/>
+      <p:bldP spid="10" grpId="0"/>
+    </p:bldLst>
+  </p:timing>
 </p:sld>
 </file>
 
-<file path=ppt/slides/slide5.xml><?xml version="1.0" encoding="utf-8"?>
+<file path=ppt/slides/slide6.xml><?xml version="1.0" encoding="utf-8"?>
+<p:sld xmlns:a="http://schemas.openxmlformats.org/drawingml/2006/main" xmlns:r="http://schemas.openxmlformats.org/officeDocument/2006/relationships" xmlns:p="http://schemas.openxmlformats.org/presentationml/2006/main">
+  <p:cSld>
+    <p:spTree>
+      <p:nvGrpSpPr>
+        <p:cNvPr id="1" name=""/>
+        <p:cNvGrpSpPr/>
+        <p:nvPr/>
+      </p:nvGrpSpPr>
+      <p:grpSpPr>
+        <a:xfrm>
+          <a:off x="0" y="0"/>
+          <a:ext cx="0" cy="0"/>
+          <a:chOff x="0" y="0"/>
+          <a:chExt cx="0" cy="0"/>
+        </a:xfrm>
+      </p:grpSpPr>
+      <p:sp>
+        <p:nvSpPr>
+          <p:cNvPr id="5" name="Title 4">
+            <a:extLst>
+              <a:ext uri="{FF2B5EF4-FFF2-40B4-BE49-F238E27FC236}">
+                <a16:creationId xmlns:a16="http://schemas.microsoft.com/office/drawing/2014/main" id="{E8011BEF-FB34-4E07-AFC1-E2481C643109}"/>
+              </a:ext>
+            </a:extLst>
+          </p:cNvPr>
+          <p:cNvSpPr>
+            <a:spLocks noGrp="1"/>
+          </p:cNvSpPr>
+          <p:nvPr>
+            <p:ph type="title"/>
+          </p:nvPr>
+        </p:nvSpPr>
+        <p:spPr/>
+        <p:txBody>
+          <a:bodyPr/>
+          <a:lstStyle/>
+          <a:p>
+            <a:r>
+              <a:rPr lang="en-US" dirty="0"/>
+              <a:t>Player Stats</a:t>
+            </a:r>
+          </a:p>
+        </p:txBody>
+      </p:sp>
+      <p:sp>
+        <p:nvSpPr>
+          <p:cNvPr id="6" name="Content Placeholder 5">
+            <a:extLst>
+              <a:ext uri="{FF2B5EF4-FFF2-40B4-BE49-F238E27FC236}">
+                <a16:creationId xmlns:a16="http://schemas.microsoft.com/office/drawing/2014/main" id="{E270B4E1-B012-44AD-BF94-92607BFA9500}"/>
+              </a:ext>
+            </a:extLst>
+          </p:cNvPr>
+          <p:cNvSpPr>
+            <a:spLocks noGrp="1"/>
+          </p:cNvSpPr>
+          <p:nvPr>
+            <p:ph sz="half" idx="1"/>
+          </p:nvPr>
+        </p:nvSpPr>
+        <p:spPr/>
+        <p:txBody>
+          <a:bodyPr/>
+          <a:lstStyle/>
+          <a:p>
+            <a:endParaRPr lang="en-US" dirty="0"/>
+          </a:p>
+        </p:txBody>
+      </p:sp>
+      <p:sp>
+        <p:nvSpPr>
+          <p:cNvPr id="7" name="Content Placeholder 6">
+            <a:extLst>
+              <a:ext uri="{FF2B5EF4-FFF2-40B4-BE49-F238E27FC236}">
+                <a16:creationId xmlns:a16="http://schemas.microsoft.com/office/drawing/2014/main" id="{3FAA6E3A-CEA0-47A8-8AC1-56E4B141ECCE}"/>
+              </a:ext>
+            </a:extLst>
+          </p:cNvPr>
+          <p:cNvSpPr>
+            <a:spLocks noGrp="1"/>
+          </p:cNvSpPr>
+          <p:nvPr>
+            <p:ph sz="half" idx="2"/>
+          </p:nvPr>
+        </p:nvSpPr>
+        <p:spPr/>
+        <p:txBody>
+          <a:bodyPr/>
+          <a:lstStyle/>
+          <a:p>
+            <a:endParaRPr lang="en-US"/>
+          </a:p>
+        </p:txBody>
+      </p:sp>
+    </p:spTree>
+    <p:extLst>
+      <p:ext uri="{BB962C8B-B14F-4D97-AF65-F5344CB8AC3E}">
+        <p14:creationId xmlns:p14="http://schemas.microsoft.com/office/powerpoint/2010/main" val="946137557"/>
+      </p:ext>
+    </p:extLst>
+  </p:cSld>
+  <p:clrMapOvr>
+    <a:masterClrMapping/>
+  </p:clrMapOvr>
+</p:sld>
+</file>
+
+<file path=ppt/slides/slide7.xml><?xml version="1.0" encoding="utf-8"?>
 <p:sld xmlns:a="http://schemas.openxmlformats.org/drawingml/2006/main" xmlns:r="http://schemas.openxmlformats.org/officeDocument/2006/relationships" xmlns:p="http://schemas.openxmlformats.org/presentationml/2006/main">
   <p:cSld>
     <p:spTree>

--- a/docs/Analyzing_Jeopardy_Data.pptx
+++ b/docs/Analyzing_Jeopardy_Data.pptx
@@ -6,12 +6,21 @@
   </p:sldMasterIdLst>
   <p:sldIdLst>
     <p:sldId id="256" r:id="rId2"/>
-    <p:sldId id="257" r:id="rId3"/>
-    <p:sldId id="258" r:id="rId4"/>
-    <p:sldId id="261" r:id="rId5"/>
-    <p:sldId id="260" r:id="rId6"/>
-    <p:sldId id="262" r:id="rId7"/>
-    <p:sldId id="259" r:id="rId8"/>
+    <p:sldId id="263" r:id="rId3"/>
+    <p:sldId id="264" r:id="rId4"/>
+    <p:sldId id="265" r:id="rId5"/>
+    <p:sldId id="266" r:id="rId6"/>
+    <p:sldId id="267" r:id="rId7"/>
+    <p:sldId id="268" r:id="rId8"/>
+    <p:sldId id="269" r:id="rId9"/>
+    <p:sldId id="270" r:id="rId10"/>
+    <p:sldId id="271" r:id="rId11"/>
+    <p:sldId id="257" r:id="rId12"/>
+    <p:sldId id="258" r:id="rId13"/>
+    <p:sldId id="261" r:id="rId14"/>
+    <p:sldId id="260" r:id="rId15"/>
+    <p:sldId id="262" r:id="rId16"/>
+    <p:sldId id="259" r:id="rId17"/>
   </p:sldIdLst>
   <p:sldSz cx="12192000" cy="6858000"/>
   <p:notesSz cx="6858000" cy="9144000"/>
@@ -363,7 +372,7 @@
           <a:p>
             <a:fld id="{1160EA64-D806-43AC-9DF2-F8C432F32B4C}" type="datetimeFigureOut">
               <a:rPr lang="en-US" smtClean="0"/>
-              <a:t>3/31/2021</a:t>
+              <a:t>4/2/21</a:t>
             </a:fld>
             <a:endParaRPr lang="en-US" dirty="0"/>
           </a:p>
@@ -626,7 +635,7 @@
           <a:p>
             <a:fld id="{E9F9C37B-1D36-470B-8223-D6C91242EC14}" type="datetimeFigureOut">
               <a:rPr lang="en-US" smtClean="0"/>
-              <a:t>3/31/2021</a:t>
+              <a:t>4/2/21</a:t>
             </a:fld>
             <a:endParaRPr lang="en-US" dirty="0"/>
           </a:p>
@@ -861,7 +870,7 @@
           <a:p>
             <a:fld id="{67C6F52A-A82B-47A2-A83A-8C4C91F2D59F}" type="datetimeFigureOut">
               <a:rPr lang="en-US" smtClean="0"/>
-              <a:t>3/31/2021</a:t>
+              <a:t>4/2/21</a:t>
             </a:fld>
             <a:endParaRPr lang="en-US" dirty="0"/>
           </a:p>
@@ -1101,7 +1110,7 @@
           <a:p>
             <a:fld id="{F070A7B3-6521-4DCA-87E5-044747A908C1}" type="datetimeFigureOut">
               <a:rPr lang="en-US" smtClean="0"/>
-              <a:t>3/31/2021</a:t>
+              <a:t>4/2/21</a:t>
             </a:fld>
             <a:endParaRPr lang="en-US" dirty="0"/>
           </a:p>
@@ -1409,7 +1418,7 @@
           <a:p>
             <a:fld id="{1160EA64-D806-43AC-9DF2-F8C432F32B4C}" type="datetimeFigureOut">
               <a:rPr lang="en-US" smtClean="0"/>
-              <a:t>3/31/2021</a:t>
+              <a:t>4/2/21</a:t>
             </a:fld>
             <a:endParaRPr lang="en-US" dirty="0"/>
           </a:p>
@@ -1712,7 +1721,7 @@
           <a:p>
             <a:fld id="{AB134690-1557-4C89-A502-4959FE7FAD70}" type="datetimeFigureOut">
               <a:rPr lang="en-US" smtClean="0"/>
-              <a:t>3/31/2021</a:t>
+              <a:t>4/2/21</a:t>
             </a:fld>
             <a:endParaRPr lang="en-US" dirty="0"/>
           </a:p>
@@ -2134,7 +2143,7 @@
           <a:p>
             <a:fld id="{1160EA64-D806-43AC-9DF2-F8C432F32B4C}" type="datetimeFigureOut">
               <a:rPr lang="en-US" smtClean="0"/>
-              <a:t>3/31/2021</a:t>
+              <a:t>4/2/21</a:t>
             </a:fld>
             <a:endParaRPr lang="en-US" dirty="0"/>
           </a:p>
@@ -2231,7 +2240,7 @@
           <a:p>
             <a:fld id="{E1037C31-9E7A-4F99-8774-A0E530DE1A42}" type="datetimeFigureOut">
               <a:rPr lang="en-US" smtClean="0"/>
-              <a:t>3/31/2021</a:t>
+              <a:t>4/2/21</a:t>
             </a:fld>
             <a:endParaRPr lang="en-US" dirty="0"/>
           </a:p>
@@ -2393,7 +2402,7 @@
           <a:p>
             <a:fld id="{C278504F-A551-4DE0-9316-4DCD1D8CC752}" type="datetimeFigureOut">
               <a:rPr lang="en-US" smtClean="0"/>
-              <a:t>3/31/2021</a:t>
+              <a:t>4/2/21</a:t>
             </a:fld>
             <a:endParaRPr lang="en-US" dirty="0"/>
           </a:p>
@@ -2771,7 +2780,7 @@
           <a:p>
             <a:fld id="{1160EA64-D806-43AC-9DF2-F8C432F32B4C}" type="datetimeFigureOut">
               <a:rPr lang="en-US" smtClean="0"/>
-              <a:t>3/31/2021</a:t>
+              <a:t>4/2/21</a:t>
             </a:fld>
             <a:endParaRPr lang="en-US" dirty="0"/>
           </a:p>
@@ -3062,7 +3071,7 @@
             <a:fld id="{1160EA64-D806-43AC-9DF2-F8C432F32B4C}" type="datetimeFigureOut">
               <a:rPr lang="en-US" smtClean="0"/>
               <a:pPr/>
-              <a:t>3/31/2021</a:t>
+              <a:t>4/2/21</a:t>
             </a:fld>
             <a:endParaRPr lang="en-US" dirty="0"/>
           </a:p>
@@ -3274,7 +3283,7 @@
           <a:p>
             <a:fld id="{1160EA64-D806-43AC-9DF2-F8C432F32B4C}" type="datetimeFigureOut">
               <a:rPr lang="en-US" smtClean="0"/>
-              <a:t>3/31/2021</a:t>
+              <a:t>4/2/21</a:t>
             </a:fld>
             <a:endParaRPr lang="en-US" dirty="0"/>
           </a:p>
@@ -4216,7 +4225,7 @@
 </p:sld>
 </file>
 
-<file path=ppt/slides/slide2.xml><?xml version="1.0" encoding="utf-8"?>
+<file path=ppt/slides/slide10.xml><?xml version="1.0" encoding="utf-8"?>
 <p:sld xmlns:a="http://schemas.openxmlformats.org/drawingml/2006/main" xmlns:r="http://schemas.openxmlformats.org/officeDocument/2006/relationships" xmlns:p="http://schemas.openxmlformats.org/presentationml/2006/main">
   <p:cSld>
     <p:spTree>
@@ -4235,10 +4244,10 @@
       </p:grpSpPr>
       <p:sp>
         <p:nvSpPr>
-          <p:cNvPr id="2" name="Title 1">
+          <p:cNvPr id="4" name="Title 3">
             <a:extLst>
               <a:ext uri="{FF2B5EF4-FFF2-40B4-BE49-F238E27FC236}">
-                <a16:creationId xmlns:a16="http://schemas.microsoft.com/office/drawing/2014/main" id="{A33C6C18-6156-47F2-B832-7CED41E2BAFB}"/>
+                <a16:creationId xmlns:a16="http://schemas.microsoft.com/office/drawing/2014/main" id="{C1FBBFF4-69D7-7648-8F57-5C73DAF9A1D1}"/>
               </a:ext>
             </a:extLst>
           </p:cNvPr>
@@ -4256,40 +4265,44 @@
           <a:p>
             <a:r>
               <a:rPr lang="en-US" dirty="0"/>
-              <a:t>Overview</a:t>
-            </a:r>
-          </a:p>
-        </p:txBody>
-      </p:sp>
-      <p:sp>
-        <p:nvSpPr>
-          <p:cNvPr id="3" name="Content Placeholder 2">
+              <a:t>EER Diagram</a:t>
+            </a:r>
+          </a:p>
+        </p:txBody>
+      </p:sp>
+      <p:pic>
+        <p:nvPicPr>
+          <p:cNvPr id="11" name="Content Placeholder 10">
             <a:extLst>
               <a:ext uri="{FF2B5EF4-FFF2-40B4-BE49-F238E27FC236}">
-                <a16:creationId xmlns:a16="http://schemas.microsoft.com/office/drawing/2014/main" id="{FF5CD599-B2A4-4166-84B4-0AC65964421B}"/>
+                <a16:creationId xmlns:a16="http://schemas.microsoft.com/office/drawing/2014/main" id="{8A9D2C77-334F-E940-A0A1-40D5C8C6E674}"/>
               </a:ext>
             </a:extLst>
           </p:cNvPr>
-          <p:cNvSpPr>
-            <a:spLocks noGrp="1"/>
-          </p:cNvSpPr>
+          <p:cNvPicPr>
+            <a:picLocks noGrp="1" noChangeAspect="1"/>
+          </p:cNvPicPr>
           <p:nvPr>
             <p:ph idx="1"/>
           </p:nvPr>
-        </p:nvSpPr>
-        <p:spPr/>
-        <p:txBody>
-          <a:bodyPr/>
-          <a:lstStyle/>
-          <a:p>
-            <a:endParaRPr lang="en-US"/>
-          </a:p>
-        </p:txBody>
-      </p:sp>
+        </p:nvPicPr>
+        <p:blipFill>
+          <a:blip r:embed="rId2"/>
+          <a:stretch>
+            <a:fillRect/>
+          </a:stretch>
+        </p:blipFill>
+        <p:spPr>
+          <a:xfrm>
+            <a:off x="2970037" y="1968574"/>
+            <a:ext cx="6251925" cy="4614824"/>
+          </a:xfrm>
+        </p:spPr>
+      </p:pic>
     </p:spTree>
     <p:extLst>
       <p:ext uri="{BB962C8B-B14F-4D97-AF65-F5344CB8AC3E}">
-        <p14:creationId xmlns:p14="http://schemas.microsoft.com/office/powerpoint/2010/main" val="563183322"/>
+        <p14:creationId xmlns:p14="http://schemas.microsoft.com/office/powerpoint/2010/main" val="1272043228"/>
       </p:ext>
     </p:extLst>
   </p:cSld>
@@ -4299,7 +4312,7 @@
 </p:sld>
 </file>
 
-<file path=ppt/slides/slide3.xml><?xml version="1.0" encoding="utf-8"?>
+<file path=ppt/slides/slide11.xml><?xml version="1.0" encoding="utf-8"?>
 <p:sld xmlns:a="http://schemas.openxmlformats.org/drawingml/2006/main" xmlns:r="http://schemas.openxmlformats.org/officeDocument/2006/relationships" xmlns:p="http://schemas.openxmlformats.org/presentationml/2006/main">
   <p:cSld>
     <p:spTree>
@@ -4321,6 +4334,89 @@
           <p:cNvPr id="2" name="Title 1">
             <a:extLst>
               <a:ext uri="{FF2B5EF4-FFF2-40B4-BE49-F238E27FC236}">
+                <a16:creationId xmlns:a16="http://schemas.microsoft.com/office/drawing/2014/main" id="{A33C6C18-6156-47F2-B832-7CED41E2BAFB}"/>
+              </a:ext>
+            </a:extLst>
+          </p:cNvPr>
+          <p:cNvSpPr>
+            <a:spLocks noGrp="1"/>
+          </p:cNvSpPr>
+          <p:nvPr>
+            <p:ph type="title"/>
+          </p:nvPr>
+        </p:nvSpPr>
+        <p:spPr/>
+        <p:txBody>
+          <a:bodyPr/>
+          <a:lstStyle/>
+          <a:p>
+            <a:r>
+              <a:rPr lang="en-US" dirty="0"/>
+              <a:t>Overview</a:t>
+            </a:r>
+          </a:p>
+        </p:txBody>
+      </p:sp>
+      <p:sp>
+        <p:nvSpPr>
+          <p:cNvPr id="7" name="Content Placeholder 6">
+            <a:extLst>
+              <a:ext uri="{FF2B5EF4-FFF2-40B4-BE49-F238E27FC236}">
+                <a16:creationId xmlns:a16="http://schemas.microsoft.com/office/drawing/2014/main" id="{20CA6A68-5E45-5842-8DED-E08976BCECEA}"/>
+              </a:ext>
+            </a:extLst>
+          </p:cNvPr>
+          <p:cNvSpPr>
+            <a:spLocks noGrp="1"/>
+          </p:cNvSpPr>
+          <p:nvPr>
+            <p:ph idx="1"/>
+          </p:nvPr>
+        </p:nvSpPr>
+        <p:spPr/>
+        <p:txBody>
+          <a:bodyPr/>
+          <a:lstStyle/>
+          <a:p>
+            <a:endParaRPr lang="en-US"/>
+          </a:p>
+        </p:txBody>
+      </p:sp>
+    </p:spTree>
+    <p:extLst>
+      <p:ext uri="{BB962C8B-B14F-4D97-AF65-F5344CB8AC3E}">
+        <p14:creationId xmlns:p14="http://schemas.microsoft.com/office/powerpoint/2010/main" val="563183322"/>
+      </p:ext>
+    </p:extLst>
+  </p:cSld>
+  <p:clrMapOvr>
+    <a:masterClrMapping/>
+  </p:clrMapOvr>
+</p:sld>
+</file>
+
+<file path=ppt/slides/slide12.xml><?xml version="1.0" encoding="utf-8"?>
+<p:sld xmlns:a="http://schemas.openxmlformats.org/drawingml/2006/main" xmlns:r="http://schemas.openxmlformats.org/officeDocument/2006/relationships" xmlns:p="http://schemas.openxmlformats.org/presentationml/2006/main">
+  <p:cSld>
+    <p:spTree>
+      <p:nvGrpSpPr>
+        <p:cNvPr id="1" name=""/>
+        <p:cNvGrpSpPr/>
+        <p:nvPr/>
+      </p:nvGrpSpPr>
+      <p:grpSpPr>
+        <a:xfrm>
+          <a:off x="0" y="0"/>
+          <a:ext cx="0" cy="0"/>
+          <a:chOff x="0" y="0"/>
+          <a:chExt cx="0" cy="0"/>
+        </a:xfrm>
+      </p:grpSpPr>
+      <p:sp>
+        <p:nvSpPr>
+          <p:cNvPr id="2" name="Title 1">
+            <a:extLst>
+              <a:ext uri="{FF2B5EF4-FFF2-40B4-BE49-F238E27FC236}">
                 <a16:creationId xmlns:a16="http://schemas.microsoft.com/office/drawing/2014/main" id="{A8195544-965A-44C7-8BC5-B489E8E98FD4}"/>
               </a:ext>
             </a:extLst>
@@ -4382,7 +4478,7 @@
 </p:sld>
 </file>
 
-<file path=ppt/slides/slide4.xml><?xml version="1.0" encoding="utf-8"?>
+<file path=ppt/slides/slide13.xml><?xml version="1.0" encoding="utf-8"?>
 <p:sld xmlns:a="http://schemas.openxmlformats.org/drawingml/2006/main" xmlns:r="http://schemas.openxmlformats.org/officeDocument/2006/relationships" xmlns:p="http://schemas.openxmlformats.org/presentationml/2006/main">
   <p:cSld>
     <p:spTree>
@@ -4468,7 +4564,7 @@
 </p:sld>
 </file>
 
-<file path=ppt/slides/slide5.xml><?xml version="1.0" encoding="utf-8"?>
+<file path=ppt/slides/slide14.xml><?xml version="1.0" encoding="utf-8"?>
 <p:sld xmlns:a="http://schemas.openxmlformats.org/drawingml/2006/main" xmlns:r="http://schemas.openxmlformats.org/officeDocument/2006/relationships" xmlns:p="http://schemas.openxmlformats.org/presentationml/2006/main">
   <p:cSld>
     <p:spTree>
@@ -5548,6 +5644,688 @@
 </p:sld>
 </file>
 
+<file path=ppt/slides/slide15.xml><?xml version="1.0" encoding="utf-8"?>
+<p:sld xmlns:a="http://schemas.openxmlformats.org/drawingml/2006/main" xmlns:r="http://schemas.openxmlformats.org/officeDocument/2006/relationships" xmlns:p="http://schemas.openxmlformats.org/presentationml/2006/main">
+  <p:cSld>
+    <p:spTree>
+      <p:nvGrpSpPr>
+        <p:cNvPr id="1" name=""/>
+        <p:cNvGrpSpPr/>
+        <p:nvPr/>
+      </p:nvGrpSpPr>
+      <p:grpSpPr>
+        <a:xfrm>
+          <a:off x="0" y="0"/>
+          <a:ext cx="0" cy="0"/>
+          <a:chOff x="0" y="0"/>
+          <a:chExt cx="0" cy="0"/>
+        </a:xfrm>
+      </p:grpSpPr>
+      <p:sp>
+        <p:nvSpPr>
+          <p:cNvPr id="5" name="Title 4">
+            <a:extLst>
+              <a:ext uri="{FF2B5EF4-FFF2-40B4-BE49-F238E27FC236}">
+                <a16:creationId xmlns:a16="http://schemas.microsoft.com/office/drawing/2014/main" id="{E8011BEF-FB34-4E07-AFC1-E2481C643109}"/>
+              </a:ext>
+            </a:extLst>
+          </p:cNvPr>
+          <p:cNvSpPr>
+            <a:spLocks noGrp="1"/>
+          </p:cNvSpPr>
+          <p:nvPr>
+            <p:ph type="title"/>
+          </p:nvPr>
+        </p:nvSpPr>
+        <p:spPr/>
+        <p:txBody>
+          <a:bodyPr/>
+          <a:lstStyle/>
+          <a:p>
+            <a:r>
+              <a:rPr lang="en-US" dirty="0"/>
+              <a:t>Player Stats</a:t>
+            </a:r>
+          </a:p>
+        </p:txBody>
+      </p:sp>
+      <p:sp>
+        <p:nvSpPr>
+          <p:cNvPr id="6" name="Content Placeholder 5">
+            <a:extLst>
+              <a:ext uri="{FF2B5EF4-FFF2-40B4-BE49-F238E27FC236}">
+                <a16:creationId xmlns:a16="http://schemas.microsoft.com/office/drawing/2014/main" id="{E270B4E1-B012-44AD-BF94-92607BFA9500}"/>
+              </a:ext>
+            </a:extLst>
+          </p:cNvPr>
+          <p:cNvSpPr>
+            <a:spLocks noGrp="1"/>
+          </p:cNvSpPr>
+          <p:nvPr>
+            <p:ph sz="half" idx="1"/>
+          </p:nvPr>
+        </p:nvSpPr>
+        <p:spPr/>
+        <p:txBody>
+          <a:bodyPr/>
+          <a:lstStyle/>
+          <a:p>
+            <a:endParaRPr lang="en-US" dirty="0"/>
+          </a:p>
+        </p:txBody>
+      </p:sp>
+      <p:sp>
+        <p:nvSpPr>
+          <p:cNvPr id="7" name="Content Placeholder 6">
+            <a:extLst>
+              <a:ext uri="{FF2B5EF4-FFF2-40B4-BE49-F238E27FC236}">
+                <a16:creationId xmlns:a16="http://schemas.microsoft.com/office/drawing/2014/main" id="{3FAA6E3A-CEA0-47A8-8AC1-56E4B141ECCE}"/>
+              </a:ext>
+            </a:extLst>
+          </p:cNvPr>
+          <p:cNvSpPr>
+            <a:spLocks noGrp="1"/>
+          </p:cNvSpPr>
+          <p:nvPr>
+            <p:ph sz="half" idx="2"/>
+          </p:nvPr>
+        </p:nvSpPr>
+        <p:spPr/>
+        <p:txBody>
+          <a:bodyPr/>
+          <a:lstStyle/>
+          <a:p>
+            <a:endParaRPr lang="en-US"/>
+          </a:p>
+        </p:txBody>
+      </p:sp>
+    </p:spTree>
+    <p:extLst>
+      <p:ext uri="{BB962C8B-B14F-4D97-AF65-F5344CB8AC3E}">
+        <p14:creationId xmlns:p14="http://schemas.microsoft.com/office/powerpoint/2010/main" val="946137557"/>
+      </p:ext>
+    </p:extLst>
+  </p:cSld>
+  <p:clrMapOvr>
+    <a:masterClrMapping/>
+  </p:clrMapOvr>
+</p:sld>
+</file>
+
+<file path=ppt/slides/slide16.xml><?xml version="1.0" encoding="utf-8"?>
+<p:sld xmlns:a="http://schemas.openxmlformats.org/drawingml/2006/main" xmlns:r="http://schemas.openxmlformats.org/officeDocument/2006/relationships" xmlns:p="http://schemas.openxmlformats.org/presentationml/2006/main">
+  <p:cSld>
+    <p:spTree>
+      <p:nvGrpSpPr>
+        <p:cNvPr id="1" name=""/>
+        <p:cNvGrpSpPr/>
+        <p:nvPr/>
+      </p:nvGrpSpPr>
+      <p:grpSpPr>
+        <a:xfrm>
+          <a:off x="0" y="0"/>
+          <a:ext cx="0" cy="0"/>
+          <a:chOff x="0" y="0"/>
+          <a:chExt cx="0" cy="0"/>
+        </a:xfrm>
+      </p:grpSpPr>
+      <p:sp>
+        <p:nvSpPr>
+          <p:cNvPr id="6" name="Title 5">
+            <a:extLst>
+              <a:ext uri="{FF2B5EF4-FFF2-40B4-BE49-F238E27FC236}">
+                <a16:creationId xmlns:a16="http://schemas.microsoft.com/office/drawing/2014/main" id="{D960A884-4CA9-48A2-BD43-5B87FB198078}"/>
+              </a:ext>
+            </a:extLst>
+          </p:cNvPr>
+          <p:cNvSpPr>
+            <a:spLocks noGrp="1"/>
+          </p:cNvSpPr>
+          <p:nvPr>
+            <p:ph type="title"/>
+          </p:nvPr>
+        </p:nvSpPr>
+        <p:spPr/>
+        <p:txBody>
+          <a:bodyPr/>
+          <a:lstStyle/>
+          <a:p>
+            <a:r>
+              <a:rPr lang="en-US" dirty="0" err="1"/>
+              <a:t>Rshiny</a:t>
+            </a:r>
+            <a:r>
+              <a:rPr lang="en-US" dirty="0"/>
+              <a:t> App Demo</a:t>
+            </a:r>
+          </a:p>
+        </p:txBody>
+      </p:sp>
+      <p:sp>
+        <p:nvSpPr>
+          <p:cNvPr id="8" name="Text Placeholder 7">
+            <a:extLst>
+              <a:ext uri="{FF2B5EF4-FFF2-40B4-BE49-F238E27FC236}">
+                <a16:creationId xmlns:a16="http://schemas.microsoft.com/office/drawing/2014/main" id="{8F299ED4-3F58-4AFD-AF4A-8575976C2822}"/>
+              </a:ext>
+            </a:extLst>
+          </p:cNvPr>
+          <p:cNvSpPr>
+            <a:spLocks noGrp="1"/>
+          </p:cNvSpPr>
+          <p:nvPr>
+            <p:ph type="body" idx="1"/>
+          </p:nvPr>
+        </p:nvSpPr>
+        <p:spPr/>
+        <p:txBody>
+          <a:bodyPr/>
+          <a:lstStyle/>
+          <a:p>
+            <a:endParaRPr lang="en-US"/>
+          </a:p>
+        </p:txBody>
+      </p:sp>
+    </p:spTree>
+    <p:extLst>
+      <p:ext uri="{BB962C8B-B14F-4D97-AF65-F5344CB8AC3E}">
+        <p14:creationId xmlns:p14="http://schemas.microsoft.com/office/powerpoint/2010/main" val="1619147207"/>
+      </p:ext>
+    </p:extLst>
+  </p:cSld>
+  <p:clrMapOvr>
+    <a:masterClrMapping/>
+  </p:clrMapOvr>
+</p:sld>
+</file>
+
+<file path=ppt/slides/slide2.xml><?xml version="1.0" encoding="utf-8"?>
+<p:sld xmlns:a="http://schemas.openxmlformats.org/drawingml/2006/main" xmlns:r="http://schemas.openxmlformats.org/officeDocument/2006/relationships" xmlns:p="http://schemas.openxmlformats.org/presentationml/2006/main">
+  <p:cSld>
+    <p:spTree>
+      <p:nvGrpSpPr>
+        <p:cNvPr id="1" name=""/>
+        <p:cNvGrpSpPr/>
+        <p:nvPr/>
+      </p:nvGrpSpPr>
+      <p:grpSpPr>
+        <a:xfrm>
+          <a:off x="0" y="0"/>
+          <a:ext cx="0" cy="0"/>
+          <a:chOff x="0" y="0"/>
+          <a:chExt cx="0" cy="0"/>
+        </a:xfrm>
+      </p:grpSpPr>
+      <p:pic>
+        <p:nvPicPr>
+          <p:cNvPr id="2" name="Picture 1">
+            <a:extLst>
+              <a:ext uri="{FF2B5EF4-FFF2-40B4-BE49-F238E27FC236}">
+                <a16:creationId xmlns:a16="http://schemas.microsoft.com/office/drawing/2014/main" id="{08972D63-4EE3-8649-9265-C9C6C6BD4DE5}"/>
+              </a:ext>
+            </a:extLst>
+          </p:cNvPr>
+          <p:cNvPicPr>
+            <a:picLocks noChangeAspect="1"/>
+          </p:cNvPicPr>
+          <p:nvPr/>
+        </p:nvPicPr>
+        <p:blipFill>
+          <a:blip r:embed="rId2"/>
+          <a:stretch>
+            <a:fillRect/>
+          </a:stretch>
+        </p:blipFill>
+        <p:spPr>
+          <a:xfrm>
+            <a:off x="2844800" y="1255919"/>
+            <a:ext cx="6502400" cy="1841500"/>
+          </a:xfrm>
+          <a:prstGeom prst="rect">
+            <a:avLst/>
+          </a:prstGeom>
+        </p:spPr>
+      </p:pic>
+      <p:sp>
+        <p:nvSpPr>
+          <p:cNvPr id="3" name="TextBox 2">
+            <a:extLst>
+              <a:ext uri="{FF2B5EF4-FFF2-40B4-BE49-F238E27FC236}">
+                <a16:creationId xmlns:a16="http://schemas.microsoft.com/office/drawing/2014/main" id="{11194A73-338B-B541-B6D1-1F5C523B701F}"/>
+              </a:ext>
+            </a:extLst>
+          </p:cNvPr>
+          <p:cNvSpPr txBox="1"/>
+          <p:nvPr/>
+        </p:nvSpPr>
+        <p:spPr>
+          <a:xfrm>
+            <a:off x="4253727" y="3760582"/>
+            <a:ext cx="3684546" cy="2121030"/>
+          </a:xfrm>
+          <a:prstGeom prst="rect">
+            <a:avLst/>
+          </a:prstGeom>
+          <a:noFill/>
+        </p:spPr>
+        <p:txBody>
+          <a:bodyPr wrap="square" rtlCol="0">
+            <a:spAutoFit/>
+          </a:bodyPr>
+          <a:lstStyle/>
+          <a:p>
+            <a:pPr algn="ctr">
+              <a:lnSpc>
+                <a:spcPct val="150000"/>
+              </a:lnSpc>
+            </a:pPr>
+            <a:r>
+              <a:rPr lang="en-US" dirty="0"/>
+              <a:t>What is a game show that has been on the air for more than 37 years and is known for its late, beloved host and having players answer clues in the form of a question?</a:t>
+            </a:r>
+          </a:p>
+        </p:txBody>
+      </p:sp>
+    </p:spTree>
+    <p:extLst>
+      <p:ext uri="{BB962C8B-B14F-4D97-AF65-F5344CB8AC3E}">
+        <p14:creationId xmlns:p14="http://schemas.microsoft.com/office/powerpoint/2010/main" val="68740798"/>
+      </p:ext>
+    </p:extLst>
+  </p:cSld>
+  <p:clrMapOvr>
+    <a:masterClrMapping/>
+  </p:clrMapOvr>
+</p:sld>
+</file>
+
+<file path=ppt/slides/slide3.xml><?xml version="1.0" encoding="utf-8"?>
+<p:sld xmlns:a="http://schemas.openxmlformats.org/drawingml/2006/main" xmlns:r="http://schemas.openxmlformats.org/officeDocument/2006/relationships" xmlns:p="http://schemas.openxmlformats.org/presentationml/2006/main">
+  <p:cSld>
+    <p:spTree>
+      <p:nvGrpSpPr>
+        <p:cNvPr id="1" name=""/>
+        <p:cNvGrpSpPr/>
+        <p:nvPr/>
+      </p:nvGrpSpPr>
+      <p:grpSpPr>
+        <a:xfrm>
+          <a:off x="0" y="0"/>
+          <a:ext cx="0" cy="0"/>
+          <a:chOff x="0" y="0"/>
+          <a:chExt cx="0" cy="0"/>
+        </a:xfrm>
+      </p:grpSpPr>
+      <p:sp>
+        <p:nvSpPr>
+          <p:cNvPr id="2" name="Title 1">
+            <a:extLst>
+              <a:ext uri="{FF2B5EF4-FFF2-40B4-BE49-F238E27FC236}">
+                <a16:creationId xmlns:a16="http://schemas.microsoft.com/office/drawing/2014/main" id="{CE185C59-5A0C-704D-9826-D112A5672049}"/>
+              </a:ext>
+            </a:extLst>
+          </p:cNvPr>
+          <p:cNvSpPr>
+            <a:spLocks noGrp="1"/>
+          </p:cNvSpPr>
+          <p:nvPr>
+            <p:ph type="title"/>
+          </p:nvPr>
+        </p:nvSpPr>
+        <p:spPr/>
+        <p:txBody>
+          <a:bodyPr/>
+          <a:lstStyle/>
+          <a:p>
+            <a:r>
+              <a:rPr lang="en-US" dirty="0"/>
+              <a:t>J! Archive</a:t>
+            </a:r>
+          </a:p>
+        </p:txBody>
+      </p:sp>
+      <p:sp>
+        <p:nvSpPr>
+          <p:cNvPr id="3" name="Text Placeholder 2">
+            <a:extLst>
+              <a:ext uri="{FF2B5EF4-FFF2-40B4-BE49-F238E27FC236}">
+                <a16:creationId xmlns:a16="http://schemas.microsoft.com/office/drawing/2014/main" id="{F7C1B740-7BD6-CF44-A341-FC7FA30025D3}"/>
+              </a:ext>
+            </a:extLst>
+          </p:cNvPr>
+          <p:cNvSpPr>
+            <a:spLocks noGrp="1"/>
+          </p:cNvSpPr>
+          <p:nvPr>
+            <p:ph type="body" idx="1"/>
+          </p:nvPr>
+        </p:nvSpPr>
+        <p:spPr/>
+        <p:txBody>
+          <a:bodyPr/>
+          <a:lstStyle/>
+          <a:p>
+            <a:r>
+              <a:rPr lang="en-US" dirty="0"/>
+              <a:t>A fan-created archive of Jeopardy! Games and players</a:t>
+            </a:r>
+          </a:p>
+        </p:txBody>
+      </p:sp>
+    </p:spTree>
+    <p:extLst>
+      <p:ext uri="{BB962C8B-B14F-4D97-AF65-F5344CB8AC3E}">
+        <p14:creationId xmlns:p14="http://schemas.microsoft.com/office/powerpoint/2010/main" val="4152766938"/>
+      </p:ext>
+    </p:extLst>
+  </p:cSld>
+  <p:clrMapOvr>
+    <a:masterClrMapping/>
+  </p:clrMapOvr>
+</p:sld>
+</file>
+
+<file path=ppt/slides/slide4.xml><?xml version="1.0" encoding="utf-8"?>
+<p:sld xmlns:a="http://schemas.openxmlformats.org/drawingml/2006/main" xmlns:r="http://schemas.openxmlformats.org/officeDocument/2006/relationships" xmlns:p="http://schemas.openxmlformats.org/presentationml/2006/main">
+  <p:cSld>
+    <p:spTree>
+      <p:nvGrpSpPr>
+        <p:cNvPr id="1" name=""/>
+        <p:cNvGrpSpPr/>
+        <p:nvPr/>
+      </p:nvGrpSpPr>
+      <p:grpSpPr>
+        <a:xfrm>
+          <a:off x="0" y="0"/>
+          <a:ext cx="0" cy="0"/>
+          <a:chOff x="0" y="0"/>
+          <a:chExt cx="0" cy="0"/>
+        </a:xfrm>
+      </p:grpSpPr>
+      <p:sp>
+        <p:nvSpPr>
+          <p:cNvPr id="20" name="Title 19">
+            <a:extLst>
+              <a:ext uri="{FF2B5EF4-FFF2-40B4-BE49-F238E27FC236}">
+                <a16:creationId xmlns:a16="http://schemas.microsoft.com/office/drawing/2014/main" id="{BC09D4CA-BF58-A343-AC6A-7A901AE14762}"/>
+              </a:ext>
+            </a:extLst>
+          </p:cNvPr>
+          <p:cNvSpPr>
+            <a:spLocks noGrp="1"/>
+          </p:cNvSpPr>
+          <p:nvPr>
+            <p:ph type="title"/>
+          </p:nvPr>
+        </p:nvSpPr>
+        <p:spPr/>
+        <p:txBody>
+          <a:bodyPr/>
+          <a:lstStyle/>
+          <a:p>
+            <a:r>
+              <a:rPr lang="en-US" dirty="0"/>
+              <a:t>J! Archive</a:t>
+            </a:r>
+          </a:p>
+        </p:txBody>
+      </p:sp>
+      <p:pic>
+        <p:nvPicPr>
+          <p:cNvPr id="15" name="Content Placeholder 14">
+            <a:extLst>
+              <a:ext uri="{FF2B5EF4-FFF2-40B4-BE49-F238E27FC236}">
+                <a16:creationId xmlns:a16="http://schemas.microsoft.com/office/drawing/2014/main" id="{2C6294CB-3355-7D4D-AB87-B3869708949A}"/>
+              </a:ext>
+            </a:extLst>
+          </p:cNvPr>
+          <p:cNvPicPr>
+            <a:picLocks noGrp="1" noChangeAspect="1"/>
+          </p:cNvPicPr>
+          <p:nvPr>
+            <p:ph idx="1"/>
+          </p:nvPr>
+        </p:nvPicPr>
+        <p:blipFill>
+          <a:blip r:embed="rId2"/>
+          <a:stretch>
+            <a:fillRect/>
+          </a:stretch>
+        </p:blipFill>
+        <p:spPr>
+          <a:xfrm>
+            <a:off x="4007612" y="2181225"/>
+            <a:ext cx="4176776" cy="3678238"/>
+          </a:xfrm>
+        </p:spPr>
+      </p:pic>
+    </p:spTree>
+    <p:extLst>
+      <p:ext uri="{BB962C8B-B14F-4D97-AF65-F5344CB8AC3E}">
+        <p14:creationId xmlns:p14="http://schemas.microsoft.com/office/powerpoint/2010/main" val="853078615"/>
+      </p:ext>
+    </p:extLst>
+  </p:cSld>
+  <p:clrMapOvr>
+    <a:masterClrMapping/>
+  </p:clrMapOvr>
+</p:sld>
+</file>
+
+<file path=ppt/slides/slide5.xml><?xml version="1.0" encoding="utf-8"?>
+<p:sld xmlns:a="http://schemas.openxmlformats.org/drawingml/2006/main" xmlns:r="http://schemas.openxmlformats.org/officeDocument/2006/relationships" xmlns:p="http://schemas.openxmlformats.org/presentationml/2006/main">
+  <p:cSld>
+    <p:spTree>
+      <p:nvGrpSpPr>
+        <p:cNvPr id="1" name=""/>
+        <p:cNvGrpSpPr/>
+        <p:nvPr/>
+      </p:nvGrpSpPr>
+      <p:grpSpPr>
+        <a:xfrm>
+          <a:off x="0" y="0"/>
+          <a:ext cx="0" cy="0"/>
+          <a:chOff x="0" y="0"/>
+          <a:chExt cx="0" cy="0"/>
+        </a:xfrm>
+      </p:grpSpPr>
+      <p:pic>
+        <p:nvPicPr>
+          <p:cNvPr id="8" name="Content Placeholder 7">
+            <a:extLst>
+              <a:ext uri="{FF2B5EF4-FFF2-40B4-BE49-F238E27FC236}">
+                <a16:creationId xmlns:a16="http://schemas.microsoft.com/office/drawing/2014/main" id="{5FF13D94-5AA7-5E4B-9658-42E27F1CCBA9}"/>
+              </a:ext>
+            </a:extLst>
+          </p:cNvPr>
+          <p:cNvPicPr>
+            <a:picLocks noGrp="1" noChangeAspect="1"/>
+          </p:cNvPicPr>
+          <p:nvPr>
+            <p:ph sz="half" idx="4294967295"/>
+          </p:nvPr>
+        </p:nvPicPr>
+        <p:blipFill>
+          <a:blip r:embed="rId2"/>
+          <a:stretch>
+            <a:fillRect/>
+          </a:stretch>
+        </p:blipFill>
+        <p:spPr>
+          <a:xfrm>
+            <a:off x="6020419" y="646181"/>
+            <a:ext cx="5754138" cy="6082610"/>
+          </a:xfrm>
+        </p:spPr>
+      </p:pic>
+      <p:sp>
+        <p:nvSpPr>
+          <p:cNvPr id="9" name="TextBox 8">
+            <a:extLst>
+              <a:ext uri="{FF2B5EF4-FFF2-40B4-BE49-F238E27FC236}">
+                <a16:creationId xmlns:a16="http://schemas.microsoft.com/office/drawing/2014/main" id="{ABD11166-CE6A-6E40-B1A5-BC0D8380649A}"/>
+              </a:ext>
+            </a:extLst>
+          </p:cNvPr>
+          <p:cNvSpPr txBox="1"/>
+          <p:nvPr/>
+        </p:nvSpPr>
+        <p:spPr>
+          <a:xfrm>
+            <a:off x="669851" y="966922"/>
+            <a:ext cx="3376437" cy="461665"/>
+          </a:xfrm>
+          <a:prstGeom prst="rect">
+            <a:avLst/>
+          </a:prstGeom>
+          <a:noFill/>
+        </p:spPr>
+        <p:txBody>
+          <a:bodyPr wrap="none" rtlCol="0">
+            <a:spAutoFit/>
+          </a:bodyPr>
+          <a:lstStyle/>
+          <a:p>
+            <a:r>
+              <a:rPr lang="en-US" sz="2400" b="1" dirty="0"/>
+              <a:t>Information Collected</a:t>
+            </a:r>
+          </a:p>
+        </p:txBody>
+      </p:sp>
+      <p:sp>
+        <p:nvSpPr>
+          <p:cNvPr id="10" name="TextBox 9">
+            <a:extLst>
+              <a:ext uri="{FF2B5EF4-FFF2-40B4-BE49-F238E27FC236}">
+                <a16:creationId xmlns:a16="http://schemas.microsoft.com/office/drawing/2014/main" id="{B138C6BF-4D2F-6F42-A940-8D8542A742F7}"/>
+              </a:ext>
+            </a:extLst>
+          </p:cNvPr>
+          <p:cNvSpPr txBox="1"/>
+          <p:nvPr/>
+        </p:nvSpPr>
+        <p:spPr>
+          <a:xfrm>
+            <a:off x="1073889" y="1552354"/>
+            <a:ext cx="1790234" cy="2952027"/>
+          </a:xfrm>
+          <a:prstGeom prst="rect">
+            <a:avLst/>
+          </a:prstGeom>
+          <a:noFill/>
+        </p:spPr>
+        <p:txBody>
+          <a:bodyPr wrap="none" rtlCol="0">
+            <a:spAutoFit/>
+          </a:bodyPr>
+          <a:lstStyle/>
+          <a:p>
+            <a:pPr marL="285750" indent="-285750">
+              <a:lnSpc>
+                <a:spcPct val="150000"/>
+              </a:lnSpc>
+              <a:buFont typeface="Arial" panose="020B0604020202020204" pitchFamily="34" charset="0"/>
+              <a:buChar char="•"/>
+            </a:pPr>
+            <a:r>
+              <a:rPr lang="en-US" dirty="0"/>
+              <a:t>Air Date</a:t>
+            </a:r>
+          </a:p>
+          <a:p>
+            <a:pPr marL="285750" indent="-285750">
+              <a:lnSpc>
+                <a:spcPct val="150000"/>
+              </a:lnSpc>
+              <a:buFont typeface="Arial" panose="020B0604020202020204" pitchFamily="34" charset="0"/>
+              <a:buChar char="•"/>
+            </a:pPr>
+            <a:r>
+              <a:rPr lang="en-US" dirty="0"/>
+              <a:t>Contestants</a:t>
+            </a:r>
+          </a:p>
+          <a:p>
+            <a:pPr marL="285750" indent="-285750">
+              <a:lnSpc>
+                <a:spcPct val="150000"/>
+              </a:lnSpc>
+              <a:buFont typeface="Arial" panose="020B0604020202020204" pitchFamily="34" charset="0"/>
+              <a:buChar char="•"/>
+            </a:pPr>
+            <a:r>
+              <a:rPr lang="en-US" dirty="0"/>
+              <a:t>Categories</a:t>
+            </a:r>
+          </a:p>
+          <a:p>
+            <a:pPr marL="285750" indent="-285750">
+              <a:lnSpc>
+                <a:spcPct val="150000"/>
+              </a:lnSpc>
+              <a:buFont typeface="Arial" panose="020B0604020202020204" pitchFamily="34" charset="0"/>
+              <a:buChar char="•"/>
+            </a:pPr>
+            <a:r>
+              <a:rPr lang="en-US" dirty="0"/>
+              <a:t>Clues</a:t>
+            </a:r>
+          </a:p>
+          <a:p>
+            <a:pPr marL="285750" indent="-285750">
+              <a:lnSpc>
+                <a:spcPct val="150000"/>
+              </a:lnSpc>
+              <a:buFont typeface="Arial" panose="020B0604020202020204" pitchFamily="34" charset="0"/>
+              <a:buChar char="•"/>
+            </a:pPr>
+            <a:r>
+              <a:rPr lang="en-US" dirty="0"/>
+              <a:t>Responses</a:t>
+            </a:r>
+          </a:p>
+          <a:p>
+            <a:pPr marL="285750" indent="-285750">
+              <a:lnSpc>
+                <a:spcPct val="150000"/>
+              </a:lnSpc>
+              <a:buFont typeface="Arial" panose="020B0604020202020204" pitchFamily="34" charset="0"/>
+              <a:buChar char="•"/>
+            </a:pPr>
+            <a:r>
+              <a:rPr lang="en-US" dirty="0"/>
+              <a:t>Daily Doubles</a:t>
+            </a:r>
+          </a:p>
+          <a:p>
+            <a:pPr marL="285750" indent="-285750">
+              <a:lnSpc>
+                <a:spcPct val="150000"/>
+              </a:lnSpc>
+              <a:buFont typeface="Arial" panose="020B0604020202020204" pitchFamily="34" charset="0"/>
+              <a:buChar char="•"/>
+            </a:pPr>
+            <a:r>
+              <a:rPr lang="en-US" dirty="0"/>
+              <a:t>Final Scores</a:t>
+            </a:r>
+          </a:p>
+        </p:txBody>
+      </p:sp>
+    </p:spTree>
+    <p:extLst>
+      <p:ext uri="{BB962C8B-B14F-4D97-AF65-F5344CB8AC3E}">
+        <p14:creationId xmlns:p14="http://schemas.microsoft.com/office/powerpoint/2010/main" val="1795762231"/>
+      </p:ext>
+    </p:extLst>
+  </p:cSld>
+  <p:clrMapOvr>
+    <a:masterClrMapping/>
+  </p:clrMapOvr>
+</p:sld>
+</file>
+
 <file path=ppt/slides/slide6.xml><?xml version="1.0" encoding="utf-8"?>
 <p:sld xmlns:a="http://schemas.openxmlformats.org/drawingml/2006/main" xmlns:r="http://schemas.openxmlformats.org/officeDocument/2006/relationships" xmlns:p="http://schemas.openxmlformats.org/presentationml/2006/main">
   <p:cSld>
@@ -5567,10 +6345,10 @@
       </p:grpSpPr>
       <p:sp>
         <p:nvSpPr>
-          <p:cNvPr id="5" name="Title 4">
+          <p:cNvPr id="4" name="Title 3">
             <a:extLst>
               <a:ext uri="{FF2B5EF4-FFF2-40B4-BE49-F238E27FC236}">
-                <a16:creationId xmlns:a16="http://schemas.microsoft.com/office/drawing/2014/main" id="{E8011BEF-FB34-4E07-AFC1-E2481C643109}"/>
+                <a16:creationId xmlns:a16="http://schemas.microsoft.com/office/drawing/2014/main" id="{BF7448CE-C9E0-3844-8A12-9F553EA03726}"/>
               </a:ext>
             </a:extLst>
           </p:cNvPr>
@@ -5588,17 +6366,17 @@
           <a:p>
             <a:r>
               <a:rPr lang="en-US" dirty="0"/>
-              <a:t>Player Stats</a:t>
-            </a:r>
-          </a:p>
-        </p:txBody>
-      </p:sp>
-      <p:sp>
-        <p:nvSpPr>
-          <p:cNvPr id="6" name="Content Placeholder 5">
+              <a:t>Data Collection</a:t>
+            </a:r>
+          </a:p>
+        </p:txBody>
+      </p:sp>
+      <p:sp>
+        <p:nvSpPr>
+          <p:cNvPr id="5" name="Text Placeholder 4">
             <a:extLst>
               <a:ext uri="{FF2B5EF4-FFF2-40B4-BE49-F238E27FC236}">
-                <a16:creationId xmlns:a16="http://schemas.microsoft.com/office/drawing/2014/main" id="{E270B4E1-B012-44AD-BF94-92607BFA9500}"/>
+                <a16:creationId xmlns:a16="http://schemas.microsoft.com/office/drawing/2014/main" id="{93A016AD-31C9-7B49-BD82-2A1396832011}"/>
               </a:ext>
             </a:extLst>
           </p:cNvPr>
@@ -5606,7 +6384,7 @@
             <a:spLocks noGrp="1"/>
           </p:cNvSpPr>
           <p:nvPr>
-            <p:ph sz="half" idx="1"/>
+            <p:ph type="body" idx="1"/>
           </p:nvPr>
         </p:nvSpPr>
         <p:spPr/>
@@ -5614,39 +6392,21 @@
           <a:bodyPr/>
           <a:lstStyle/>
           <a:p>
-            <a:endParaRPr lang="en-US" dirty="0"/>
-          </a:p>
-        </p:txBody>
-      </p:sp>
-      <p:sp>
-        <p:nvSpPr>
-          <p:cNvPr id="7" name="Content Placeholder 6">
-            <a:extLst>
-              <a:ext uri="{FF2B5EF4-FFF2-40B4-BE49-F238E27FC236}">
-                <a16:creationId xmlns:a16="http://schemas.microsoft.com/office/drawing/2014/main" id="{3FAA6E3A-CEA0-47A8-8AC1-56E4B141ECCE}"/>
-              </a:ext>
-            </a:extLst>
-          </p:cNvPr>
-          <p:cNvSpPr>
-            <a:spLocks noGrp="1"/>
-          </p:cNvSpPr>
-          <p:nvPr>
-            <p:ph sz="half" idx="2"/>
-          </p:nvPr>
-        </p:nvSpPr>
-        <p:spPr/>
-        <p:txBody>
-          <a:bodyPr/>
-          <a:lstStyle/>
-          <a:p>
-            <a:endParaRPr lang="en-US"/>
+            <a:r>
+              <a:rPr lang="en-US" dirty="0" err="1"/>
+              <a:t>Whatr</a:t>
+            </a:r>
+            <a:r>
+              <a:rPr lang="en-US" dirty="0"/>
+              <a:t> package</a:t>
+            </a:r>
           </a:p>
         </p:txBody>
       </p:sp>
     </p:spTree>
     <p:extLst>
       <p:ext uri="{BB962C8B-B14F-4D97-AF65-F5344CB8AC3E}">
-        <p14:creationId xmlns:p14="http://schemas.microsoft.com/office/powerpoint/2010/main" val="946137557"/>
+        <p14:creationId xmlns:p14="http://schemas.microsoft.com/office/powerpoint/2010/main" val="3139486486"/>
       </p:ext>
     </p:extLst>
   </p:cSld>
@@ -5675,10 +6435,10 @@
       </p:grpSpPr>
       <p:sp>
         <p:nvSpPr>
-          <p:cNvPr id="6" name="Title 5">
+          <p:cNvPr id="4" name="Title 3">
             <a:extLst>
               <a:ext uri="{FF2B5EF4-FFF2-40B4-BE49-F238E27FC236}">
-                <a16:creationId xmlns:a16="http://schemas.microsoft.com/office/drawing/2014/main" id="{D960A884-4CA9-48A2-BD43-5B87FB198078}"/>
+                <a16:creationId xmlns:a16="http://schemas.microsoft.com/office/drawing/2014/main" id="{58EE9EB7-80CA-6942-B96C-134678246EC6}"/>
               </a:ext>
             </a:extLst>
           </p:cNvPr>
@@ -5695,22 +6455,18 @@
           <a:lstStyle/>
           <a:p>
             <a:r>
-              <a:rPr lang="en-US" dirty="0" err="1"/>
-              <a:t>Rshiny</a:t>
-            </a:r>
-            <a:r>
               <a:rPr lang="en-US" dirty="0"/>
-              <a:t> App Demo</a:t>
-            </a:r>
-          </a:p>
-        </p:txBody>
-      </p:sp>
-      <p:sp>
-        <p:nvSpPr>
-          <p:cNvPr id="8" name="Text Placeholder 7">
+              <a:t>Data Collection</a:t>
+            </a:r>
+          </a:p>
+        </p:txBody>
+      </p:sp>
+      <p:sp>
+        <p:nvSpPr>
+          <p:cNvPr id="5" name="Content Placeholder 4">
             <a:extLst>
               <a:ext uri="{FF2B5EF4-FFF2-40B4-BE49-F238E27FC236}">
-                <a16:creationId xmlns:a16="http://schemas.microsoft.com/office/drawing/2014/main" id="{8F299ED4-3F58-4AFD-AF4A-8575976C2822}"/>
+                <a16:creationId xmlns:a16="http://schemas.microsoft.com/office/drawing/2014/main" id="{3431542B-A159-6849-B550-4CB7688A04F2}"/>
               </a:ext>
             </a:extLst>
           </p:cNvPr>
@@ -5718,7 +6474,7 @@
             <a:spLocks noGrp="1"/>
           </p:cNvSpPr>
           <p:nvPr>
-            <p:ph type="body" idx="1"/>
+            <p:ph sz="half" idx="1"/>
           </p:nvPr>
         </p:nvSpPr>
         <p:spPr/>
@@ -5726,14 +6482,282 @@
           <a:bodyPr/>
           <a:lstStyle/>
           <a:p>
-            <a:endParaRPr lang="en-US"/>
-          </a:p>
-        </p:txBody>
-      </p:sp>
+            <a:r>
+              <a:rPr lang="en-US" dirty="0" err="1"/>
+              <a:t>whatr</a:t>
+            </a:r>
+            <a:r>
+              <a:rPr lang="en-US" dirty="0"/>
+              <a:t> package developed by </a:t>
+            </a:r>
+            <a:r>
+              <a:rPr lang="en-US" dirty="0" err="1"/>
+              <a:t>Kiernann</a:t>
+            </a:r>
+            <a:r>
+              <a:rPr lang="en-US" dirty="0"/>
+              <a:t> Nicholls</a:t>
+            </a:r>
+          </a:p>
+          <a:p>
+            <a:r>
+              <a:rPr lang="en-US" dirty="0"/>
+              <a:t>Created a function to get all details for a specific game ID</a:t>
+            </a:r>
+          </a:p>
+          <a:p>
+            <a:r>
+              <a:rPr lang="en-US" dirty="0"/>
+              <a:t>Used </a:t>
+            </a:r>
+            <a:r>
+              <a:rPr lang="en-US" dirty="0" err="1"/>
+              <a:t>purrr</a:t>
+            </a:r>
+            <a:r>
+              <a:rPr lang="en-US" dirty="0"/>
+              <a:t> to iterate over all of the games and create a master list</a:t>
+            </a:r>
+          </a:p>
+        </p:txBody>
+      </p:sp>
+      <p:pic>
+        <p:nvPicPr>
+          <p:cNvPr id="14" name="Content Placeholder 13">
+            <a:extLst>
+              <a:ext uri="{FF2B5EF4-FFF2-40B4-BE49-F238E27FC236}">
+                <a16:creationId xmlns:a16="http://schemas.microsoft.com/office/drawing/2014/main" id="{908E545B-5377-2743-9521-0455F88392C6}"/>
+              </a:ext>
+            </a:extLst>
+          </p:cNvPr>
+          <p:cNvPicPr>
+            <a:picLocks noGrp="1" noChangeAspect="1"/>
+          </p:cNvPicPr>
+          <p:nvPr>
+            <p:ph sz="half" idx="2"/>
+          </p:nvPr>
+        </p:nvPicPr>
+        <p:blipFill>
+          <a:blip r:embed="rId2"/>
+          <a:stretch>
+            <a:fillRect/>
+          </a:stretch>
+        </p:blipFill>
+        <p:spPr>
+          <a:xfrm>
+            <a:off x="6327775" y="2386806"/>
+            <a:ext cx="5143500" cy="3314700"/>
+          </a:xfrm>
+        </p:spPr>
+      </p:pic>
     </p:spTree>
     <p:extLst>
       <p:ext uri="{BB962C8B-B14F-4D97-AF65-F5344CB8AC3E}">
-        <p14:creationId xmlns:p14="http://schemas.microsoft.com/office/powerpoint/2010/main" val="1619147207"/>
+        <p14:creationId xmlns:p14="http://schemas.microsoft.com/office/powerpoint/2010/main" val="2461577809"/>
+      </p:ext>
+    </p:extLst>
+  </p:cSld>
+  <p:clrMapOvr>
+    <a:masterClrMapping/>
+  </p:clrMapOvr>
+</p:sld>
+</file>
+
+<file path=ppt/slides/slide8.xml><?xml version="1.0" encoding="utf-8"?>
+<p:sld xmlns:a="http://schemas.openxmlformats.org/drawingml/2006/main" xmlns:r="http://schemas.openxmlformats.org/officeDocument/2006/relationships" xmlns:p="http://schemas.openxmlformats.org/presentationml/2006/main">
+  <p:cSld>
+    <p:spTree>
+      <p:nvGrpSpPr>
+        <p:cNvPr id="1" name=""/>
+        <p:cNvGrpSpPr/>
+        <p:nvPr/>
+      </p:nvGrpSpPr>
+      <p:grpSpPr>
+        <a:xfrm>
+          <a:off x="0" y="0"/>
+          <a:ext cx="0" cy="0"/>
+          <a:chOff x="0" y="0"/>
+          <a:chExt cx="0" cy="0"/>
+        </a:xfrm>
+      </p:grpSpPr>
+      <p:sp>
+        <p:nvSpPr>
+          <p:cNvPr id="2" name="Title 1">
+            <a:extLst>
+              <a:ext uri="{FF2B5EF4-FFF2-40B4-BE49-F238E27FC236}">
+                <a16:creationId xmlns:a16="http://schemas.microsoft.com/office/drawing/2014/main" id="{B712FC38-CAAC-F247-A191-47EABCF9ED1D}"/>
+              </a:ext>
+            </a:extLst>
+          </p:cNvPr>
+          <p:cNvSpPr>
+            <a:spLocks noGrp="1"/>
+          </p:cNvSpPr>
+          <p:nvPr>
+            <p:ph type="title"/>
+          </p:nvPr>
+        </p:nvSpPr>
+        <p:spPr/>
+        <p:txBody>
+          <a:bodyPr/>
+          <a:lstStyle/>
+          <a:p>
+            <a:r>
+              <a:rPr lang="en-US" dirty="0"/>
+              <a:t>Data Collection</a:t>
+            </a:r>
+          </a:p>
+        </p:txBody>
+      </p:sp>
+      <p:sp>
+        <p:nvSpPr>
+          <p:cNvPr id="3" name="Content Placeholder 2">
+            <a:extLst>
+              <a:ext uri="{FF2B5EF4-FFF2-40B4-BE49-F238E27FC236}">
+                <a16:creationId xmlns:a16="http://schemas.microsoft.com/office/drawing/2014/main" id="{6B14201E-CD7B-1343-A74B-39CFB94CECF3}"/>
+              </a:ext>
+            </a:extLst>
+          </p:cNvPr>
+          <p:cNvSpPr>
+            <a:spLocks noGrp="1"/>
+          </p:cNvSpPr>
+          <p:nvPr>
+            <p:ph sz="half" idx="1"/>
+          </p:nvPr>
+        </p:nvSpPr>
+        <p:spPr/>
+        <p:txBody>
+          <a:bodyPr/>
+          <a:lstStyle/>
+          <a:p>
+            <a:r>
+              <a:rPr lang="en-US" dirty="0"/>
+              <a:t>Created a separate function to iterate over each game and combine the data of each type into a single data frame</a:t>
+            </a:r>
+          </a:p>
+          <a:p>
+            <a:r>
+              <a:rPr lang="en-US" dirty="0"/>
+              <a:t>Split data out into standalone CSVs for import into MySQL Workbench</a:t>
+            </a:r>
+          </a:p>
+        </p:txBody>
+      </p:sp>
+      <p:pic>
+        <p:nvPicPr>
+          <p:cNvPr id="6" name="Content Placeholder 5">
+            <a:extLst>
+              <a:ext uri="{FF2B5EF4-FFF2-40B4-BE49-F238E27FC236}">
+                <a16:creationId xmlns:a16="http://schemas.microsoft.com/office/drawing/2014/main" id="{AB3D3908-33C2-1540-8E20-2607DFAEF109}"/>
+              </a:ext>
+            </a:extLst>
+          </p:cNvPr>
+          <p:cNvPicPr>
+            <a:picLocks noGrp="1" noChangeAspect="1"/>
+          </p:cNvPicPr>
+          <p:nvPr>
+            <p:ph sz="half" idx="2"/>
+          </p:nvPr>
+        </p:nvPicPr>
+        <p:blipFill>
+          <a:blip r:embed="rId2"/>
+          <a:stretch>
+            <a:fillRect/>
+          </a:stretch>
+        </p:blipFill>
+        <p:spPr>
+          <a:xfrm>
+            <a:off x="7543973" y="2046509"/>
+            <a:ext cx="3492623" cy="4504620"/>
+          </a:xfrm>
+        </p:spPr>
+      </p:pic>
+    </p:spTree>
+    <p:extLst>
+      <p:ext uri="{BB962C8B-B14F-4D97-AF65-F5344CB8AC3E}">
+        <p14:creationId xmlns:p14="http://schemas.microsoft.com/office/powerpoint/2010/main" val="3440414"/>
+      </p:ext>
+    </p:extLst>
+  </p:cSld>
+  <p:clrMapOvr>
+    <a:masterClrMapping/>
+  </p:clrMapOvr>
+</p:sld>
+</file>
+
+<file path=ppt/slides/slide9.xml><?xml version="1.0" encoding="utf-8"?>
+<p:sld xmlns:a="http://schemas.openxmlformats.org/drawingml/2006/main" xmlns:r="http://schemas.openxmlformats.org/officeDocument/2006/relationships" xmlns:p="http://schemas.openxmlformats.org/presentationml/2006/main">
+  <p:cSld>
+    <p:spTree>
+      <p:nvGrpSpPr>
+        <p:cNvPr id="1" name=""/>
+        <p:cNvGrpSpPr/>
+        <p:nvPr/>
+      </p:nvGrpSpPr>
+      <p:grpSpPr>
+        <a:xfrm>
+          <a:off x="0" y="0"/>
+          <a:ext cx="0" cy="0"/>
+          <a:chOff x="0" y="0"/>
+          <a:chExt cx="0" cy="0"/>
+        </a:xfrm>
+      </p:grpSpPr>
+      <p:sp>
+        <p:nvSpPr>
+          <p:cNvPr id="5" name="Title 4">
+            <a:extLst>
+              <a:ext uri="{FF2B5EF4-FFF2-40B4-BE49-F238E27FC236}">
+                <a16:creationId xmlns:a16="http://schemas.microsoft.com/office/drawing/2014/main" id="{287C3BCD-F1AA-EA49-B6F1-3C29251CC21F}"/>
+              </a:ext>
+            </a:extLst>
+          </p:cNvPr>
+          <p:cNvSpPr>
+            <a:spLocks noGrp="1"/>
+          </p:cNvSpPr>
+          <p:nvPr>
+            <p:ph type="title"/>
+          </p:nvPr>
+        </p:nvSpPr>
+        <p:spPr/>
+        <p:txBody>
+          <a:bodyPr/>
+          <a:lstStyle/>
+          <a:p>
+            <a:r>
+              <a:rPr lang="en-US" dirty="0"/>
+              <a:t>MySQL Workbench</a:t>
+            </a:r>
+          </a:p>
+        </p:txBody>
+      </p:sp>
+      <p:sp>
+        <p:nvSpPr>
+          <p:cNvPr id="6" name="Text Placeholder 5">
+            <a:extLst>
+              <a:ext uri="{FF2B5EF4-FFF2-40B4-BE49-F238E27FC236}">
+                <a16:creationId xmlns:a16="http://schemas.microsoft.com/office/drawing/2014/main" id="{576F54E5-0F6D-F646-95F9-F30422F61CE3}"/>
+              </a:ext>
+            </a:extLst>
+          </p:cNvPr>
+          <p:cNvSpPr>
+            <a:spLocks noGrp="1"/>
+          </p:cNvSpPr>
+          <p:nvPr>
+            <p:ph type="body" idx="1"/>
+          </p:nvPr>
+        </p:nvSpPr>
+        <p:spPr/>
+        <p:txBody>
+          <a:bodyPr/>
+          <a:lstStyle/>
+          <a:p>
+            <a:endParaRPr lang="en-US"/>
+          </a:p>
+        </p:txBody>
+      </p:sp>
+    </p:spTree>
+    <p:extLst>
+      <p:ext uri="{BB962C8B-B14F-4D97-AF65-F5344CB8AC3E}">
+        <p14:creationId xmlns:p14="http://schemas.microsoft.com/office/powerpoint/2010/main" val="3550029264"/>
       </p:ext>
     </p:extLst>
   </p:cSld>

--- a/docs/Analyzing_Jeopardy_Data.pptx
+++ b/docs/Analyzing_Jeopardy_Data.pptx
@@ -16,11 +16,12 @@
     <p:sldId id="270" r:id="rId10"/>
     <p:sldId id="271" r:id="rId11"/>
     <p:sldId id="257" r:id="rId12"/>
-    <p:sldId id="258" r:id="rId13"/>
-    <p:sldId id="261" r:id="rId14"/>
-    <p:sldId id="260" r:id="rId15"/>
-    <p:sldId id="262" r:id="rId16"/>
+    <p:sldId id="274" r:id="rId13"/>
+    <p:sldId id="272" r:id="rId14"/>
+    <p:sldId id="261" r:id="rId15"/>
+    <p:sldId id="260" r:id="rId16"/>
     <p:sldId id="259" r:id="rId17"/>
+    <p:sldId id="273" r:id="rId18"/>
   </p:sldIdLst>
   <p:sldSz cx="12192000" cy="6858000"/>
   <p:notesSz cx="6858000" cy="9144000"/>
@@ -372,7 +373,7 @@
           <a:p>
             <a:fld id="{1160EA64-D806-43AC-9DF2-F8C432F32B4C}" type="datetimeFigureOut">
               <a:rPr lang="en-US" smtClean="0"/>
-              <a:t>4/2/21</a:t>
+              <a:t>4/3/2021</a:t>
             </a:fld>
             <a:endParaRPr lang="en-US" dirty="0"/>
           </a:p>
@@ -635,7 +636,7 @@
           <a:p>
             <a:fld id="{E9F9C37B-1D36-470B-8223-D6C91242EC14}" type="datetimeFigureOut">
               <a:rPr lang="en-US" smtClean="0"/>
-              <a:t>4/2/21</a:t>
+              <a:t>4/3/2021</a:t>
             </a:fld>
             <a:endParaRPr lang="en-US" dirty="0"/>
           </a:p>
@@ -870,7 +871,7 @@
           <a:p>
             <a:fld id="{67C6F52A-A82B-47A2-A83A-8C4C91F2D59F}" type="datetimeFigureOut">
               <a:rPr lang="en-US" smtClean="0"/>
-              <a:t>4/2/21</a:t>
+              <a:t>4/3/2021</a:t>
             </a:fld>
             <a:endParaRPr lang="en-US" dirty="0"/>
           </a:p>
@@ -1110,7 +1111,7 @@
           <a:p>
             <a:fld id="{F070A7B3-6521-4DCA-87E5-044747A908C1}" type="datetimeFigureOut">
               <a:rPr lang="en-US" smtClean="0"/>
-              <a:t>4/2/21</a:t>
+              <a:t>4/3/2021</a:t>
             </a:fld>
             <a:endParaRPr lang="en-US" dirty="0"/>
           </a:p>
@@ -1418,7 +1419,7 @@
           <a:p>
             <a:fld id="{1160EA64-D806-43AC-9DF2-F8C432F32B4C}" type="datetimeFigureOut">
               <a:rPr lang="en-US" smtClean="0"/>
-              <a:t>4/2/21</a:t>
+              <a:t>4/3/2021</a:t>
             </a:fld>
             <a:endParaRPr lang="en-US" dirty="0"/>
           </a:p>
@@ -1721,7 +1722,7 @@
           <a:p>
             <a:fld id="{AB134690-1557-4C89-A502-4959FE7FAD70}" type="datetimeFigureOut">
               <a:rPr lang="en-US" smtClean="0"/>
-              <a:t>4/2/21</a:t>
+              <a:t>4/3/2021</a:t>
             </a:fld>
             <a:endParaRPr lang="en-US" dirty="0"/>
           </a:p>
@@ -2143,7 +2144,7 @@
           <a:p>
             <a:fld id="{1160EA64-D806-43AC-9DF2-F8C432F32B4C}" type="datetimeFigureOut">
               <a:rPr lang="en-US" smtClean="0"/>
-              <a:t>4/2/21</a:t>
+              <a:t>4/3/2021</a:t>
             </a:fld>
             <a:endParaRPr lang="en-US" dirty="0"/>
           </a:p>
@@ -2240,7 +2241,7 @@
           <a:p>
             <a:fld id="{E1037C31-9E7A-4F99-8774-A0E530DE1A42}" type="datetimeFigureOut">
               <a:rPr lang="en-US" smtClean="0"/>
-              <a:t>4/2/21</a:t>
+              <a:t>4/3/2021</a:t>
             </a:fld>
             <a:endParaRPr lang="en-US" dirty="0"/>
           </a:p>
@@ -2402,7 +2403,7 @@
           <a:p>
             <a:fld id="{C278504F-A551-4DE0-9316-4DCD1D8CC752}" type="datetimeFigureOut">
               <a:rPr lang="en-US" smtClean="0"/>
-              <a:t>4/2/21</a:t>
+              <a:t>4/3/2021</a:t>
             </a:fld>
             <a:endParaRPr lang="en-US" dirty="0"/>
           </a:p>
@@ -2780,7 +2781,7 @@
           <a:p>
             <a:fld id="{1160EA64-D806-43AC-9DF2-F8C432F32B4C}" type="datetimeFigureOut">
               <a:rPr lang="en-US" smtClean="0"/>
-              <a:t>4/2/21</a:t>
+              <a:t>4/3/2021</a:t>
             </a:fld>
             <a:endParaRPr lang="en-US" dirty="0"/>
           </a:p>
@@ -3071,7 +3072,7 @@
             <a:fld id="{1160EA64-D806-43AC-9DF2-F8C432F32B4C}" type="datetimeFigureOut">
               <a:rPr lang="en-US" smtClean="0"/>
               <a:pPr/>
-              <a:t>4/2/21</a:t>
+              <a:t>4/3/2021</a:t>
             </a:fld>
             <a:endParaRPr lang="en-US" dirty="0"/>
           </a:p>
@@ -3283,7 +3284,7 @@
           <a:p>
             <a:fld id="{1160EA64-D806-43AC-9DF2-F8C432F32B4C}" type="datetimeFigureOut">
               <a:rPr lang="en-US" smtClean="0"/>
-              <a:t>4/2/21</a:t>
+              <a:t>4/3/2021</a:t>
             </a:fld>
             <a:endParaRPr lang="en-US" dirty="0"/>
           </a:p>
@@ -4228,6 +4229,14 @@
 <file path=ppt/slides/slide10.xml><?xml version="1.0" encoding="utf-8"?>
 <p:sld xmlns:a="http://schemas.openxmlformats.org/drawingml/2006/main" xmlns:r="http://schemas.openxmlformats.org/officeDocument/2006/relationships" xmlns:p="http://schemas.openxmlformats.org/presentationml/2006/main">
   <p:cSld>
+    <p:bg>
+      <p:bgPr>
+        <a:solidFill>
+          <a:schemeClr val="bg1"/>
+        </a:solidFill>
+        <a:effectLst/>
+      </p:bgPr>
+    </p:bg>
     <p:spTree>
       <p:nvGrpSpPr>
         <p:cNvPr id="1" name=""/>
@@ -4244,29 +4253,277 @@
       </p:grpSpPr>
       <p:sp>
         <p:nvSpPr>
-          <p:cNvPr id="4" name="Title 3">
+          <p:cNvPr id="16" name="Rectangle 15">
             <a:extLst>
               <a:ext uri="{FF2B5EF4-FFF2-40B4-BE49-F238E27FC236}">
-                <a16:creationId xmlns:a16="http://schemas.microsoft.com/office/drawing/2014/main" id="{C1FBBFF4-69D7-7648-8F57-5C73DAF9A1D1}"/>
+                <a16:creationId xmlns:a16="http://schemas.microsoft.com/office/drawing/2014/main" id="{48E96387-12F1-45E4-9322-ABBF2EE040E9}"/>
+              </a:ext>
+              <a:ext uri="{C183D7F6-B498-43B3-948B-1728B52AA6E4}">
+                <adec:decorative xmlns:adec="http://schemas.microsoft.com/office/drawing/2017/decorative" val="1"/>
               </a:ext>
             </a:extLst>
           </p:cNvPr>
           <p:cNvSpPr>
-            <a:spLocks noGrp="1"/>
-          </p:cNvSpPr>
-          <p:nvPr>
-            <p:ph type="title"/>
-          </p:nvPr>
-        </p:nvSpPr>
-        <p:spPr/>
-        <p:txBody>
-          <a:bodyPr/>
+            <a:spLocks noGrp="1" noRot="1" noChangeAspect="1" noMove="1" noResize="1" noEditPoints="1" noAdjustHandles="1" noChangeArrowheads="1" noChangeShapeType="1" noTextEdit="1"/>
+          </p:cNvSpPr>
+          <p:nvPr>
+            <p:extLst>
+              <p:ext uri="{386F3935-93C4-4BCD-93E2-E3B085C9AB24}">
+                <p16:designElem xmlns:p16="http://schemas.microsoft.com/office/powerpoint/2015/main" val="1"/>
+              </p:ext>
+            </p:extLst>
+          </p:nvPr>
+        </p:nvSpPr>
+        <p:spPr>
+          <a:xfrm>
+            <a:off x="446534" y="457200"/>
+            <a:ext cx="3703320" cy="94997"/>
+          </a:xfrm>
+          <a:prstGeom prst="rect">
+            <a:avLst/>
+          </a:prstGeom>
+          <a:solidFill>
+            <a:schemeClr val="accent1"/>
+          </a:solidFill>
+          <a:ln>
+            <a:noFill/>
+          </a:ln>
+          <a:effectLst/>
+        </p:spPr>
+        <p:style>
+          <a:lnRef idx="1">
+            <a:schemeClr val="accent1"/>
+          </a:lnRef>
+          <a:fillRef idx="3">
+            <a:schemeClr val="accent1"/>
+          </a:fillRef>
+          <a:effectRef idx="2">
+            <a:schemeClr val="accent1"/>
+          </a:effectRef>
+          <a:fontRef idx="minor">
+            <a:schemeClr val="lt1"/>
+          </a:fontRef>
+        </p:style>
+      </p:sp>
+      <p:sp>
+        <p:nvSpPr>
+          <p:cNvPr id="18" name="Rectangle 17">
+            <a:extLst>
+              <a:ext uri="{FF2B5EF4-FFF2-40B4-BE49-F238E27FC236}">
+                <a16:creationId xmlns:a16="http://schemas.microsoft.com/office/drawing/2014/main" id="{A9F421DD-DE4E-4547-A904-3F80E25E3F35}"/>
+              </a:ext>
+              <a:ext uri="{C183D7F6-B498-43B3-948B-1728B52AA6E4}">
+                <adec:decorative xmlns:adec="http://schemas.microsoft.com/office/drawing/2017/decorative" val="1"/>
+              </a:ext>
+            </a:extLst>
+          </p:cNvPr>
+          <p:cNvSpPr>
+            <a:spLocks noGrp="1" noRot="1" noChangeAspect="1" noMove="1" noResize="1" noEditPoints="1" noAdjustHandles="1" noChangeArrowheads="1" noChangeShapeType="1" noTextEdit="1"/>
+          </p:cNvSpPr>
+          <p:nvPr>
+            <p:extLst>
+              <p:ext uri="{386F3935-93C4-4BCD-93E2-E3B085C9AB24}">
+                <p16:designElem xmlns:p16="http://schemas.microsoft.com/office/powerpoint/2015/main" val="1"/>
+              </p:ext>
+            </p:extLst>
+          </p:nvPr>
+        </p:nvSpPr>
+        <p:spPr>
+          <a:xfrm>
+            <a:off x="8042147" y="453643"/>
+            <a:ext cx="3703320" cy="98554"/>
+          </a:xfrm>
+          <a:prstGeom prst="rect">
+            <a:avLst/>
+          </a:prstGeom>
+          <a:solidFill>
+            <a:schemeClr val="accent4"/>
+          </a:solidFill>
+          <a:ln>
+            <a:noFill/>
+          </a:ln>
+          <a:effectLst/>
+        </p:spPr>
+        <p:style>
+          <a:lnRef idx="1">
+            <a:schemeClr val="accent1"/>
+          </a:lnRef>
+          <a:fillRef idx="3">
+            <a:schemeClr val="accent1"/>
+          </a:fillRef>
+          <a:effectRef idx="2">
+            <a:schemeClr val="accent1"/>
+          </a:effectRef>
+          <a:fontRef idx="minor">
+            <a:schemeClr val="lt1"/>
+          </a:fontRef>
+        </p:style>
+      </p:sp>
+      <p:sp>
+        <p:nvSpPr>
+          <p:cNvPr id="20" name="Rectangle 19">
+            <a:extLst>
+              <a:ext uri="{FF2B5EF4-FFF2-40B4-BE49-F238E27FC236}">
+                <a16:creationId xmlns:a16="http://schemas.microsoft.com/office/drawing/2014/main" id="{09985DEC-1215-4209-9708-B45CC977402E}"/>
+              </a:ext>
+              <a:ext uri="{C183D7F6-B498-43B3-948B-1728B52AA6E4}">
+                <adec:decorative xmlns:adec="http://schemas.microsoft.com/office/drawing/2017/decorative" val="1"/>
+              </a:ext>
+            </a:extLst>
+          </p:cNvPr>
+          <p:cNvSpPr>
+            <a:spLocks noGrp="1" noRot="1" noChangeAspect="1" noMove="1" noResize="1" noEditPoints="1" noAdjustHandles="1" noChangeArrowheads="1" noChangeShapeType="1" noTextEdit="1"/>
+          </p:cNvSpPr>
+          <p:nvPr>
+            <p:extLst>
+              <p:ext uri="{386F3935-93C4-4BCD-93E2-E3B085C9AB24}">
+                <p16:designElem xmlns:p16="http://schemas.microsoft.com/office/powerpoint/2015/main" val="1"/>
+              </p:ext>
+            </p:extLst>
+          </p:nvPr>
+        </p:nvSpPr>
+        <p:spPr>
+          <a:xfrm>
+            <a:off x="4241830" y="457200"/>
+            <a:ext cx="3703320" cy="91440"/>
+          </a:xfrm>
+          <a:prstGeom prst="rect">
+            <a:avLst/>
+          </a:prstGeom>
+          <a:solidFill>
+            <a:schemeClr val="accent2"/>
+          </a:solidFill>
+          <a:ln>
+            <a:noFill/>
+          </a:ln>
+          <a:effectLst/>
+        </p:spPr>
+        <p:style>
+          <a:lnRef idx="1">
+            <a:schemeClr val="accent1"/>
+          </a:lnRef>
+          <a:fillRef idx="3">
+            <a:schemeClr val="accent1"/>
+          </a:fillRef>
+          <a:effectRef idx="2">
+            <a:schemeClr val="accent1"/>
+          </a:effectRef>
+          <a:fontRef idx="minor">
+            <a:schemeClr val="lt1"/>
+          </a:fontRef>
+        </p:style>
+      </p:sp>
+      <p:sp>
+        <p:nvSpPr>
+          <p:cNvPr id="22" name="Rectangle 21">
+            <a:extLst>
+              <a:ext uri="{FF2B5EF4-FFF2-40B4-BE49-F238E27FC236}">
+                <a16:creationId xmlns:a16="http://schemas.microsoft.com/office/drawing/2014/main" id="{90EB7086-616E-4D44-94BE-D0F763561782}"/>
+              </a:ext>
+              <a:ext uri="{C183D7F6-B498-43B3-948B-1728B52AA6E4}">
+                <adec:decorative xmlns:adec="http://schemas.microsoft.com/office/drawing/2017/decorative" val="1"/>
+              </a:ext>
+            </a:extLst>
+          </p:cNvPr>
+          <p:cNvSpPr>
+            <a:spLocks noGrp="1" noRot="1" noChangeAspect="1" noMove="1" noResize="1" noEditPoints="1" noAdjustHandles="1" noChangeArrowheads="1" noChangeShapeType="1" noTextEdit="1"/>
+          </p:cNvSpPr>
+          <p:nvPr>
+            <p:extLst>
+              <p:ext uri="{386F3935-93C4-4BCD-93E2-E3B085C9AB24}">
+                <p16:designElem xmlns:p16="http://schemas.microsoft.com/office/powerpoint/2015/main" val="1"/>
+              </p:ext>
+            </p:extLst>
+          </p:nvPr>
+        </p:nvSpPr>
+        <p:spPr>
+          <a:xfrm>
+            <a:off x="446534" y="3085765"/>
+            <a:ext cx="11262866" cy="3304800"/>
+          </a:xfrm>
+          <a:prstGeom prst="rect">
+            <a:avLst/>
+          </a:prstGeom>
+          <a:solidFill>
+            <a:schemeClr val="accent1"/>
+          </a:solidFill>
+          <a:ln>
+            <a:noFill/>
+          </a:ln>
+          <a:effectLst/>
+        </p:spPr>
+        <p:style>
+          <a:lnRef idx="1">
+            <a:schemeClr val="accent1"/>
+          </a:lnRef>
+          <a:fillRef idx="3">
+            <a:schemeClr val="accent1"/>
+          </a:fillRef>
+          <a:effectRef idx="2">
+            <a:schemeClr val="accent1"/>
+          </a:effectRef>
+          <a:fontRef idx="minor">
+            <a:schemeClr val="lt1"/>
+          </a:fontRef>
+        </p:style>
+      </p:sp>
+      <p:sp useBgFill="1">
+        <p:nvSpPr>
+          <p:cNvPr id="24" name="Rectangle 23">
+            <a:extLst>
+              <a:ext uri="{FF2B5EF4-FFF2-40B4-BE49-F238E27FC236}">
+                <a16:creationId xmlns:a16="http://schemas.microsoft.com/office/drawing/2014/main" id="{F115DB35-53D7-4EDC-A965-A434929617CC}"/>
+              </a:ext>
+              <a:ext uri="{C183D7F6-B498-43B3-948B-1728B52AA6E4}">
+                <adec:decorative xmlns:adec="http://schemas.microsoft.com/office/drawing/2017/decorative" val="1"/>
+              </a:ext>
+            </a:extLst>
+          </p:cNvPr>
+          <p:cNvSpPr>
+            <a:spLocks noGrp="1" noRot="1" noChangeAspect="1" noMove="1" noResize="1" noEditPoints="1" noAdjustHandles="1" noChangeArrowheads="1" noChangeShapeType="1" noTextEdit="1"/>
+          </p:cNvSpPr>
+          <p:nvPr>
+            <p:extLst>
+              <p:ext uri="{386F3935-93C4-4BCD-93E2-E3B085C9AB24}">
+                <p16:designElem xmlns:p16="http://schemas.microsoft.com/office/powerpoint/2015/main" val="1"/>
+              </p:ext>
+            </p:extLst>
+          </p:nvPr>
+        </p:nvSpPr>
+        <p:spPr>
+          <a:xfrm>
+            <a:off x="0" y="638175"/>
+            <a:ext cx="12191999" cy="6219825"/>
+          </a:xfrm>
+          <a:prstGeom prst="rect">
+            <a:avLst/>
+          </a:prstGeom>
+          <a:ln>
+            <a:noFill/>
+          </a:ln>
+        </p:spPr>
+        <p:style>
+          <a:lnRef idx="2">
+            <a:schemeClr val="accent1">
+              <a:shade val="50000"/>
+            </a:schemeClr>
+          </a:lnRef>
+          <a:fillRef idx="1">
+            <a:schemeClr val="accent1"/>
+          </a:fillRef>
+          <a:effectRef idx="0">
+            <a:schemeClr val="accent1"/>
+          </a:effectRef>
+          <a:fontRef idx="minor">
+            <a:schemeClr val="lt1"/>
+          </a:fontRef>
+        </p:style>
+        <p:txBody>
+          <a:bodyPr rtlCol="0" anchor="ctr"/>
           <a:lstStyle/>
           <a:p>
-            <a:r>
-              <a:rPr lang="en-US" dirty="0"/>
-              <a:t>EER Diagram</a:t>
-            </a:r>
+            <a:pPr algn="ctr"/>
+            <a:endParaRPr lang="en-US"/>
           </a:p>
         </p:txBody>
       </p:sp>
@@ -4294,11 +4551,107 @@
         </p:blipFill>
         <p:spPr>
           <a:xfrm>
-            <a:off x="2970037" y="1968574"/>
-            <a:ext cx="6251925" cy="4614824"/>
-          </a:xfrm>
+            <a:off x="980349" y="1208531"/>
+            <a:ext cx="6420434" cy="4735069"/>
+          </a:xfrm>
+          <a:prstGeom prst="rect">
+            <a:avLst/>
+          </a:prstGeom>
         </p:spPr>
       </p:pic>
+      <p:sp>
+        <p:nvSpPr>
+          <p:cNvPr id="26" name="Rectangle 25">
+            <a:extLst>
+              <a:ext uri="{FF2B5EF4-FFF2-40B4-BE49-F238E27FC236}">
+                <a16:creationId xmlns:a16="http://schemas.microsoft.com/office/drawing/2014/main" id="{4B610F9C-62FE-46FC-8607-C35030B6321A}"/>
+              </a:ext>
+              <a:ext uri="{C183D7F6-B498-43B3-948B-1728B52AA6E4}">
+                <adec:decorative xmlns:adec="http://schemas.microsoft.com/office/drawing/2017/decorative" val="1"/>
+              </a:ext>
+            </a:extLst>
+          </p:cNvPr>
+          <p:cNvSpPr>
+            <a:spLocks noGrp="1" noRot="1" noChangeAspect="1" noMove="1" noResize="1" noEditPoints="1" noAdjustHandles="1" noChangeArrowheads="1" noChangeShapeType="1" noTextEdit="1"/>
+          </p:cNvSpPr>
+          <p:nvPr>
+            <p:extLst>
+              <p:ext uri="{386F3935-93C4-4BCD-93E2-E3B085C9AB24}">
+                <p16:designElem xmlns:p16="http://schemas.microsoft.com/office/powerpoint/2015/main" val="1"/>
+              </p:ext>
+            </p:extLst>
+          </p:nvPr>
+        </p:nvSpPr>
+        <p:spPr>
+          <a:xfrm>
+            <a:off x="8042147" y="723899"/>
+            <a:ext cx="3703320" cy="5666666"/>
+          </a:xfrm>
+          <a:prstGeom prst="rect">
+            <a:avLst/>
+          </a:prstGeom>
+          <a:solidFill>
+            <a:schemeClr val="accent1"/>
+          </a:solidFill>
+          <a:ln>
+            <a:noFill/>
+          </a:ln>
+          <a:effectLst/>
+        </p:spPr>
+        <p:style>
+          <a:lnRef idx="1">
+            <a:schemeClr val="accent1"/>
+          </a:lnRef>
+          <a:fillRef idx="3">
+            <a:schemeClr val="accent1"/>
+          </a:fillRef>
+          <a:effectRef idx="2">
+            <a:schemeClr val="accent1"/>
+          </a:effectRef>
+          <a:fontRef idx="minor">
+            <a:schemeClr val="lt1"/>
+          </a:fontRef>
+        </p:style>
+      </p:sp>
+      <p:sp>
+        <p:nvSpPr>
+          <p:cNvPr id="4" name="Title 3">
+            <a:extLst>
+              <a:ext uri="{FF2B5EF4-FFF2-40B4-BE49-F238E27FC236}">
+                <a16:creationId xmlns:a16="http://schemas.microsoft.com/office/drawing/2014/main" id="{C1FBBFF4-69D7-7648-8F57-5C73DAF9A1D1}"/>
+              </a:ext>
+            </a:extLst>
+          </p:cNvPr>
+          <p:cNvSpPr>
+            <a:spLocks noGrp="1"/>
+          </p:cNvSpPr>
+          <p:nvPr>
+            <p:ph type="title"/>
+          </p:nvPr>
+        </p:nvSpPr>
+        <p:spPr>
+          <a:xfrm>
+            <a:off x="8296275" y="1419225"/>
+            <a:ext cx="3081576" cy="2085869"/>
+          </a:xfrm>
+        </p:spPr>
+        <p:txBody>
+          <a:bodyPr vert="horz" lIns="91440" tIns="45720" rIns="91440" bIns="45720" rtlCol="0" anchor="b">
+            <a:normAutofit/>
+          </a:bodyPr>
+          <a:lstStyle/>
+          <a:p>
+            <a:r>
+              <a:rPr lang="en-US" sz="3600">
+                <a:solidFill>
+                  <a:srgbClr val="FFFFFF"/>
+                </a:solidFill>
+              </a:rPr>
+              <a:t>EER Diagram</a:t>
+            </a:r>
+          </a:p>
+        </p:txBody>
+      </p:sp>
     </p:spTree>
     <p:extLst>
       <p:ext uri="{BB962C8B-B14F-4D97-AF65-F5344CB8AC3E}">
@@ -4352,7 +4705,7 @@
           <a:p>
             <a:r>
               <a:rPr lang="en-US" dirty="0"/>
-              <a:t>Overview</a:t>
+              <a:t>Database challenges</a:t>
             </a:r>
           </a:p>
         </p:txBody>
@@ -4370,7 +4723,7 @@
             <a:spLocks noGrp="1"/>
           </p:cNvSpPr>
           <p:nvPr>
-            <p:ph idx="1"/>
+            <p:ph sz="half" idx="1"/>
           </p:nvPr>
         </p:nvSpPr>
         <p:spPr/>
@@ -4378,10 +4731,60 @@
           <a:bodyPr/>
           <a:lstStyle/>
           <a:p>
-            <a:endParaRPr lang="en-US"/>
-          </a:p>
-        </p:txBody>
-      </p:sp>
+            <a:r>
+              <a:rPr lang="en-US" dirty="0"/>
+              <a:t>A significant portion of our data included special characters – as part of someone’s name of a clue</a:t>
+            </a:r>
+          </a:p>
+          <a:p>
+            <a:r>
+              <a:rPr lang="en-US" dirty="0"/>
+              <a:t>This prevented us from effectively using the data import wizard within MySQL workbench of our csv files we had just created</a:t>
+            </a:r>
+          </a:p>
+          <a:p>
+            <a:r>
+              <a:rPr lang="en-US" dirty="0"/>
+              <a:t>Our script required modification to clean up the special characters to allow for import without errors</a:t>
+            </a:r>
+          </a:p>
+          <a:p>
+            <a:pPr marL="0" indent="0">
+              <a:buNone/>
+            </a:pPr>
+            <a:endParaRPr lang="en-US" dirty="0"/>
+          </a:p>
+        </p:txBody>
+      </p:sp>
+      <p:pic>
+        <p:nvPicPr>
+          <p:cNvPr id="5" name="Content Placeholder 4">
+            <a:extLst>
+              <a:ext uri="{FF2B5EF4-FFF2-40B4-BE49-F238E27FC236}">
+                <a16:creationId xmlns:a16="http://schemas.microsoft.com/office/drawing/2014/main" id="{E15D065F-7E32-4DCC-8DE3-3B5DD4CA2DAA}"/>
+              </a:ext>
+            </a:extLst>
+          </p:cNvPr>
+          <p:cNvPicPr>
+            <a:picLocks noGrp="1" noChangeAspect="1"/>
+          </p:cNvPicPr>
+          <p:nvPr>
+            <p:ph sz="half" idx="2"/>
+          </p:nvPr>
+        </p:nvPicPr>
+        <p:blipFill>
+          <a:blip r:embed="rId2"/>
+          <a:stretch>
+            <a:fillRect/>
+          </a:stretch>
+        </p:blipFill>
+        <p:spPr>
+          <a:xfrm>
+            <a:off x="6188075" y="3595893"/>
+            <a:ext cx="5422900" cy="896527"/>
+          </a:xfrm>
+        </p:spPr>
+      </p:pic>
     </p:spTree>
     <p:extLst>
       <p:ext uri="{BB962C8B-B14F-4D97-AF65-F5344CB8AC3E}">
@@ -4417,7 +4820,7 @@
           <p:cNvPr id="2" name="Title 1">
             <a:extLst>
               <a:ext uri="{FF2B5EF4-FFF2-40B4-BE49-F238E27FC236}">
-                <a16:creationId xmlns:a16="http://schemas.microsoft.com/office/drawing/2014/main" id="{A8195544-965A-44C7-8BC5-B489E8E98FD4}"/>
+                <a16:creationId xmlns:a16="http://schemas.microsoft.com/office/drawing/2014/main" id="{6DE3E357-1EF9-40C3-89F4-99D8DEB441C2}"/>
               </a:ext>
             </a:extLst>
           </p:cNvPr>
@@ -4435,7 +4838,7 @@
           <a:p>
             <a:r>
               <a:rPr lang="en-US" dirty="0"/>
-              <a:t>Challenges</a:t>
+              <a:t>Challenges continued…</a:t>
             </a:r>
           </a:p>
         </p:txBody>
@@ -4445,7 +4848,7 @@
           <p:cNvPr id="3" name="Content Placeholder 2">
             <a:extLst>
               <a:ext uri="{FF2B5EF4-FFF2-40B4-BE49-F238E27FC236}">
-                <a16:creationId xmlns:a16="http://schemas.microsoft.com/office/drawing/2014/main" id="{4B959815-7806-444D-BDCF-7053EE1DD91D}"/>
+                <a16:creationId xmlns:a16="http://schemas.microsoft.com/office/drawing/2014/main" id="{54222BD1-93A3-48D4-8AF9-8EF608844CB2}"/>
               </a:ext>
             </a:extLst>
           </p:cNvPr>
@@ -4453,7 +4856,7 @@
             <a:spLocks noGrp="1"/>
           </p:cNvSpPr>
           <p:nvPr>
-            <p:ph idx="1"/>
+            <p:ph sz="half" idx="1"/>
           </p:nvPr>
         </p:nvSpPr>
         <p:spPr/>
@@ -4461,6 +4864,113 @@
           <a:bodyPr/>
           <a:lstStyle/>
           <a:p>
+            <a:r>
+              <a:rPr lang="en-US" dirty="0"/>
+              <a:t>Another challenge we ran into was some missing data when trying to pull the players who had won the most daily doubles – the winner was missing!</a:t>
+            </a:r>
+          </a:p>
+          <a:p>
+            <a:r>
+              <a:rPr lang="en-US" dirty="0"/>
+              <a:t>We had to go back to our database design and add in </a:t>
+            </a:r>
+            <a:r>
+              <a:rPr lang="en-US" dirty="0" err="1"/>
+              <a:t>doubles_has_scores</a:t>
+            </a:r>
+            <a:r>
+              <a:rPr lang="en-US" dirty="0"/>
+              <a:t> to link up the clue to the player </a:t>
+            </a:r>
+          </a:p>
+          <a:p>
+            <a:pPr marL="0" indent="0">
+              <a:buNone/>
+            </a:pPr>
+            <a:endParaRPr lang="en-US" dirty="0"/>
+          </a:p>
+        </p:txBody>
+      </p:sp>
+      <p:pic>
+        <p:nvPicPr>
+          <p:cNvPr id="5" name="Content Placeholder 10">
+            <a:extLst>
+              <a:ext uri="{FF2B5EF4-FFF2-40B4-BE49-F238E27FC236}">
+                <a16:creationId xmlns:a16="http://schemas.microsoft.com/office/drawing/2014/main" id="{B45714A9-50C3-4782-B965-B81AF680D788}"/>
+              </a:ext>
+            </a:extLst>
+          </p:cNvPr>
+          <p:cNvPicPr>
+            <a:picLocks noGrp="1" noChangeAspect="1"/>
+          </p:cNvPicPr>
+          <p:nvPr>
+            <p:ph sz="half" idx="2"/>
+          </p:nvPr>
+        </p:nvPicPr>
+        <p:blipFill rotWithShape="1">
+          <a:blip r:embed="rId2"/>
+          <a:srcRect l="31598" t="21" r="96" b="12204"/>
+          <a:stretch/>
+        </p:blipFill>
+        <p:spPr>
+          <a:xfrm>
+            <a:off x="7334864" y="2449740"/>
+            <a:ext cx="3362632" cy="3189571"/>
+          </a:xfrm>
+          <a:prstGeom prst="rect">
+            <a:avLst/>
+          </a:prstGeom>
+          <a:ln>
+            <a:noFill/>
+          </a:ln>
+          <a:effectLst>
+            <a:softEdge rad="112500"/>
+          </a:effectLst>
+        </p:spPr>
+      </p:pic>
+      <p:sp>
+        <p:nvSpPr>
+          <p:cNvPr id="6" name="Explosion: 14 Points 5">
+            <a:extLst>
+              <a:ext uri="{FF2B5EF4-FFF2-40B4-BE49-F238E27FC236}">
+                <a16:creationId xmlns:a16="http://schemas.microsoft.com/office/drawing/2014/main" id="{16788868-7223-4603-9C69-A0DD9626EC08}"/>
+              </a:ext>
+            </a:extLst>
+          </p:cNvPr>
+          <p:cNvSpPr/>
+          <p:nvPr/>
+        </p:nvSpPr>
+        <p:spPr>
+          <a:xfrm>
+            <a:off x="9232777" y="2991775"/>
+            <a:ext cx="2077946" cy="1357424"/>
+          </a:xfrm>
+          <a:prstGeom prst="irregularSeal2">
+            <a:avLst/>
+          </a:prstGeom>
+          <a:noFill/>
+        </p:spPr>
+        <p:style>
+          <a:lnRef idx="2">
+            <a:schemeClr val="accent1">
+              <a:shade val="50000"/>
+            </a:schemeClr>
+          </a:lnRef>
+          <a:fillRef idx="1">
+            <a:schemeClr val="accent1"/>
+          </a:fillRef>
+          <a:effectRef idx="0">
+            <a:schemeClr val="accent1"/>
+          </a:effectRef>
+          <a:fontRef idx="minor">
+            <a:schemeClr val="lt1"/>
+          </a:fontRef>
+        </p:style>
+        <p:txBody>
+          <a:bodyPr rtlCol="0" anchor="ctr"/>
+          <a:lstStyle/>
+          <a:p>
+            <a:pPr algn="ctr"/>
             <a:endParaRPr lang="en-US"/>
           </a:p>
         </p:txBody>
@@ -4468,7 +4978,7 @@
     </p:spTree>
     <p:extLst>
       <p:ext uri="{BB962C8B-B14F-4D97-AF65-F5344CB8AC3E}">
-        <p14:creationId xmlns:p14="http://schemas.microsoft.com/office/powerpoint/2010/main" val="1584142472"/>
+        <p14:creationId xmlns:p14="http://schemas.microsoft.com/office/powerpoint/2010/main" val="3116324416"/>
       </p:ext>
     </p:extLst>
   </p:cSld>
@@ -4497,10 +5007,10 @@
       </p:grpSpPr>
       <p:sp>
         <p:nvSpPr>
-          <p:cNvPr id="2" name="Title 1">
+          <p:cNvPr id="5" name="Title 4">
             <a:extLst>
               <a:ext uri="{FF2B5EF4-FFF2-40B4-BE49-F238E27FC236}">
-                <a16:creationId xmlns:a16="http://schemas.microsoft.com/office/drawing/2014/main" id="{8653E717-715C-4A54-B0C2-2E52789F4868}"/>
+                <a16:creationId xmlns:a16="http://schemas.microsoft.com/office/drawing/2014/main" id="{287C3BCD-F1AA-EA49-B6F1-3C29251CC21F}"/>
               </a:ext>
             </a:extLst>
           </p:cNvPr>
@@ -4518,8 +5028,347 @@
           <a:p>
             <a:r>
               <a:rPr lang="en-US" dirty="0"/>
-              <a:t>Where is the daily double?</a:t>
-            </a:r>
+              <a:t>DATA INSIGHTS</a:t>
+            </a:r>
+          </a:p>
+        </p:txBody>
+      </p:sp>
+      <p:sp>
+        <p:nvSpPr>
+          <p:cNvPr id="6" name="Text Placeholder 5">
+            <a:extLst>
+              <a:ext uri="{FF2B5EF4-FFF2-40B4-BE49-F238E27FC236}">
+                <a16:creationId xmlns:a16="http://schemas.microsoft.com/office/drawing/2014/main" id="{576F54E5-0F6D-F646-95F9-F30422F61CE3}"/>
+              </a:ext>
+            </a:extLst>
+          </p:cNvPr>
+          <p:cNvSpPr>
+            <a:spLocks noGrp="1"/>
+          </p:cNvSpPr>
+          <p:nvPr>
+            <p:ph type="body" idx="1"/>
+          </p:nvPr>
+        </p:nvSpPr>
+        <p:spPr/>
+        <p:txBody>
+          <a:bodyPr/>
+          <a:lstStyle/>
+          <a:p>
+            <a:endParaRPr lang="en-US" i="1" dirty="0"/>
+          </a:p>
+        </p:txBody>
+      </p:sp>
+    </p:spTree>
+    <p:extLst>
+      <p:ext uri="{BB962C8B-B14F-4D97-AF65-F5344CB8AC3E}">
+        <p14:creationId xmlns:p14="http://schemas.microsoft.com/office/powerpoint/2010/main" val="3081817217"/>
+      </p:ext>
+    </p:extLst>
+  </p:cSld>
+  <p:clrMapOvr>
+    <a:masterClrMapping/>
+  </p:clrMapOvr>
+</p:sld>
+</file>
+
+<file path=ppt/slides/slide14.xml><?xml version="1.0" encoding="utf-8"?>
+<p:sld xmlns:a="http://schemas.openxmlformats.org/drawingml/2006/main" xmlns:r="http://schemas.openxmlformats.org/officeDocument/2006/relationships" xmlns:p="http://schemas.openxmlformats.org/presentationml/2006/main">
+  <p:cSld>
+    <p:bg>
+      <p:bgPr>
+        <a:solidFill>
+          <a:schemeClr val="bg1"/>
+        </a:solidFill>
+        <a:effectLst/>
+      </p:bgPr>
+    </p:bg>
+    <p:spTree>
+      <p:nvGrpSpPr>
+        <p:cNvPr id="1" name=""/>
+        <p:cNvGrpSpPr/>
+        <p:nvPr/>
+      </p:nvGrpSpPr>
+      <p:grpSpPr>
+        <a:xfrm>
+          <a:off x="0" y="0"/>
+          <a:ext cx="0" cy="0"/>
+          <a:chOff x="0" y="0"/>
+          <a:chExt cx="0" cy="0"/>
+        </a:xfrm>
+      </p:grpSpPr>
+      <p:sp>
+        <p:nvSpPr>
+          <p:cNvPr id="10" name="Rectangle 9">
+            <a:extLst>
+              <a:ext uri="{FF2B5EF4-FFF2-40B4-BE49-F238E27FC236}">
+                <a16:creationId xmlns:a16="http://schemas.microsoft.com/office/drawing/2014/main" id="{48E96387-12F1-45E4-9322-ABBF2EE040E9}"/>
+              </a:ext>
+              <a:ext uri="{C183D7F6-B498-43B3-948B-1728B52AA6E4}">
+                <adec:decorative xmlns:adec="http://schemas.microsoft.com/office/drawing/2017/decorative" val="1"/>
+              </a:ext>
+            </a:extLst>
+          </p:cNvPr>
+          <p:cNvSpPr>
+            <a:spLocks noGrp="1" noRot="1" noChangeAspect="1" noMove="1" noResize="1" noEditPoints="1" noAdjustHandles="1" noChangeArrowheads="1" noChangeShapeType="1" noTextEdit="1"/>
+          </p:cNvSpPr>
+          <p:nvPr>
+            <p:extLst>
+              <p:ext uri="{386F3935-93C4-4BCD-93E2-E3B085C9AB24}">
+                <p16:designElem xmlns:p16="http://schemas.microsoft.com/office/powerpoint/2015/main" val="1"/>
+              </p:ext>
+            </p:extLst>
+          </p:nvPr>
+        </p:nvSpPr>
+        <p:spPr>
+          <a:xfrm>
+            <a:off x="446534" y="457200"/>
+            <a:ext cx="3703320" cy="94997"/>
+          </a:xfrm>
+          <a:prstGeom prst="rect">
+            <a:avLst/>
+          </a:prstGeom>
+          <a:solidFill>
+            <a:schemeClr val="accent1"/>
+          </a:solidFill>
+          <a:ln>
+            <a:noFill/>
+          </a:ln>
+          <a:effectLst/>
+        </p:spPr>
+        <p:style>
+          <a:lnRef idx="1">
+            <a:schemeClr val="accent1"/>
+          </a:lnRef>
+          <a:fillRef idx="3">
+            <a:schemeClr val="accent1"/>
+          </a:fillRef>
+          <a:effectRef idx="2">
+            <a:schemeClr val="accent1"/>
+          </a:effectRef>
+          <a:fontRef idx="minor">
+            <a:schemeClr val="lt1"/>
+          </a:fontRef>
+        </p:style>
+      </p:sp>
+      <p:sp>
+        <p:nvSpPr>
+          <p:cNvPr id="12" name="Rectangle 11">
+            <a:extLst>
+              <a:ext uri="{FF2B5EF4-FFF2-40B4-BE49-F238E27FC236}">
+                <a16:creationId xmlns:a16="http://schemas.microsoft.com/office/drawing/2014/main" id="{A9F421DD-DE4E-4547-A904-3F80E25E3F35}"/>
+              </a:ext>
+              <a:ext uri="{C183D7F6-B498-43B3-948B-1728B52AA6E4}">
+                <adec:decorative xmlns:adec="http://schemas.microsoft.com/office/drawing/2017/decorative" val="1"/>
+              </a:ext>
+            </a:extLst>
+          </p:cNvPr>
+          <p:cNvSpPr>
+            <a:spLocks noGrp="1" noRot="1" noChangeAspect="1" noMove="1" noResize="1" noEditPoints="1" noAdjustHandles="1" noChangeArrowheads="1" noChangeShapeType="1" noTextEdit="1"/>
+          </p:cNvSpPr>
+          <p:nvPr>
+            <p:extLst>
+              <p:ext uri="{386F3935-93C4-4BCD-93E2-E3B085C9AB24}">
+                <p16:designElem xmlns:p16="http://schemas.microsoft.com/office/powerpoint/2015/main" val="1"/>
+              </p:ext>
+            </p:extLst>
+          </p:nvPr>
+        </p:nvSpPr>
+        <p:spPr>
+          <a:xfrm>
+            <a:off x="8042147" y="453643"/>
+            <a:ext cx="3703320" cy="98554"/>
+          </a:xfrm>
+          <a:prstGeom prst="rect">
+            <a:avLst/>
+          </a:prstGeom>
+          <a:solidFill>
+            <a:schemeClr val="accent4"/>
+          </a:solidFill>
+          <a:ln>
+            <a:noFill/>
+          </a:ln>
+          <a:effectLst/>
+        </p:spPr>
+        <p:style>
+          <a:lnRef idx="1">
+            <a:schemeClr val="accent1"/>
+          </a:lnRef>
+          <a:fillRef idx="3">
+            <a:schemeClr val="accent1"/>
+          </a:fillRef>
+          <a:effectRef idx="2">
+            <a:schemeClr val="accent1"/>
+          </a:effectRef>
+          <a:fontRef idx="minor">
+            <a:schemeClr val="lt1"/>
+          </a:fontRef>
+        </p:style>
+      </p:sp>
+      <p:sp>
+        <p:nvSpPr>
+          <p:cNvPr id="14" name="Rectangle 13">
+            <a:extLst>
+              <a:ext uri="{FF2B5EF4-FFF2-40B4-BE49-F238E27FC236}">
+                <a16:creationId xmlns:a16="http://schemas.microsoft.com/office/drawing/2014/main" id="{09985DEC-1215-4209-9708-B45CC977402E}"/>
+              </a:ext>
+              <a:ext uri="{C183D7F6-B498-43B3-948B-1728B52AA6E4}">
+                <adec:decorative xmlns:adec="http://schemas.microsoft.com/office/drawing/2017/decorative" val="1"/>
+              </a:ext>
+            </a:extLst>
+          </p:cNvPr>
+          <p:cNvSpPr>
+            <a:spLocks noGrp="1" noRot="1" noChangeAspect="1" noMove="1" noResize="1" noEditPoints="1" noAdjustHandles="1" noChangeArrowheads="1" noChangeShapeType="1" noTextEdit="1"/>
+          </p:cNvSpPr>
+          <p:nvPr>
+            <p:extLst>
+              <p:ext uri="{386F3935-93C4-4BCD-93E2-E3B085C9AB24}">
+                <p16:designElem xmlns:p16="http://schemas.microsoft.com/office/powerpoint/2015/main" val="1"/>
+              </p:ext>
+            </p:extLst>
+          </p:nvPr>
+        </p:nvSpPr>
+        <p:spPr>
+          <a:xfrm>
+            <a:off x="4241830" y="457200"/>
+            <a:ext cx="3703320" cy="91440"/>
+          </a:xfrm>
+          <a:prstGeom prst="rect">
+            <a:avLst/>
+          </a:prstGeom>
+          <a:solidFill>
+            <a:schemeClr val="accent2"/>
+          </a:solidFill>
+          <a:ln>
+            <a:noFill/>
+          </a:ln>
+          <a:effectLst/>
+        </p:spPr>
+        <p:style>
+          <a:lnRef idx="1">
+            <a:schemeClr val="accent1"/>
+          </a:lnRef>
+          <a:fillRef idx="3">
+            <a:schemeClr val="accent1"/>
+          </a:fillRef>
+          <a:effectRef idx="2">
+            <a:schemeClr val="accent1"/>
+          </a:effectRef>
+          <a:fontRef idx="minor">
+            <a:schemeClr val="lt1"/>
+          </a:fontRef>
+        </p:style>
+      </p:sp>
+      <p:sp>
+        <p:nvSpPr>
+          <p:cNvPr id="16" name="Rectangle 15">
+            <a:extLst>
+              <a:ext uri="{FF2B5EF4-FFF2-40B4-BE49-F238E27FC236}">
+                <a16:creationId xmlns:a16="http://schemas.microsoft.com/office/drawing/2014/main" id="{90EB7086-616E-4D44-94BE-D0F763561782}"/>
+              </a:ext>
+              <a:ext uri="{C183D7F6-B498-43B3-948B-1728B52AA6E4}">
+                <adec:decorative xmlns:adec="http://schemas.microsoft.com/office/drawing/2017/decorative" val="1"/>
+              </a:ext>
+            </a:extLst>
+          </p:cNvPr>
+          <p:cNvSpPr>
+            <a:spLocks noGrp="1" noRot="1" noChangeAspect="1" noMove="1" noResize="1" noEditPoints="1" noAdjustHandles="1" noChangeArrowheads="1" noChangeShapeType="1" noTextEdit="1"/>
+          </p:cNvSpPr>
+          <p:nvPr>
+            <p:extLst>
+              <p:ext uri="{386F3935-93C4-4BCD-93E2-E3B085C9AB24}">
+                <p16:designElem xmlns:p16="http://schemas.microsoft.com/office/powerpoint/2015/main" val="1"/>
+              </p:ext>
+            </p:extLst>
+          </p:nvPr>
+        </p:nvSpPr>
+        <p:spPr>
+          <a:xfrm>
+            <a:off x="446534" y="3085765"/>
+            <a:ext cx="11262866" cy="3304800"/>
+          </a:xfrm>
+          <a:prstGeom prst="rect">
+            <a:avLst/>
+          </a:prstGeom>
+          <a:solidFill>
+            <a:schemeClr val="accent1"/>
+          </a:solidFill>
+          <a:ln>
+            <a:noFill/>
+          </a:ln>
+          <a:effectLst/>
+        </p:spPr>
+        <p:style>
+          <a:lnRef idx="1">
+            <a:schemeClr val="accent1"/>
+          </a:lnRef>
+          <a:fillRef idx="3">
+            <a:schemeClr val="accent1"/>
+          </a:fillRef>
+          <a:effectRef idx="2">
+            <a:schemeClr val="accent1"/>
+          </a:effectRef>
+          <a:fontRef idx="minor">
+            <a:schemeClr val="lt1"/>
+          </a:fontRef>
+        </p:style>
+      </p:sp>
+      <p:sp useBgFill="1">
+        <p:nvSpPr>
+          <p:cNvPr id="18" name="Rectangle 17">
+            <a:extLst>
+              <a:ext uri="{FF2B5EF4-FFF2-40B4-BE49-F238E27FC236}">
+                <a16:creationId xmlns:a16="http://schemas.microsoft.com/office/drawing/2014/main" id="{F115DB35-53D7-4EDC-A965-A434929617CC}"/>
+              </a:ext>
+              <a:ext uri="{C183D7F6-B498-43B3-948B-1728B52AA6E4}">
+                <adec:decorative xmlns:adec="http://schemas.microsoft.com/office/drawing/2017/decorative" val="1"/>
+              </a:ext>
+            </a:extLst>
+          </p:cNvPr>
+          <p:cNvSpPr>
+            <a:spLocks noGrp="1" noRot="1" noChangeAspect="1" noMove="1" noResize="1" noEditPoints="1" noAdjustHandles="1" noChangeArrowheads="1" noChangeShapeType="1" noTextEdit="1"/>
+          </p:cNvSpPr>
+          <p:nvPr>
+            <p:extLst>
+              <p:ext uri="{386F3935-93C4-4BCD-93E2-E3B085C9AB24}">
+                <p16:designElem xmlns:p16="http://schemas.microsoft.com/office/powerpoint/2015/main" val="1"/>
+              </p:ext>
+            </p:extLst>
+          </p:nvPr>
+        </p:nvSpPr>
+        <p:spPr>
+          <a:xfrm>
+            <a:off x="0" y="638175"/>
+            <a:ext cx="12191999" cy="6219825"/>
+          </a:xfrm>
+          <a:prstGeom prst="rect">
+            <a:avLst/>
+          </a:prstGeom>
+          <a:ln>
+            <a:noFill/>
+          </a:ln>
+        </p:spPr>
+        <p:style>
+          <a:lnRef idx="2">
+            <a:schemeClr val="accent1">
+              <a:shade val="50000"/>
+            </a:schemeClr>
+          </a:lnRef>
+          <a:fillRef idx="1">
+            <a:schemeClr val="accent1"/>
+          </a:fillRef>
+          <a:effectRef idx="0">
+            <a:schemeClr val="accent1"/>
+          </a:effectRef>
+          <a:fontRef idx="minor">
+            <a:schemeClr val="lt1"/>
+          </a:fontRef>
+        </p:style>
+        <p:txBody>
+          <a:bodyPr rtlCol="0" anchor="ctr"/>
+          <a:lstStyle/>
+          <a:p>
+            <a:pPr algn="ctr"/>
+            <a:endParaRPr lang="en-US"/>
           </a:p>
         </p:txBody>
       </p:sp>
@@ -4546,11 +5395,107 @@
         </p:blipFill>
         <p:spPr>
           <a:xfrm>
-            <a:off x="2609850" y="1940443"/>
-            <a:ext cx="6400800" cy="4688958"/>
-          </a:xfrm>
+            <a:off x="957570" y="1208531"/>
+            <a:ext cx="6465991" cy="4735069"/>
+          </a:xfrm>
+          <a:prstGeom prst="rect">
+            <a:avLst/>
+          </a:prstGeom>
         </p:spPr>
       </p:pic>
+      <p:sp>
+        <p:nvSpPr>
+          <p:cNvPr id="20" name="Rectangle 19">
+            <a:extLst>
+              <a:ext uri="{FF2B5EF4-FFF2-40B4-BE49-F238E27FC236}">
+                <a16:creationId xmlns:a16="http://schemas.microsoft.com/office/drawing/2014/main" id="{4B610F9C-62FE-46FC-8607-C35030B6321A}"/>
+              </a:ext>
+              <a:ext uri="{C183D7F6-B498-43B3-948B-1728B52AA6E4}">
+                <adec:decorative xmlns:adec="http://schemas.microsoft.com/office/drawing/2017/decorative" val="1"/>
+              </a:ext>
+            </a:extLst>
+          </p:cNvPr>
+          <p:cNvSpPr>
+            <a:spLocks noGrp="1" noRot="1" noChangeAspect="1" noMove="1" noResize="1" noEditPoints="1" noAdjustHandles="1" noChangeArrowheads="1" noChangeShapeType="1" noTextEdit="1"/>
+          </p:cNvSpPr>
+          <p:nvPr>
+            <p:extLst>
+              <p:ext uri="{386F3935-93C4-4BCD-93E2-E3B085C9AB24}">
+                <p16:designElem xmlns:p16="http://schemas.microsoft.com/office/powerpoint/2015/main" val="1"/>
+              </p:ext>
+            </p:extLst>
+          </p:nvPr>
+        </p:nvSpPr>
+        <p:spPr>
+          <a:xfrm>
+            <a:off x="8042147" y="723899"/>
+            <a:ext cx="3703320" cy="5666666"/>
+          </a:xfrm>
+          <a:prstGeom prst="rect">
+            <a:avLst/>
+          </a:prstGeom>
+          <a:solidFill>
+            <a:schemeClr val="accent1"/>
+          </a:solidFill>
+          <a:ln>
+            <a:noFill/>
+          </a:ln>
+          <a:effectLst/>
+        </p:spPr>
+        <p:style>
+          <a:lnRef idx="1">
+            <a:schemeClr val="accent1"/>
+          </a:lnRef>
+          <a:fillRef idx="3">
+            <a:schemeClr val="accent1"/>
+          </a:fillRef>
+          <a:effectRef idx="2">
+            <a:schemeClr val="accent1"/>
+          </a:effectRef>
+          <a:fontRef idx="minor">
+            <a:schemeClr val="lt1"/>
+          </a:fontRef>
+        </p:style>
+      </p:sp>
+      <p:sp>
+        <p:nvSpPr>
+          <p:cNvPr id="2" name="Title 1">
+            <a:extLst>
+              <a:ext uri="{FF2B5EF4-FFF2-40B4-BE49-F238E27FC236}">
+                <a16:creationId xmlns:a16="http://schemas.microsoft.com/office/drawing/2014/main" id="{8653E717-715C-4A54-B0C2-2E52789F4868}"/>
+              </a:ext>
+            </a:extLst>
+          </p:cNvPr>
+          <p:cNvSpPr>
+            <a:spLocks noGrp="1"/>
+          </p:cNvSpPr>
+          <p:nvPr>
+            <p:ph type="title"/>
+          </p:nvPr>
+        </p:nvSpPr>
+        <p:spPr>
+          <a:xfrm>
+            <a:off x="8296275" y="1419225"/>
+            <a:ext cx="3081576" cy="2085869"/>
+          </a:xfrm>
+        </p:spPr>
+        <p:txBody>
+          <a:bodyPr vert="horz" lIns="91440" tIns="45720" rIns="91440" bIns="45720" rtlCol="0" anchor="b">
+            <a:normAutofit/>
+          </a:bodyPr>
+          <a:lstStyle/>
+          <a:p>
+            <a:r>
+              <a:rPr lang="en-US" sz="3600">
+                <a:solidFill>
+                  <a:srgbClr val="FFFFFF"/>
+                </a:solidFill>
+              </a:rPr>
+              <a:t>Where is the daily double?</a:t>
+            </a:r>
+          </a:p>
+        </p:txBody>
+      </p:sp>
     </p:spTree>
     <p:extLst>
       <p:ext uri="{BB962C8B-B14F-4D97-AF65-F5344CB8AC3E}">
@@ -4564,7 +5509,7 @@
 </p:sld>
 </file>
 
-<file path=ppt/slides/slide14.xml><?xml version="1.0" encoding="utf-8"?>
+<file path=ppt/slides/slide15.xml><?xml version="1.0" encoding="utf-8"?>
 <p:sld xmlns:a="http://schemas.openxmlformats.org/drawingml/2006/main" xmlns:r="http://schemas.openxmlformats.org/officeDocument/2006/relationships" xmlns:p="http://schemas.openxmlformats.org/presentationml/2006/main">
   <p:cSld>
     <p:spTree>
@@ -4604,7 +5549,7 @@
           <a:p>
             <a:r>
               <a:rPr lang="en-US" dirty="0"/>
-              <a:t>Daily Double Insights</a:t>
+              <a:t>Daily Double KEYWORDS</a:t>
             </a:r>
           </a:p>
         </p:txBody>
@@ -5644,114 +6589,6 @@
 </p:sld>
 </file>
 
-<file path=ppt/slides/slide15.xml><?xml version="1.0" encoding="utf-8"?>
-<p:sld xmlns:a="http://schemas.openxmlformats.org/drawingml/2006/main" xmlns:r="http://schemas.openxmlformats.org/officeDocument/2006/relationships" xmlns:p="http://schemas.openxmlformats.org/presentationml/2006/main">
-  <p:cSld>
-    <p:spTree>
-      <p:nvGrpSpPr>
-        <p:cNvPr id="1" name=""/>
-        <p:cNvGrpSpPr/>
-        <p:nvPr/>
-      </p:nvGrpSpPr>
-      <p:grpSpPr>
-        <a:xfrm>
-          <a:off x="0" y="0"/>
-          <a:ext cx="0" cy="0"/>
-          <a:chOff x="0" y="0"/>
-          <a:chExt cx="0" cy="0"/>
-        </a:xfrm>
-      </p:grpSpPr>
-      <p:sp>
-        <p:nvSpPr>
-          <p:cNvPr id="5" name="Title 4">
-            <a:extLst>
-              <a:ext uri="{FF2B5EF4-FFF2-40B4-BE49-F238E27FC236}">
-                <a16:creationId xmlns:a16="http://schemas.microsoft.com/office/drawing/2014/main" id="{E8011BEF-FB34-4E07-AFC1-E2481C643109}"/>
-              </a:ext>
-            </a:extLst>
-          </p:cNvPr>
-          <p:cNvSpPr>
-            <a:spLocks noGrp="1"/>
-          </p:cNvSpPr>
-          <p:nvPr>
-            <p:ph type="title"/>
-          </p:nvPr>
-        </p:nvSpPr>
-        <p:spPr/>
-        <p:txBody>
-          <a:bodyPr/>
-          <a:lstStyle/>
-          <a:p>
-            <a:r>
-              <a:rPr lang="en-US" dirty="0"/>
-              <a:t>Player Stats</a:t>
-            </a:r>
-          </a:p>
-        </p:txBody>
-      </p:sp>
-      <p:sp>
-        <p:nvSpPr>
-          <p:cNvPr id="6" name="Content Placeholder 5">
-            <a:extLst>
-              <a:ext uri="{FF2B5EF4-FFF2-40B4-BE49-F238E27FC236}">
-                <a16:creationId xmlns:a16="http://schemas.microsoft.com/office/drawing/2014/main" id="{E270B4E1-B012-44AD-BF94-92607BFA9500}"/>
-              </a:ext>
-            </a:extLst>
-          </p:cNvPr>
-          <p:cNvSpPr>
-            <a:spLocks noGrp="1"/>
-          </p:cNvSpPr>
-          <p:nvPr>
-            <p:ph sz="half" idx="1"/>
-          </p:nvPr>
-        </p:nvSpPr>
-        <p:spPr/>
-        <p:txBody>
-          <a:bodyPr/>
-          <a:lstStyle/>
-          <a:p>
-            <a:endParaRPr lang="en-US" dirty="0"/>
-          </a:p>
-        </p:txBody>
-      </p:sp>
-      <p:sp>
-        <p:nvSpPr>
-          <p:cNvPr id="7" name="Content Placeholder 6">
-            <a:extLst>
-              <a:ext uri="{FF2B5EF4-FFF2-40B4-BE49-F238E27FC236}">
-                <a16:creationId xmlns:a16="http://schemas.microsoft.com/office/drawing/2014/main" id="{3FAA6E3A-CEA0-47A8-8AC1-56E4B141ECCE}"/>
-              </a:ext>
-            </a:extLst>
-          </p:cNvPr>
-          <p:cNvSpPr>
-            <a:spLocks noGrp="1"/>
-          </p:cNvSpPr>
-          <p:nvPr>
-            <p:ph sz="half" idx="2"/>
-          </p:nvPr>
-        </p:nvSpPr>
-        <p:spPr/>
-        <p:txBody>
-          <a:bodyPr/>
-          <a:lstStyle/>
-          <a:p>
-            <a:endParaRPr lang="en-US"/>
-          </a:p>
-        </p:txBody>
-      </p:sp>
-    </p:spTree>
-    <p:extLst>
-      <p:ext uri="{BB962C8B-B14F-4D97-AF65-F5344CB8AC3E}">
-        <p14:creationId xmlns:p14="http://schemas.microsoft.com/office/powerpoint/2010/main" val="946137557"/>
-      </p:ext>
-    </p:extLst>
-  </p:cSld>
-  <p:clrMapOvr>
-    <a:masterClrMapping/>
-  </p:clrMapOvr>
-</p:sld>
-</file>
-
 <file path=ppt/slides/slide16.xml><?xml version="1.0" encoding="utf-8"?>
 <p:sld xmlns:a="http://schemas.openxmlformats.org/drawingml/2006/main" xmlns:r="http://schemas.openxmlformats.org/officeDocument/2006/relationships" xmlns:p="http://schemas.openxmlformats.org/presentationml/2006/main">
   <p:cSld>
@@ -5822,7 +6659,10 @@
           <a:bodyPr/>
           <a:lstStyle/>
           <a:p>
-            <a:endParaRPr lang="en-US"/>
+            <a:r>
+              <a:rPr lang="en-US" dirty="0"/>
+              <a:t>*add link here</a:t>
+            </a:r>
           </a:p>
         </p:txBody>
       </p:sp>
@@ -5830,6 +6670,98 @@
     <p:extLst>
       <p:ext uri="{BB962C8B-B14F-4D97-AF65-F5344CB8AC3E}">
         <p14:creationId xmlns:p14="http://schemas.microsoft.com/office/powerpoint/2010/main" val="1619147207"/>
+      </p:ext>
+    </p:extLst>
+  </p:cSld>
+  <p:clrMapOvr>
+    <a:masterClrMapping/>
+  </p:clrMapOvr>
+</p:sld>
+</file>
+
+<file path=ppt/slides/slide17.xml><?xml version="1.0" encoding="utf-8"?>
+<p:sld xmlns:a="http://schemas.openxmlformats.org/drawingml/2006/main" xmlns:r="http://schemas.openxmlformats.org/officeDocument/2006/relationships" xmlns:p="http://schemas.openxmlformats.org/presentationml/2006/main">
+  <p:cSld>
+    <p:spTree>
+      <p:nvGrpSpPr>
+        <p:cNvPr id="1" name=""/>
+        <p:cNvGrpSpPr/>
+        <p:nvPr/>
+      </p:nvGrpSpPr>
+      <p:grpSpPr>
+        <a:xfrm>
+          <a:off x="0" y="0"/>
+          <a:ext cx="0" cy="0"/>
+          <a:chOff x="0" y="0"/>
+          <a:chExt cx="0" cy="0"/>
+        </a:xfrm>
+      </p:grpSpPr>
+      <p:sp>
+        <p:nvSpPr>
+          <p:cNvPr id="4" name="Title 3">
+            <a:extLst>
+              <a:ext uri="{FF2B5EF4-FFF2-40B4-BE49-F238E27FC236}">
+                <a16:creationId xmlns:a16="http://schemas.microsoft.com/office/drawing/2014/main" id="{FCA7B984-1054-46CA-8A43-5568E46AE5D3}"/>
+              </a:ext>
+            </a:extLst>
+          </p:cNvPr>
+          <p:cNvSpPr>
+            <a:spLocks noGrp="1"/>
+          </p:cNvSpPr>
+          <p:nvPr>
+            <p:ph type="title"/>
+          </p:nvPr>
+        </p:nvSpPr>
+        <p:spPr/>
+        <p:txBody>
+          <a:bodyPr/>
+          <a:lstStyle/>
+          <a:p>
+            <a:r>
+              <a:rPr lang="en-US" dirty="0"/>
+              <a:t>Future opportunities</a:t>
+            </a:r>
+          </a:p>
+        </p:txBody>
+      </p:sp>
+      <p:sp>
+        <p:nvSpPr>
+          <p:cNvPr id="5" name="Content Placeholder 4">
+            <a:extLst>
+              <a:ext uri="{FF2B5EF4-FFF2-40B4-BE49-F238E27FC236}">
+                <a16:creationId xmlns:a16="http://schemas.microsoft.com/office/drawing/2014/main" id="{B1994610-4FA3-4FBE-BE08-72BE2B2ACB2C}"/>
+              </a:ext>
+            </a:extLst>
+          </p:cNvPr>
+          <p:cNvSpPr>
+            <a:spLocks noGrp="1"/>
+          </p:cNvSpPr>
+          <p:nvPr>
+            <p:ph idx="1"/>
+          </p:nvPr>
+        </p:nvSpPr>
+        <p:spPr/>
+        <p:txBody>
+          <a:bodyPr/>
+          <a:lstStyle/>
+          <a:p>
+            <a:r>
+              <a:rPr lang="en-US" dirty="0"/>
+              <a:t>In creating our database, we chose not to include who got each regular Jeopardy! clue correct as it meant we would have duplicate entries. Future improvements could be made to incorporate this into a new normalized table to join up with each player so get this information</a:t>
+            </a:r>
+          </a:p>
+          <a:p>
+            <a:r>
+              <a:rPr lang="en-US" dirty="0"/>
+              <a:t>Another item to pursue with this data is being able to recreate each game into an interactive app for people to play and to practice for a future appearance on Jeopardy!</a:t>
+            </a:r>
+          </a:p>
+        </p:txBody>
+      </p:sp>
+    </p:spTree>
+    <p:extLst>
+      <p:ext uri="{BB962C8B-B14F-4D97-AF65-F5344CB8AC3E}">
+        <p14:creationId xmlns:p14="http://schemas.microsoft.com/office/powerpoint/2010/main" val="3728360489"/>
       </p:ext>
     </p:extLst>
   </p:cSld>
@@ -5936,6 +6868,158 @@
   <p:clrMapOvr>
     <a:masterClrMapping/>
   </p:clrMapOvr>
+  <p:timing>
+    <p:tnLst>
+      <p:par>
+        <p:cTn id="1" dur="indefinite" restart="never" nodeType="tmRoot">
+          <p:childTnLst>
+            <p:seq concurrent="1" nextAc="seek">
+              <p:cTn id="2" dur="indefinite" nodeType="mainSeq">
+                <p:childTnLst>
+                  <p:par>
+                    <p:cTn id="3" fill="hold">
+                      <p:stCondLst>
+                        <p:cond delay="indefinite"/>
+                      </p:stCondLst>
+                      <p:childTnLst>
+                        <p:par>
+                          <p:cTn id="4" fill="hold">
+                            <p:stCondLst>
+                              <p:cond delay="0"/>
+                            </p:stCondLst>
+                            <p:childTnLst>
+                              <p:par>
+                                <p:cTn id="5" presetID="31" presetClass="entr" presetSubtype="0" fill="hold" nodeType="clickEffect">
+                                  <p:stCondLst>
+                                    <p:cond delay="0"/>
+                                  </p:stCondLst>
+                                  <p:childTnLst>
+                                    <p:set>
+                                      <p:cBhvr>
+                                        <p:cTn id="6" dur="1" fill="hold">
+                                          <p:stCondLst>
+                                            <p:cond delay="0"/>
+                                          </p:stCondLst>
+                                        </p:cTn>
+                                        <p:tgtEl>
+                                          <p:spTgt spid="2"/>
+                                        </p:tgtEl>
+                                        <p:attrNameLst>
+                                          <p:attrName>style.visibility</p:attrName>
+                                        </p:attrNameLst>
+                                      </p:cBhvr>
+                                      <p:to>
+                                        <p:strVal val="visible"/>
+                                      </p:to>
+                                    </p:set>
+                                    <p:anim calcmode="lin" valueType="num">
+                                      <p:cBhvr>
+                                        <p:cTn id="7" dur="1000" fill="hold"/>
+                                        <p:tgtEl>
+                                          <p:spTgt spid="2"/>
+                                        </p:tgtEl>
+                                        <p:attrNameLst>
+                                          <p:attrName>ppt_w</p:attrName>
+                                        </p:attrNameLst>
+                                      </p:cBhvr>
+                                      <p:tavLst>
+                                        <p:tav tm="0">
+                                          <p:val>
+                                            <p:fltVal val="0"/>
+                                          </p:val>
+                                        </p:tav>
+                                        <p:tav tm="100000">
+                                          <p:val>
+                                            <p:strVal val="#ppt_w"/>
+                                          </p:val>
+                                        </p:tav>
+                                      </p:tavLst>
+                                    </p:anim>
+                                    <p:anim calcmode="lin" valueType="num">
+                                      <p:cBhvr>
+                                        <p:cTn id="8" dur="1000" fill="hold"/>
+                                        <p:tgtEl>
+                                          <p:spTgt spid="2"/>
+                                        </p:tgtEl>
+                                        <p:attrNameLst>
+                                          <p:attrName>ppt_h</p:attrName>
+                                        </p:attrNameLst>
+                                      </p:cBhvr>
+                                      <p:tavLst>
+                                        <p:tav tm="0">
+                                          <p:val>
+                                            <p:fltVal val="0"/>
+                                          </p:val>
+                                        </p:tav>
+                                        <p:tav tm="100000">
+                                          <p:val>
+                                            <p:strVal val="#ppt_h"/>
+                                          </p:val>
+                                        </p:tav>
+                                      </p:tavLst>
+                                    </p:anim>
+                                    <p:anim calcmode="lin" valueType="num">
+                                      <p:cBhvr>
+                                        <p:cTn id="9" dur="1000" fill="hold"/>
+                                        <p:tgtEl>
+                                          <p:spTgt spid="2"/>
+                                        </p:tgtEl>
+                                        <p:attrNameLst>
+                                          <p:attrName>style.rotation</p:attrName>
+                                        </p:attrNameLst>
+                                      </p:cBhvr>
+                                      <p:tavLst>
+                                        <p:tav tm="0">
+                                          <p:val>
+                                            <p:fltVal val="90"/>
+                                          </p:val>
+                                        </p:tav>
+                                        <p:tav tm="100000">
+                                          <p:val>
+                                            <p:fltVal val="0"/>
+                                          </p:val>
+                                        </p:tav>
+                                      </p:tavLst>
+                                    </p:anim>
+                                    <p:animEffect transition="in" filter="fade">
+                                      <p:cBhvr>
+                                        <p:cTn id="10" dur="1000"/>
+                                        <p:tgtEl>
+                                          <p:spTgt spid="2"/>
+                                        </p:tgtEl>
+                                      </p:cBhvr>
+                                    </p:animEffect>
+                                  </p:childTnLst>
+                                </p:cTn>
+                              </p:par>
+                            </p:childTnLst>
+                          </p:cTn>
+                        </p:par>
+                      </p:childTnLst>
+                    </p:cTn>
+                  </p:par>
+                </p:childTnLst>
+              </p:cTn>
+              <p:prevCondLst>
+                <p:cond evt="onPrev" delay="0">
+                  <p:tgtEl>
+                    <p:sldTgt/>
+                  </p:tgtEl>
+                </p:cond>
+              </p:prevCondLst>
+              <p:nextCondLst>
+                <p:cond evt="onNext" delay="0">
+                  <p:tgtEl>
+                    <p:sldTgt/>
+                  </p:tgtEl>
+                </p:cond>
+              </p:nextCondLst>
+            </p:seq>
+          </p:childTnLst>
+        </p:cTn>
+      </p:par>
+    </p:tnLst>
+  </p:timing>
 </p:sld>
 </file>
 
@@ -6173,7 +7257,7 @@
         <p:spPr>
           <a:xfrm>
             <a:off x="669851" y="966922"/>
-            <a:ext cx="3376437" cy="461665"/>
+            <a:ext cx="4434997" cy="584775"/>
           </a:xfrm>
           <a:prstGeom prst="rect">
             <a:avLst/>
@@ -6187,7 +7271,7 @@
           <a:lstStyle/>
           <a:p>
             <a:r>
-              <a:rPr lang="en-US" sz="2400" b="1" dirty="0"/>
+              <a:rPr lang="en-US" sz="3200" b="1" dirty="0"/>
               <a:t>Information Collected</a:t>
             </a:r>
           </a:p>
@@ -6208,7 +7292,7 @@
         <p:spPr>
           <a:xfrm>
             <a:off x="1073889" y="1552354"/>
-            <a:ext cx="1790234" cy="2952027"/>
+            <a:ext cx="2228687" cy="3905236"/>
           </a:xfrm>
           <a:prstGeom prst="rect">
             <a:avLst/>
@@ -6229,7 +7313,7 @@
               <a:buChar char="•"/>
             </a:pPr>
             <a:r>
-              <a:rPr lang="en-US" dirty="0"/>
+              <a:rPr lang="en-US" sz="2400" dirty="0"/>
               <a:t>Air Date</a:t>
             </a:r>
           </a:p>
@@ -6242,7 +7326,7 @@
               <a:buChar char="•"/>
             </a:pPr>
             <a:r>
-              <a:rPr lang="en-US" dirty="0"/>
+              <a:rPr lang="en-US" sz="2400" dirty="0"/>
               <a:t>Contestants</a:t>
             </a:r>
           </a:p>
@@ -6255,7 +7339,7 @@
               <a:buChar char="•"/>
             </a:pPr>
             <a:r>
-              <a:rPr lang="en-US" dirty="0"/>
+              <a:rPr lang="en-US" sz="2400" dirty="0"/>
               <a:t>Categories</a:t>
             </a:r>
           </a:p>
@@ -6268,7 +7352,7 @@
               <a:buChar char="•"/>
             </a:pPr>
             <a:r>
-              <a:rPr lang="en-US" dirty="0"/>
+              <a:rPr lang="en-US" sz="2400" dirty="0"/>
               <a:t>Clues</a:t>
             </a:r>
           </a:p>
@@ -6281,7 +7365,7 @@
               <a:buChar char="•"/>
             </a:pPr>
             <a:r>
-              <a:rPr lang="en-US" dirty="0"/>
+              <a:rPr lang="en-US" sz="2400" dirty="0"/>
               <a:t>Responses</a:t>
             </a:r>
           </a:p>
@@ -6294,7 +7378,7 @@
               <a:buChar char="•"/>
             </a:pPr>
             <a:r>
-              <a:rPr lang="en-US" dirty="0"/>
+              <a:rPr lang="en-US" sz="2400" dirty="0"/>
               <a:t>Daily Doubles</a:t>
             </a:r>
           </a:p>
@@ -6307,7 +7391,7 @@
               <a:buChar char="•"/>
             </a:pPr>
             <a:r>
-              <a:rPr lang="en-US" dirty="0"/>
+              <a:rPr lang="en-US" sz="2400" dirty="0"/>
               <a:t>Final Scores</a:t>
             </a:r>
           </a:p>
@@ -6479,45 +7563,28 @@
         </p:nvSpPr>
         <p:spPr/>
         <p:txBody>
-          <a:bodyPr/>
+          <a:bodyPr>
+            <a:normAutofit/>
+          </a:bodyPr>
           <a:lstStyle/>
           <a:p>
             <a:r>
-              <a:rPr lang="en-US" dirty="0" err="1"/>
-              <a:t>whatr</a:t>
-            </a:r>
-            <a:r>
-              <a:rPr lang="en-US" dirty="0"/>
-              <a:t> package developed by </a:t>
-            </a:r>
-            <a:r>
-              <a:rPr lang="en-US" dirty="0" err="1"/>
-              <a:t>Kiernann</a:t>
-            </a:r>
-            <a:r>
-              <a:rPr lang="en-US" dirty="0"/>
-              <a:t> Nicholls</a:t>
-            </a:r>
-          </a:p>
-          <a:p>
-            <a:r>
-              <a:rPr lang="en-US" dirty="0"/>
+              <a:rPr lang="en-US" sz="2000"/>
+              <a:t>whatr package developed by Kiernann Nicholls</a:t>
+            </a:r>
+          </a:p>
+          <a:p>
+            <a:r>
+              <a:rPr lang="en-US" sz="2000"/>
               <a:t>Created a function to get all details for a specific game ID</a:t>
             </a:r>
           </a:p>
           <a:p>
             <a:r>
-              <a:rPr lang="en-US" dirty="0"/>
-              <a:t>Used </a:t>
-            </a:r>
-            <a:r>
-              <a:rPr lang="en-US" dirty="0" err="1"/>
-              <a:t>purrr</a:t>
-            </a:r>
-            <a:r>
-              <a:rPr lang="en-US" dirty="0"/>
-              <a:t> to iterate over all of the games and create a master list</a:t>
-            </a:r>
+              <a:rPr lang="en-US" sz="2000"/>
+              <a:t>Used purrr to iterate over all of the games and create a master list</a:t>
+            </a:r>
+            <a:endParaRPr lang="en-US" sz="2000" dirty="0"/>
           </a:p>
         </p:txBody>
       </p:sp>
@@ -6602,9 +7669,10 @@
           <a:lstStyle/>
           <a:p>
             <a:r>
-              <a:rPr lang="en-US" dirty="0"/>
+              <a:rPr lang="en-US"/>
               <a:t>Data Collection</a:t>
             </a:r>
+            <a:endParaRPr lang="en-US" dirty="0"/>
           </a:p>
         </p:txBody>
       </p:sp>
@@ -6626,19 +7694,22 @@
         </p:nvSpPr>
         <p:spPr/>
         <p:txBody>
-          <a:bodyPr/>
+          <a:bodyPr>
+            <a:normAutofit/>
+          </a:bodyPr>
           <a:lstStyle/>
           <a:p>
             <a:r>
-              <a:rPr lang="en-US" dirty="0"/>
+              <a:rPr lang="en-US" sz="2400"/>
               <a:t>Created a separate function to iterate over each game and combine the data of each type into a single data frame</a:t>
             </a:r>
           </a:p>
           <a:p>
             <a:r>
-              <a:rPr lang="en-US" dirty="0"/>
+              <a:rPr lang="en-US" sz="2400"/>
               <a:t>Split data out into standalone CSVs for import into MySQL Workbench</a:t>
             </a:r>
+            <a:endParaRPr lang="en-US" sz="2400" dirty="0"/>
           </a:p>
         </p:txBody>
       </p:sp>

--- a/docs/Analyzing_Jeopardy_Data.pptx
+++ b/docs/Analyzing_Jeopardy_Data.pptx
@@ -373,7 +373,7 @@
           <a:p>
             <a:fld id="{1160EA64-D806-43AC-9DF2-F8C432F32B4C}" type="datetimeFigureOut">
               <a:rPr lang="en-US" smtClean="0"/>
-              <a:t>4/3/2021</a:t>
+              <a:t>4/3/21</a:t>
             </a:fld>
             <a:endParaRPr lang="en-US" dirty="0"/>
           </a:p>
@@ -636,7 +636,7 @@
           <a:p>
             <a:fld id="{E9F9C37B-1D36-470B-8223-D6C91242EC14}" type="datetimeFigureOut">
               <a:rPr lang="en-US" smtClean="0"/>
-              <a:t>4/3/2021</a:t>
+              <a:t>4/3/21</a:t>
             </a:fld>
             <a:endParaRPr lang="en-US" dirty="0"/>
           </a:p>
@@ -871,7 +871,7 @@
           <a:p>
             <a:fld id="{67C6F52A-A82B-47A2-A83A-8C4C91F2D59F}" type="datetimeFigureOut">
               <a:rPr lang="en-US" smtClean="0"/>
-              <a:t>4/3/2021</a:t>
+              <a:t>4/3/21</a:t>
             </a:fld>
             <a:endParaRPr lang="en-US" dirty="0"/>
           </a:p>
@@ -1111,7 +1111,7 @@
           <a:p>
             <a:fld id="{F070A7B3-6521-4DCA-87E5-044747A908C1}" type="datetimeFigureOut">
               <a:rPr lang="en-US" smtClean="0"/>
-              <a:t>4/3/2021</a:t>
+              <a:t>4/3/21</a:t>
             </a:fld>
             <a:endParaRPr lang="en-US" dirty="0"/>
           </a:p>
@@ -1419,7 +1419,7 @@
           <a:p>
             <a:fld id="{1160EA64-D806-43AC-9DF2-F8C432F32B4C}" type="datetimeFigureOut">
               <a:rPr lang="en-US" smtClean="0"/>
-              <a:t>4/3/2021</a:t>
+              <a:t>4/3/21</a:t>
             </a:fld>
             <a:endParaRPr lang="en-US" dirty="0"/>
           </a:p>
@@ -1722,7 +1722,7 @@
           <a:p>
             <a:fld id="{AB134690-1557-4C89-A502-4959FE7FAD70}" type="datetimeFigureOut">
               <a:rPr lang="en-US" smtClean="0"/>
-              <a:t>4/3/2021</a:t>
+              <a:t>4/3/21</a:t>
             </a:fld>
             <a:endParaRPr lang="en-US" dirty="0"/>
           </a:p>
@@ -2144,7 +2144,7 @@
           <a:p>
             <a:fld id="{1160EA64-D806-43AC-9DF2-F8C432F32B4C}" type="datetimeFigureOut">
               <a:rPr lang="en-US" smtClean="0"/>
-              <a:t>4/3/2021</a:t>
+              <a:t>4/3/21</a:t>
             </a:fld>
             <a:endParaRPr lang="en-US" dirty="0"/>
           </a:p>
@@ -2241,7 +2241,7 @@
           <a:p>
             <a:fld id="{E1037C31-9E7A-4F99-8774-A0E530DE1A42}" type="datetimeFigureOut">
               <a:rPr lang="en-US" smtClean="0"/>
-              <a:t>4/3/2021</a:t>
+              <a:t>4/3/21</a:t>
             </a:fld>
             <a:endParaRPr lang="en-US" dirty="0"/>
           </a:p>
@@ -2403,7 +2403,7 @@
           <a:p>
             <a:fld id="{C278504F-A551-4DE0-9316-4DCD1D8CC752}" type="datetimeFigureOut">
               <a:rPr lang="en-US" smtClean="0"/>
-              <a:t>4/3/2021</a:t>
+              <a:t>4/3/21</a:t>
             </a:fld>
             <a:endParaRPr lang="en-US" dirty="0"/>
           </a:p>
@@ -2781,7 +2781,7 @@
           <a:p>
             <a:fld id="{1160EA64-D806-43AC-9DF2-F8C432F32B4C}" type="datetimeFigureOut">
               <a:rPr lang="en-US" smtClean="0"/>
-              <a:t>4/3/2021</a:t>
+              <a:t>4/3/21</a:t>
             </a:fld>
             <a:endParaRPr lang="en-US" dirty="0"/>
           </a:p>
@@ -3072,7 +3072,7 @@
             <a:fld id="{1160EA64-D806-43AC-9DF2-F8C432F32B4C}" type="datetimeFigureOut">
               <a:rPr lang="en-US" smtClean="0"/>
               <a:pPr/>
-              <a:t>4/3/2021</a:t>
+              <a:t>4/3/21</a:t>
             </a:fld>
             <a:endParaRPr lang="en-US" dirty="0"/>
           </a:p>
@@ -3284,7 +3284,7 @@
           <a:p>
             <a:fld id="{1160EA64-D806-43AC-9DF2-F8C432F32B4C}" type="datetimeFigureOut">
               <a:rPr lang="en-US" smtClean="0"/>
-              <a:t>4/3/2021</a:t>
+              <a:t>4/3/21</a:t>
             </a:fld>
             <a:endParaRPr lang="en-US" dirty="0"/>
           </a:p>
@@ -5554,41 +5554,6 @@
           </a:p>
         </p:txBody>
       </p:sp>
-      <p:sp>
-        <p:nvSpPr>
-          <p:cNvPr id="6" name="Text Placeholder 5">
-            <a:extLst>
-              <a:ext uri="{FF2B5EF4-FFF2-40B4-BE49-F238E27FC236}">
-                <a16:creationId xmlns:a16="http://schemas.microsoft.com/office/drawing/2014/main" id="{5D222C0A-F7F5-4476-83A3-18EB8475FE14}"/>
-              </a:ext>
-            </a:extLst>
-          </p:cNvPr>
-          <p:cNvSpPr>
-            <a:spLocks noGrp="1"/>
-          </p:cNvSpPr>
-          <p:nvPr>
-            <p:ph type="body" sz="half" idx="2"/>
-          </p:nvPr>
-        </p:nvSpPr>
-        <p:spPr>
-          <a:xfrm>
-            <a:off x="581192" y="5260127"/>
-            <a:ext cx="11029617" cy="598671"/>
-          </a:xfrm>
-        </p:spPr>
-        <p:txBody>
-          <a:bodyPr>
-            <a:normAutofit/>
-          </a:bodyPr>
-          <a:lstStyle/>
-          <a:p>
-            <a:r>
-              <a:rPr lang="en-US" sz="2400" dirty="0"/>
-              <a:t>What are the most common daily double clue categories?</a:t>
-            </a:r>
-          </a:p>
-        </p:txBody>
-      </p:sp>
       <p:pic>
         <p:nvPicPr>
           <p:cNvPr id="8" name="Picture 7" descr="Text&#10;&#10;Description automatically generated">
@@ -5848,242 +5813,7 @@
           <a:p>
             <a:r>
               <a:rPr lang="en-US" sz="2400" dirty="0"/>
-              <a:t>What are the most common daily double clue clues?</a:t>
-            </a:r>
-          </a:p>
-        </p:txBody>
-      </p:sp>
-      <p:sp>
-        <p:nvSpPr>
-          <p:cNvPr id="10" name="Text Placeholder 5">
-            <a:extLst>
-              <a:ext uri="{FF2B5EF4-FFF2-40B4-BE49-F238E27FC236}">
-                <a16:creationId xmlns:a16="http://schemas.microsoft.com/office/drawing/2014/main" id="{862A68C0-5728-43E8-AC11-A46EDE76A973}"/>
-              </a:ext>
-            </a:extLst>
-          </p:cNvPr>
-          <p:cNvSpPr txBox="1">
-            <a:spLocks/>
-          </p:cNvSpPr>
-          <p:nvPr/>
-        </p:nvSpPr>
-        <p:spPr>
-          <a:xfrm>
-            <a:off x="885992" y="5564927"/>
-            <a:ext cx="11029617" cy="598671"/>
-          </a:xfrm>
-          <a:prstGeom prst="rect">
-            <a:avLst/>
-          </a:prstGeom>
-        </p:spPr>
-        <p:txBody>
-          <a:bodyPr vert="horz" lIns="91440" tIns="45720" rIns="91440" bIns="45720" rtlCol="0" anchor="ctr">
-            <a:normAutofit/>
-          </a:bodyPr>
-          <a:lstStyle>
-            <a:lvl1pPr marL="0" indent="0" algn="l" defTabSz="457200" rtl="0" eaLnBrk="1" latinLnBrk="0" hangingPunct="1">
-              <a:spcBef>
-                <a:spcPct val="20000"/>
-              </a:spcBef>
-              <a:spcAft>
-                <a:spcPts val="600"/>
-              </a:spcAft>
-              <a:buClr>
-                <a:schemeClr val="accent2"/>
-              </a:buClr>
-              <a:buSzPct val="92000"/>
-              <a:buFont typeface="Wingdings 2" panose="05020102010507070707" pitchFamily="18" charset="2"/>
-              <a:buNone/>
-              <a:defRPr sz="1200" kern="1200">
-                <a:solidFill>
-                  <a:schemeClr val="tx2"/>
-                </a:solidFill>
-                <a:latin typeface="+mn-lt"/>
-                <a:ea typeface="+mn-ea"/>
-                <a:cs typeface="+mn-cs"/>
-              </a:defRPr>
-            </a:lvl1pPr>
-            <a:lvl2pPr marL="457200" indent="0" algn="l" defTabSz="457200" rtl="0" eaLnBrk="1" latinLnBrk="0" hangingPunct="1">
-              <a:spcBef>
-                <a:spcPct val="20000"/>
-              </a:spcBef>
-              <a:spcAft>
-                <a:spcPts val="600"/>
-              </a:spcAft>
-              <a:buClr>
-                <a:schemeClr val="accent2"/>
-              </a:buClr>
-              <a:buSzPct val="92000"/>
-              <a:buFont typeface="Wingdings 2" panose="05020102010507070707" pitchFamily="18" charset="2"/>
-              <a:buNone/>
-              <a:defRPr sz="1200" kern="1200">
-                <a:solidFill>
-                  <a:schemeClr val="tx2"/>
-                </a:solidFill>
-                <a:latin typeface="+mn-lt"/>
-                <a:ea typeface="+mn-ea"/>
-                <a:cs typeface="+mn-cs"/>
-              </a:defRPr>
-            </a:lvl2pPr>
-            <a:lvl3pPr marL="914400" indent="0" algn="l" defTabSz="457200" rtl="0" eaLnBrk="1" latinLnBrk="0" hangingPunct="1">
-              <a:spcBef>
-                <a:spcPct val="20000"/>
-              </a:spcBef>
-              <a:spcAft>
-                <a:spcPts val="600"/>
-              </a:spcAft>
-              <a:buClr>
-                <a:schemeClr val="accent2"/>
-              </a:buClr>
-              <a:buSzPct val="92000"/>
-              <a:buFont typeface="Wingdings 2" panose="05020102010507070707" pitchFamily="18" charset="2"/>
-              <a:buNone/>
-              <a:defRPr sz="1000" kern="1200">
-                <a:solidFill>
-                  <a:schemeClr val="tx2"/>
-                </a:solidFill>
-                <a:latin typeface="+mn-lt"/>
-                <a:ea typeface="+mn-ea"/>
-                <a:cs typeface="+mn-cs"/>
-              </a:defRPr>
-            </a:lvl3pPr>
-            <a:lvl4pPr marL="1371600" indent="0" algn="l" defTabSz="457200" rtl="0" eaLnBrk="1" latinLnBrk="0" hangingPunct="1">
-              <a:spcBef>
-                <a:spcPct val="20000"/>
-              </a:spcBef>
-              <a:spcAft>
-                <a:spcPts val="600"/>
-              </a:spcAft>
-              <a:buClr>
-                <a:schemeClr val="accent2"/>
-              </a:buClr>
-              <a:buSzPct val="92000"/>
-              <a:buFont typeface="Wingdings 2" panose="05020102010507070707" pitchFamily="18" charset="2"/>
-              <a:buNone/>
-              <a:defRPr sz="900" kern="1200">
-                <a:solidFill>
-                  <a:schemeClr val="tx2"/>
-                </a:solidFill>
-                <a:latin typeface="+mn-lt"/>
-                <a:ea typeface="+mn-ea"/>
-                <a:cs typeface="+mn-cs"/>
-              </a:defRPr>
-            </a:lvl4pPr>
-            <a:lvl5pPr marL="1828800" indent="0" algn="l" defTabSz="457200" rtl="0" eaLnBrk="1" latinLnBrk="0" hangingPunct="1">
-              <a:spcBef>
-                <a:spcPct val="20000"/>
-              </a:spcBef>
-              <a:spcAft>
-                <a:spcPts val="600"/>
-              </a:spcAft>
-              <a:buClr>
-                <a:schemeClr val="accent2"/>
-              </a:buClr>
-              <a:buSzPct val="92000"/>
-              <a:buFont typeface="Wingdings 2" panose="05020102010507070707" pitchFamily="18" charset="2"/>
-              <a:buNone/>
-              <a:defRPr sz="900" kern="1200">
-                <a:solidFill>
-                  <a:schemeClr val="tx2"/>
-                </a:solidFill>
-                <a:latin typeface="+mn-lt"/>
-                <a:ea typeface="+mn-ea"/>
-                <a:cs typeface="+mn-cs"/>
-              </a:defRPr>
-            </a:lvl5pPr>
-            <a:lvl6pPr marL="2286000" indent="0" algn="l" defTabSz="457200" rtl="0" eaLnBrk="1" latinLnBrk="0" hangingPunct="1">
-              <a:spcBef>
-                <a:spcPct val="20000"/>
-              </a:spcBef>
-              <a:spcAft>
-                <a:spcPts val="600"/>
-              </a:spcAft>
-              <a:buClr>
-                <a:schemeClr val="accent2"/>
-              </a:buClr>
-              <a:buSzPct val="92000"/>
-              <a:buFont typeface="Wingdings 2" panose="05020102010507070707" pitchFamily="18" charset="2"/>
-              <a:buNone/>
-              <a:defRPr sz="900" kern="1200">
-                <a:solidFill>
-                  <a:schemeClr val="tx2"/>
-                </a:solidFill>
-                <a:latin typeface="+mn-lt"/>
-                <a:ea typeface="+mn-ea"/>
-                <a:cs typeface="+mn-cs"/>
-              </a:defRPr>
-            </a:lvl6pPr>
-            <a:lvl7pPr marL="2743200" indent="0" algn="l" defTabSz="457200" rtl="0" eaLnBrk="1" latinLnBrk="0" hangingPunct="1">
-              <a:spcBef>
-                <a:spcPct val="20000"/>
-              </a:spcBef>
-              <a:spcAft>
-                <a:spcPts val="600"/>
-              </a:spcAft>
-              <a:buClr>
-                <a:schemeClr val="accent2"/>
-              </a:buClr>
-              <a:buSzPct val="92000"/>
-              <a:buFont typeface="Wingdings 2" panose="05020102010507070707" pitchFamily="18" charset="2"/>
-              <a:buNone/>
-              <a:defRPr sz="900" kern="1200">
-                <a:solidFill>
-                  <a:schemeClr val="tx2"/>
-                </a:solidFill>
-                <a:latin typeface="+mn-lt"/>
-                <a:ea typeface="+mn-ea"/>
-                <a:cs typeface="+mn-cs"/>
-              </a:defRPr>
-            </a:lvl7pPr>
-            <a:lvl8pPr marL="3200400" indent="0" algn="l" defTabSz="457200" rtl="0" eaLnBrk="1" latinLnBrk="0" hangingPunct="1">
-              <a:spcBef>
-                <a:spcPct val="20000"/>
-              </a:spcBef>
-              <a:spcAft>
-                <a:spcPts val="600"/>
-              </a:spcAft>
-              <a:buClr>
-                <a:schemeClr val="accent2"/>
-              </a:buClr>
-              <a:buSzPct val="92000"/>
-              <a:buFont typeface="Wingdings 2" panose="05020102010507070707" pitchFamily="18" charset="2"/>
-              <a:buNone/>
-              <a:defRPr sz="900" kern="1200">
-                <a:solidFill>
-                  <a:schemeClr val="tx2"/>
-                </a:solidFill>
-                <a:latin typeface="+mn-lt"/>
-                <a:ea typeface="+mn-ea"/>
-                <a:cs typeface="+mn-cs"/>
-              </a:defRPr>
-            </a:lvl8pPr>
-            <a:lvl9pPr marL="3657600" indent="0" algn="l" defTabSz="457200" rtl="0" eaLnBrk="1" latinLnBrk="0" hangingPunct="1">
-              <a:spcBef>
-                <a:spcPct val="20000"/>
-              </a:spcBef>
-              <a:spcAft>
-                <a:spcPts val="600"/>
-              </a:spcAft>
-              <a:buClr>
-                <a:schemeClr val="accent2"/>
-              </a:buClr>
-              <a:buSzPct val="92000"/>
-              <a:buFont typeface="Wingdings 2" panose="05020102010507070707" pitchFamily="18" charset="2"/>
-              <a:buNone/>
-              <a:defRPr sz="900" kern="1200">
-                <a:solidFill>
-                  <a:schemeClr val="tx2"/>
-                </a:solidFill>
-                <a:latin typeface="+mn-lt"/>
-                <a:ea typeface="+mn-ea"/>
-                <a:cs typeface="+mn-cs"/>
-              </a:defRPr>
-            </a:lvl9pPr>
-          </a:lstStyle>
-          <a:p>
-            <a:r>
-              <a:rPr lang="en-US" sz="2400" dirty="0"/>
-              <a:t>What are the most common daily double clue answers?</a:t>
+              <a:t>What are the most common daily double</a:t>
             </a:r>
           </a:p>
         </p:txBody>
@@ -6147,6 +5877,711 @@
           </a:prstGeom>
         </p:spPr>
       </p:pic>
+      <p:sp>
+        <p:nvSpPr>
+          <p:cNvPr id="11" name="Text Placeholder 5">
+            <a:extLst>
+              <a:ext uri="{FF2B5EF4-FFF2-40B4-BE49-F238E27FC236}">
+                <a16:creationId xmlns:a16="http://schemas.microsoft.com/office/drawing/2014/main" id="{0BB2E547-C3C8-0C43-A991-C7C4AADF6E97}"/>
+              </a:ext>
+            </a:extLst>
+          </p:cNvPr>
+          <p:cNvSpPr txBox="1">
+            <a:spLocks/>
+          </p:cNvSpPr>
+          <p:nvPr/>
+        </p:nvSpPr>
+        <p:spPr>
+          <a:xfrm>
+            <a:off x="6002033" y="5412527"/>
+            <a:ext cx="1029895" cy="598671"/>
+          </a:xfrm>
+          <a:prstGeom prst="rect">
+            <a:avLst/>
+          </a:prstGeom>
+        </p:spPr>
+        <p:txBody>
+          <a:bodyPr vert="horz" lIns="91440" tIns="45720" rIns="91440" bIns="45720" rtlCol="0" anchor="ctr">
+            <a:normAutofit/>
+          </a:bodyPr>
+          <a:lstStyle>
+            <a:lvl1pPr marL="0" indent="0" algn="l" defTabSz="457200" rtl="0" eaLnBrk="1" latinLnBrk="0" hangingPunct="1">
+              <a:spcBef>
+                <a:spcPct val="20000"/>
+              </a:spcBef>
+              <a:spcAft>
+                <a:spcPts val="600"/>
+              </a:spcAft>
+              <a:buClr>
+                <a:schemeClr val="accent2"/>
+              </a:buClr>
+              <a:buSzPct val="92000"/>
+              <a:buFont typeface="Wingdings 2" panose="05020102010507070707" pitchFamily="18" charset="2"/>
+              <a:buNone/>
+              <a:defRPr sz="1200" kern="1200">
+                <a:solidFill>
+                  <a:schemeClr val="tx2"/>
+                </a:solidFill>
+                <a:latin typeface="+mn-lt"/>
+                <a:ea typeface="+mn-ea"/>
+                <a:cs typeface="+mn-cs"/>
+              </a:defRPr>
+            </a:lvl1pPr>
+            <a:lvl2pPr marL="457200" indent="0" algn="l" defTabSz="457200" rtl="0" eaLnBrk="1" latinLnBrk="0" hangingPunct="1">
+              <a:spcBef>
+                <a:spcPct val="20000"/>
+              </a:spcBef>
+              <a:spcAft>
+                <a:spcPts val="600"/>
+              </a:spcAft>
+              <a:buClr>
+                <a:schemeClr val="accent2"/>
+              </a:buClr>
+              <a:buSzPct val="92000"/>
+              <a:buFont typeface="Wingdings 2" panose="05020102010507070707" pitchFamily="18" charset="2"/>
+              <a:buNone/>
+              <a:defRPr sz="1200" kern="1200">
+                <a:solidFill>
+                  <a:schemeClr val="tx2"/>
+                </a:solidFill>
+                <a:latin typeface="+mn-lt"/>
+                <a:ea typeface="+mn-ea"/>
+                <a:cs typeface="+mn-cs"/>
+              </a:defRPr>
+            </a:lvl2pPr>
+            <a:lvl3pPr marL="914400" indent="0" algn="l" defTabSz="457200" rtl="0" eaLnBrk="1" latinLnBrk="0" hangingPunct="1">
+              <a:spcBef>
+                <a:spcPct val="20000"/>
+              </a:spcBef>
+              <a:spcAft>
+                <a:spcPts val="600"/>
+              </a:spcAft>
+              <a:buClr>
+                <a:schemeClr val="accent2"/>
+              </a:buClr>
+              <a:buSzPct val="92000"/>
+              <a:buFont typeface="Wingdings 2" panose="05020102010507070707" pitchFamily="18" charset="2"/>
+              <a:buNone/>
+              <a:defRPr sz="1000" kern="1200">
+                <a:solidFill>
+                  <a:schemeClr val="tx2"/>
+                </a:solidFill>
+                <a:latin typeface="+mn-lt"/>
+                <a:ea typeface="+mn-ea"/>
+                <a:cs typeface="+mn-cs"/>
+              </a:defRPr>
+            </a:lvl3pPr>
+            <a:lvl4pPr marL="1371600" indent="0" algn="l" defTabSz="457200" rtl="0" eaLnBrk="1" latinLnBrk="0" hangingPunct="1">
+              <a:spcBef>
+                <a:spcPct val="20000"/>
+              </a:spcBef>
+              <a:spcAft>
+                <a:spcPts val="600"/>
+              </a:spcAft>
+              <a:buClr>
+                <a:schemeClr val="accent2"/>
+              </a:buClr>
+              <a:buSzPct val="92000"/>
+              <a:buFont typeface="Wingdings 2" panose="05020102010507070707" pitchFamily="18" charset="2"/>
+              <a:buNone/>
+              <a:defRPr sz="900" kern="1200">
+                <a:solidFill>
+                  <a:schemeClr val="tx2"/>
+                </a:solidFill>
+                <a:latin typeface="+mn-lt"/>
+                <a:ea typeface="+mn-ea"/>
+                <a:cs typeface="+mn-cs"/>
+              </a:defRPr>
+            </a:lvl4pPr>
+            <a:lvl5pPr marL="1828800" indent="0" algn="l" defTabSz="457200" rtl="0" eaLnBrk="1" latinLnBrk="0" hangingPunct="1">
+              <a:spcBef>
+                <a:spcPct val="20000"/>
+              </a:spcBef>
+              <a:spcAft>
+                <a:spcPts val="600"/>
+              </a:spcAft>
+              <a:buClr>
+                <a:schemeClr val="accent2"/>
+              </a:buClr>
+              <a:buSzPct val="92000"/>
+              <a:buFont typeface="Wingdings 2" panose="05020102010507070707" pitchFamily="18" charset="2"/>
+              <a:buNone/>
+              <a:defRPr sz="900" kern="1200">
+                <a:solidFill>
+                  <a:schemeClr val="tx2"/>
+                </a:solidFill>
+                <a:latin typeface="+mn-lt"/>
+                <a:ea typeface="+mn-ea"/>
+                <a:cs typeface="+mn-cs"/>
+              </a:defRPr>
+            </a:lvl5pPr>
+            <a:lvl6pPr marL="2286000" indent="0" algn="l" defTabSz="457200" rtl="0" eaLnBrk="1" latinLnBrk="0" hangingPunct="1">
+              <a:spcBef>
+                <a:spcPct val="20000"/>
+              </a:spcBef>
+              <a:spcAft>
+                <a:spcPts val="600"/>
+              </a:spcAft>
+              <a:buClr>
+                <a:schemeClr val="accent2"/>
+              </a:buClr>
+              <a:buSzPct val="92000"/>
+              <a:buFont typeface="Wingdings 2" panose="05020102010507070707" pitchFamily="18" charset="2"/>
+              <a:buNone/>
+              <a:defRPr sz="900" kern="1200">
+                <a:solidFill>
+                  <a:schemeClr val="tx2"/>
+                </a:solidFill>
+                <a:latin typeface="+mn-lt"/>
+                <a:ea typeface="+mn-ea"/>
+                <a:cs typeface="+mn-cs"/>
+              </a:defRPr>
+            </a:lvl6pPr>
+            <a:lvl7pPr marL="2743200" indent="0" algn="l" defTabSz="457200" rtl="0" eaLnBrk="1" latinLnBrk="0" hangingPunct="1">
+              <a:spcBef>
+                <a:spcPct val="20000"/>
+              </a:spcBef>
+              <a:spcAft>
+                <a:spcPts val="600"/>
+              </a:spcAft>
+              <a:buClr>
+                <a:schemeClr val="accent2"/>
+              </a:buClr>
+              <a:buSzPct val="92000"/>
+              <a:buFont typeface="Wingdings 2" panose="05020102010507070707" pitchFamily="18" charset="2"/>
+              <a:buNone/>
+              <a:defRPr sz="900" kern="1200">
+                <a:solidFill>
+                  <a:schemeClr val="tx2"/>
+                </a:solidFill>
+                <a:latin typeface="+mn-lt"/>
+                <a:ea typeface="+mn-ea"/>
+                <a:cs typeface="+mn-cs"/>
+              </a:defRPr>
+            </a:lvl7pPr>
+            <a:lvl8pPr marL="3200400" indent="0" algn="l" defTabSz="457200" rtl="0" eaLnBrk="1" latinLnBrk="0" hangingPunct="1">
+              <a:spcBef>
+                <a:spcPct val="20000"/>
+              </a:spcBef>
+              <a:spcAft>
+                <a:spcPts val="600"/>
+              </a:spcAft>
+              <a:buClr>
+                <a:schemeClr val="accent2"/>
+              </a:buClr>
+              <a:buSzPct val="92000"/>
+              <a:buFont typeface="Wingdings 2" panose="05020102010507070707" pitchFamily="18" charset="2"/>
+              <a:buNone/>
+              <a:defRPr sz="900" kern="1200">
+                <a:solidFill>
+                  <a:schemeClr val="tx2"/>
+                </a:solidFill>
+                <a:latin typeface="+mn-lt"/>
+                <a:ea typeface="+mn-ea"/>
+                <a:cs typeface="+mn-cs"/>
+              </a:defRPr>
+            </a:lvl8pPr>
+            <a:lvl9pPr marL="3657600" indent="0" algn="l" defTabSz="457200" rtl="0" eaLnBrk="1" latinLnBrk="0" hangingPunct="1">
+              <a:spcBef>
+                <a:spcPct val="20000"/>
+              </a:spcBef>
+              <a:spcAft>
+                <a:spcPts val="600"/>
+              </a:spcAft>
+              <a:buClr>
+                <a:schemeClr val="accent2"/>
+              </a:buClr>
+              <a:buSzPct val="92000"/>
+              <a:buFont typeface="Wingdings 2" panose="05020102010507070707" pitchFamily="18" charset="2"/>
+              <a:buNone/>
+              <a:defRPr sz="900" kern="1200">
+                <a:solidFill>
+                  <a:schemeClr val="tx2"/>
+                </a:solidFill>
+                <a:latin typeface="+mn-lt"/>
+                <a:ea typeface="+mn-ea"/>
+                <a:cs typeface="+mn-cs"/>
+              </a:defRPr>
+            </a:lvl9pPr>
+          </a:lstStyle>
+          <a:p>
+            <a:r>
+              <a:rPr lang="en-US" sz="2400" b="1" dirty="0"/>
+              <a:t>clues?</a:t>
+            </a:r>
+          </a:p>
+        </p:txBody>
+      </p:sp>
+      <p:sp>
+        <p:nvSpPr>
+          <p:cNvPr id="13" name="Text Placeholder 5">
+            <a:extLst>
+              <a:ext uri="{FF2B5EF4-FFF2-40B4-BE49-F238E27FC236}">
+                <a16:creationId xmlns:a16="http://schemas.microsoft.com/office/drawing/2014/main" id="{129B38CD-E7A4-C54D-A2A9-6D39B8530A40}"/>
+              </a:ext>
+            </a:extLst>
+          </p:cNvPr>
+          <p:cNvSpPr txBox="1">
+            <a:spLocks/>
+          </p:cNvSpPr>
+          <p:nvPr/>
+        </p:nvSpPr>
+        <p:spPr>
+          <a:xfrm>
+            <a:off x="6002033" y="5412527"/>
+            <a:ext cx="1508867" cy="598671"/>
+          </a:xfrm>
+          <a:prstGeom prst="rect">
+            <a:avLst/>
+          </a:prstGeom>
+        </p:spPr>
+        <p:txBody>
+          <a:bodyPr vert="horz" lIns="91440" tIns="45720" rIns="91440" bIns="45720" rtlCol="0" anchor="ctr">
+            <a:normAutofit fontScale="85000" lnSpcReduction="10000"/>
+          </a:bodyPr>
+          <a:lstStyle>
+            <a:lvl1pPr marL="0" indent="0" algn="l" defTabSz="457200" rtl="0" eaLnBrk="1" latinLnBrk="0" hangingPunct="1">
+              <a:spcBef>
+                <a:spcPct val="20000"/>
+              </a:spcBef>
+              <a:spcAft>
+                <a:spcPts val="600"/>
+              </a:spcAft>
+              <a:buClr>
+                <a:schemeClr val="accent2"/>
+              </a:buClr>
+              <a:buSzPct val="92000"/>
+              <a:buFont typeface="Wingdings 2" panose="05020102010507070707" pitchFamily="18" charset="2"/>
+              <a:buNone/>
+              <a:defRPr sz="1200" kern="1200">
+                <a:solidFill>
+                  <a:schemeClr val="tx2"/>
+                </a:solidFill>
+                <a:latin typeface="+mn-lt"/>
+                <a:ea typeface="+mn-ea"/>
+                <a:cs typeface="+mn-cs"/>
+              </a:defRPr>
+            </a:lvl1pPr>
+            <a:lvl2pPr marL="457200" indent="0" algn="l" defTabSz="457200" rtl="0" eaLnBrk="1" latinLnBrk="0" hangingPunct="1">
+              <a:spcBef>
+                <a:spcPct val="20000"/>
+              </a:spcBef>
+              <a:spcAft>
+                <a:spcPts val="600"/>
+              </a:spcAft>
+              <a:buClr>
+                <a:schemeClr val="accent2"/>
+              </a:buClr>
+              <a:buSzPct val="92000"/>
+              <a:buFont typeface="Wingdings 2" panose="05020102010507070707" pitchFamily="18" charset="2"/>
+              <a:buNone/>
+              <a:defRPr sz="1200" kern="1200">
+                <a:solidFill>
+                  <a:schemeClr val="tx2"/>
+                </a:solidFill>
+                <a:latin typeface="+mn-lt"/>
+                <a:ea typeface="+mn-ea"/>
+                <a:cs typeface="+mn-cs"/>
+              </a:defRPr>
+            </a:lvl2pPr>
+            <a:lvl3pPr marL="914400" indent="0" algn="l" defTabSz="457200" rtl="0" eaLnBrk="1" latinLnBrk="0" hangingPunct="1">
+              <a:spcBef>
+                <a:spcPct val="20000"/>
+              </a:spcBef>
+              <a:spcAft>
+                <a:spcPts val="600"/>
+              </a:spcAft>
+              <a:buClr>
+                <a:schemeClr val="accent2"/>
+              </a:buClr>
+              <a:buSzPct val="92000"/>
+              <a:buFont typeface="Wingdings 2" panose="05020102010507070707" pitchFamily="18" charset="2"/>
+              <a:buNone/>
+              <a:defRPr sz="1000" kern="1200">
+                <a:solidFill>
+                  <a:schemeClr val="tx2"/>
+                </a:solidFill>
+                <a:latin typeface="+mn-lt"/>
+                <a:ea typeface="+mn-ea"/>
+                <a:cs typeface="+mn-cs"/>
+              </a:defRPr>
+            </a:lvl3pPr>
+            <a:lvl4pPr marL="1371600" indent="0" algn="l" defTabSz="457200" rtl="0" eaLnBrk="1" latinLnBrk="0" hangingPunct="1">
+              <a:spcBef>
+                <a:spcPct val="20000"/>
+              </a:spcBef>
+              <a:spcAft>
+                <a:spcPts val="600"/>
+              </a:spcAft>
+              <a:buClr>
+                <a:schemeClr val="accent2"/>
+              </a:buClr>
+              <a:buSzPct val="92000"/>
+              <a:buFont typeface="Wingdings 2" panose="05020102010507070707" pitchFamily="18" charset="2"/>
+              <a:buNone/>
+              <a:defRPr sz="900" kern="1200">
+                <a:solidFill>
+                  <a:schemeClr val="tx2"/>
+                </a:solidFill>
+                <a:latin typeface="+mn-lt"/>
+                <a:ea typeface="+mn-ea"/>
+                <a:cs typeface="+mn-cs"/>
+              </a:defRPr>
+            </a:lvl4pPr>
+            <a:lvl5pPr marL="1828800" indent="0" algn="l" defTabSz="457200" rtl="0" eaLnBrk="1" latinLnBrk="0" hangingPunct="1">
+              <a:spcBef>
+                <a:spcPct val="20000"/>
+              </a:spcBef>
+              <a:spcAft>
+                <a:spcPts val="600"/>
+              </a:spcAft>
+              <a:buClr>
+                <a:schemeClr val="accent2"/>
+              </a:buClr>
+              <a:buSzPct val="92000"/>
+              <a:buFont typeface="Wingdings 2" panose="05020102010507070707" pitchFamily="18" charset="2"/>
+              <a:buNone/>
+              <a:defRPr sz="900" kern="1200">
+                <a:solidFill>
+                  <a:schemeClr val="tx2"/>
+                </a:solidFill>
+                <a:latin typeface="+mn-lt"/>
+                <a:ea typeface="+mn-ea"/>
+                <a:cs typeface="+mn-cs"/>
+              </a:defRPr>
+            </a:lvl5pPr>
+            <a:lvl6pPr marL="2286000" indent="0" algn="l" defTabSz="457200" rtl="0" eaLnBrk="1" latinLnBrk="0" hangingPunct="1">
+              <a:spcBef>
+                <a:spcPct val="20000"/>
+              </a:spcBef>
+              <a:spcAft>
+                <a:spcPts val="600"/>
+              </a:spcAft>
+              <a:buClr>
+                <a:schemeClr val="accent2"/>
+              </a:buClr>
+              <a:buSzPct val="92000"/>
+              <a:buFont typeface="Wingdings 2" panose="05020102010507070707" pitchFamily="18" charset="2"/>
+              <a:buNone/>
+              <a:defRPr sz="900" kern="1200">
+                <a:solidFill>
+                  <a:schemeClr val="tx2"/>
+                </a:solidFill>
+                <a:latin typeface="+mn-lt"/>
+                <a:ea typeface="+mn-ea"/>
+                <a:cs typeface="+mn-cs"/>
+              </a:defRPr>
+            </a:lvl6pPr>
+            <a:lvl7pPr marL="2743200" indent="0" algn="l" defTabSz="457200" rtl="0" eaLnBrk="1" latinLnBrk="0" hangingPunct="1">
+              <a:spcBef>
+                <a:spcPct val="20000"/>
+              </a:spcBef>
+              <a:spcAft>
+                <a:spcPts val="600"/>
+              </a:spcAft>
+              <a:buClr>
+                <a:schemeClr val="accent2"/>
+              </a:buClr>
+              <a:buSzPct val="92000"/>
+              <a:buFont typeface="Wingdings 2" panose="05020102010507070707" pitchFamily="18" charset="2"/>
+              <a:buNone/>
+              <a:defRPr sz="900" kern="1200">
+                <a:solidFill>
+                  <a:schemeClr val="tx2"/>
+                </a:solidFill>
+                <a:latin typeface="+mn-lt"/>
+                <a:ea typeface="+mn-ea"/>
+                <a:cs typeface="+mn-cs"/>
+              </a:defRPr>
+            </a:lvl7pPr>
+            <a:lvl8pPr marL="3200400" indent="0" algn="l" defTabSz="457200" rtl="0" eaLnBrk="1" latinLnBrk="0" hangingPunct="1">
+              <a:spcBef>
+                <a:spcPct val="20000"/>
+              </a:spcBef>
+              <a:spcAft>
+                <a:spcPts val="600"/>
+              </a:spcAft>
+              <a:buClr>
+                <a:schemeClr val="accent2"/>
+              </a:buClr>
+              <a:buSzPct val="92000"/>
+              <a:buFont typeface="Wingdings 2" panose="05020102010507070707" pitchFamily="18" charset="2"/>
+              <a:buNone/>
+              <a:defRPr sz="900" kern="1200">
+                <a:solidFill>
+                  <a:schemeClr val="tx2"/>
+                </a:solidFill>
+                <a:latin typeface="+mn-lt"/>
+                <a:ea typeface="+mn-ea"/>
+                <a:cs typeface="+mn-cs"/>
+              </a:defRPr>
+            </a:lvl8pPr>
+            <a:lvl9pPr marL="3657600" indent="0" algn="l" defTabSz="457200" rtl="0" eaLnBrk="1" latinLnBrk="0" hangingPunct="1">
+              <a:spcBef>
+                <a:spcPct val="20000"/>
+              </a:spcBef>
+              <a:spcAft>
+                <a:spcPts val="600"/>
+              </a:spcAft>
+              <a:buClr>
+                <a:schemeClr val="accent2"/>
+              </a:buClr>
+              <a:buSzPct val="92000"/>
+              <a:buFont typeface="Wingdings 2" panose="05020102010507070707" pitchFamily="18" charset="2"/>
+              <a:buNone/>
+              <a:defRPr sz="900" kern="1200">
+                <a:solidFill>
+                  <a:schemeClr val="tx2"/>
+                </a:solidFill>
+                <a:latin typeface="+mn-lt"/>
+                <a:ea typeface="+mn-ea"/>
+                <a:cs typeface="+mn-cs"/>
+              </a:defRPr>
+            </a:lvl9pPr>
+          </a:lstStyle>
+          <a:p>
+            <a:r>
+              <a:rPr lang="en-US" sz="2400" b="1" dirty="0"/>
+              <a:t>categories?</a:t>
+            </a:r>
+          </a:p>
+        </p:txBody>
+      </p:sp>
+      <p:sp>
+        <p:nvSpPr>
+          <p:cNvPr id="15" name="Text Placeholder 5">
+            <a:extLst>
+              <a:ext uri="{FF2B5EF4-FFF2-40B4-BE49-F238E27FC236}">
+                <a16:creationId xmlns:a16="http://schemas.microsoft.com/office/drawing/2014/main" id="{28F75ECB-C16E-1F45-A0BD-D52C7B424193}"/>
+              </a:ext>
+            </a:extLst>
+          </p:cNvPr>
+          <p:cNvSpPr txBox="1">
+            <a:spLocks/>
+          </p:cNvSpPr>
+          <p:nvPr/>
+        </p:nvSpPr>
+        <p:spPr>
+          <a:xfrm>
+            <a:off x="6002033" y="5412527"/>
+            <a:ext cx="1508867" cy="598671"/>
+          </a:xfrm>
+          <a:prstGeom prst="rect">
+            <a:avLst/>
+          </a:prstGeom>
+        </p:spPr>
+        <p:txBody>
+          <a:bodyPr vert="horz" lIns="91440" tIns="45720" rIns="91440" bIns="45720" rtlCol="0" anchor="ctr">
+            <a:normAutofit/>
+          </a:bodyPr>
+          <a:lstStyle>
+            <a:lvl1pPr marL="0" indent="0" algn="l" defTabSz="457200" rtl="0" eaLnBrk="1" latinLnBrk="0" hangingPunct="1">
+              <a:spcBef>
+                <a:spcPct val="20000"/>
+              </a:spcBef>
+              <a:spcAft>
+                <a:spcPts val="600"/>
+              </a:spcAft>
+              <a:buClr>
+                <a:schemeClr val="accent2"/>
+              </a:buClr>
+              <a:buSzPct val="92000"/>
+              <a:buFont typeface="Wingdings 2" panose="05020102010507070707" pitchFamily="18" charset="2"/>
+              <a:buNone/>
+              <a:defRPr sz="1200" kern="1200">
+                <a:solidFill>
+                  <a:schemeClr val="tx2"/>
+                </a:solidFill>
+                <a:latin typeface="+mn-lt"/>
+                <a:ea typeface="+mn-ea"/>
+                <a:cs typeface="+mn-cs"/>
+              </a:defRPr>
+            </a:lvl1pPr>
+            <a:lvl2pPr marL="457200" indent="0" algn="l" defTabSz="457200" rtl="0" eaLnBrk="1" latinLnBrk="0" hangingPunct="1">
+              <a:spcBef>
+                <a:spcPct val="20000"/>
+              </a:spcBef>
+              <a:spcAft>
+                <a:spcPts val="600"/>
+              </a:spcAft>
+              <a:buClr>
+                <a:schemeClr val="accent2"/>
+              </a:buClr>
+              <a:buSzPct val="92000"/>
+              <a:buFont typeface="Wingdings 2" panose="05020102010507070707" pitchFamily="18" charset="2"/>
+              <a:buNone/>
+              <a:defRPr sz="1200" kern="1200">
+                <a:solidFill>
+                  <a:schemeClr val="tx2"/>
+                </a:solidFill>
+                <a:latin typeface="+mn-lt"/>
+                <a:ea typeface="+mn-ea"/>
+                <a:cs typeface="+mn-cs"/>
+              </a:defRPr>
+            </a:lvl2pPr>
+            <a:lvl3pPr marL="914400" indent="0" algn="l" defTabSz="457200" rtl="0" eaLnBrk="1" latinLnBrk="0" hangingPunct="1">
+              <a:spcBef>
+                <a:spcPct val="20000"/>
+              </a:spcBef>
+              <a:spcAft>
+                <a:spcPts val="600"/>
+              </a:spcAft>
+              <a:buClr>
+                <a:schemeClr val="accent2"/>
+              </a:buClr>
+              <a:buSzPct val="92000"/>
+              <a:buFont typeface="Wingdings 2" panose="05020102010507070707" pitchFamily="18" charset="2"/>
+              <a:buNone/>
+              <a:defRPr sz="1000" kern="1200">
+                <a:solidFill>
+                  <a:schemeClr val="tx2"/>
+                </a:solidFill>
+                <a:latin typeface="+mn-lt"/>
+                <a:ea typeface="+mn-ea"/>
+                <a:cs typeface="+mn-cs"/>
+              </a:defRPr>
+            </a:lvl3pPr>
+            <a:lvl4pPr marL="1371600" indent="0" algn="l" defTabSz="457200" rtl="0" eaLnBrk="1" latinLnBrk="0" hangingPunct="1">
+              <a:spcBef>
+                <a:spcPct val="20000"/>
+              </a:spcBef>
+              <a:spcAft>
+                <a:spcPts val="600"/>
+              </a:spcAft>
+              <a:buClr>
+                <a:schemeClr val="accent2"/>
+              </a:buClr>
+              <a:buSzPct val="92000"/>
+              <a:buFont typeface="Wingdings 2" panose="05020102010507070707" pitchFamily="18" charset="2"/>
+              <a:buNone/>
+              <a:defRPr sz="900" kern="1200">
+                <a:solidFill>
+                  <a:schemeClr val="tx2"/>
+                </a:solidFill>
+                <a:latin typeface="+mn-lt"/>
+                <a:ea typeface="+mn-ea"/>
+                <a:cs typeface="+mn-cs"/>
+              </a:defRPr>
+            </a:lvl4pPr>
+            <a:lvl5pPr marL="1828800" indent="0" algn="l" defTabSz="457200" rtl="0" eaLnBrk="1" latinLnBrk="0" hangingPunct="1">
+              <a:spcBef>
+                <a:spcPct val="20000"/>
+              </a:spcBef>
+              <a:spcAft>
+                <a:spcPts val="600"/>
+              </a:spcAft>
+              <a:buClr>
+                <a:schemeClr val="accent2"/>
+              </a:buClr>
+              <a:buSzPct val="92000"/>
+              <a:buFont typeface="Wingdings 2" panose="05020102010507070707" pitchFamily="18" charset="2"/>
+              <a:buNone/>
+              <a:defRPr sz="900" kern="1200">
+                <a:solidFill>
+                  <a:schemeClr val="tx2"/>
+                </a:solidFill>
+                <a:latin typeface="+mn-lt"/>
+                <a:ea typeface="+mn-ea"/>
+                <a:cs typeface="+mn-cs"/>
+              </a:defRPr>
+            </a:lvl5pPr>
+            <a:lvl6pPr marL="2286000" indent="0" algn="l" defTabSz="457200" rtl="0" eaLnBrk="1" latinLnBrk="0" hangingPunct="1">
+              <a:spcBef>
+                <a:spcPct val="20000"/>
+              </a:spcBef>
+              <a:spcAft>
+                <a:spcPts val="600"/>
+              </a:spcAft>
+              <a:buClr>
+                <a:schemeClr val="accent2"/>
+              </a:buClr>
+              <a:buSzPct val="92000"/>
+              <a:buFont typeface="Wingdings 2" panose="05020102010507070707" pitchFamily="18" charset="2"/>
+              <a:buNone/>
+              <a:defRPr sz="900" kern="1200">
+                <a:solidFill>
+                  <a:schemeClr val="tx2"/>
+                </a:solidFill>
+                <a:latin typeface="+mn-lt"/>
+                <a:ea typeface="+mn-ea"/>
+                <a:cs typeface="+mn-cs"/>
+              </a:defRPr>
+            </a:lvl6pPr>
+            <a:lvl7pPr marL="2743200" indent="0" algn="l" defTabSz="457200" rtl="0" eaLnBrk="1" latinLnBrk="0" hangingPunct="1">
+              <a:spcBef>
+                <a:spcPct val="20000"/>
+              </a:spcBef>
+              <a:spcAft>
+                <a:spcPts val="600"/>
+              </a:spcAft>
+              <a:buClr>
+                <a:schemeClr val="accent2"/>
+              </a:buClr>
+              <a:buSzPct val="92000"/>
+              <a:buFont typeface="Wingdings 2" panose="05020102010507070707" pitchFamily="18" charset="2"/>
+              <a:buNone/>
+              <a:defRPr sz="900" kern="1200">
+                <a:solidFill>
+                  <a:schemeClr val="tx2"/>
+                </a:solidFill>
+                <a:latin typeface="+mn-lt"/>
+                <a:ea typeface="+mn-ea"/>
+                <a:cs typeface="+mn-cs"/>
+              </a:defRPr>
+            </a:lvl7pPr>
+            <a:lvl8pPr marL="3200400" indent="0" algn="l" defTabSz="457200" rtl="0" eaLnBrk="1" latinLnBrk="0" hangingPunct="1">
+              <a:spcBef>
+                <a:spcPct val="20000"/>
+              </a:spcBef>
+              <a:spcAft>
+                <a:spcPts val="600"/>
+              </a:spcAft>
+              <a:buClr>
+                <a:schemeClr val="accent2"/>
+              </a:buClr>
+              <a:buSzPct val="92000"/>
+              <a:buFont typeface="Wingdings 2" panose="05020102010507070707" pitchFamily="18" charset="2"/>
+              <a:buNone/>
+              <a:defRPr sz="900" kern="1200">
+                <a:solidFill>
+                  <a:schemeClr val="tx2"/>
+                </a:solidFill>
+                <a:latin typeface="+mn-lt"/>
+                <a:ea typeface="+mn-ea"/>
+                <a:cs typeface="+mn-cs"/>
+              </a:defRPr>
+            </a:lvl8pPr>
+            <a:lvl9pPr marL="3657600" indent="0" algn="l" defTabSz="457200" rtl="0" eaLnBrk="1" latinLnBrk="0" hangingPunct="1">
+              <a:spcBef>
+                <a:spcPct val="20000"/>
+              </a:spcBef>
+              <a:spcAft>
+                <a:spcPts val="600"/>
+              </a:spcAft>
+              <a:buClr>
+                <a:schemeClr val="accent2"/>
+              </a:buClr>
+              <a:buSzPct val="92000"/>
+              <a:buFont typeface="Wingdings 2" panose="05020102010507070707" pitchFamily="18" charset="2"/>
+              <a:buNone/>
+              <a:defRPr sz="900" kern="1200">
+                <a:solidFill>
+                  <a:schemeClr val="tx2"/>
+                </a:solidFill>
+                <a:latin typeface="+mn-lt"/>
+                <a:ea typeface="+mn-ea"/>
+                <a:cs typeface="+mn-cs"/>
+              </a:defRPr>
+            </a:lvl9pPr>
+          </a:lstStyle>
+          <a:p>
+            <a:r>
+              <a:rPr lang="en-US" sz="2400" b="1" dirty="0"/>
+              <a:t>answers?</a:t>
+            </a:r>
+          </a:p>
+        </p:txBody>
+      </p:sp>
     </p:spTree>
     <p:extLst>
       <p:ext uri="{BB962C8B-B14F-4D97-AF65-F5344CB8AC3E}">
@@ -6191,11 +6626,7 @@
                                           </p:stCondLst>
                                         </p:cTn>
                                         <p:tgtEl>
-                                          <p:spTgt spid="6">
-                                            <p:txEl>
-                                              <p:pRg st="0" end="0"/>
-                                            </p:txEl>
-                                          </p:spTgt>
+                                          <p:spTgt spid="13"/>
                                         </p:tgtEl>
                                         <p:attrNameLst>
                                           <p:attrName>style.visibility</p:attrName>
@@ -6227,7 +6658,7 @@
                             </p:stCondLst>
                             <p:childTnLst>
                               <p:par>
-                                <p:cTn id="9" presetID="10" presetClass="entr" presetSubtype="0" fill="hold" nodeType="clickEffect">
+                                <p:cTn id="9" presetID="1" presetClass="entr" presetSubtype="0" fill="hold" nodeType="clickEffect">
                                   <p:stCondLst>
                                     <p:cond delay="0"/>
                                   </p:stCondLst>
@@ -6250,14 +6681,6 @@
                                         <p:strVal val="visible"/>
                                       </p:to>
                                     </p:set>
-                                    <p:animEffect transition="in" filter="fade">
-                                      <p:cBhvr>
-                                        <p:cTn id="11" dur="500"/>
-                                        <p:tgtEl>
-                                          <p:spTgt spid="8"/>
-                                        </p:tgtEl>
-                                      </p:cBhvr>
-                                    </p:animEffect>
                                   </p:childTnLst>
                                 </p:cTn>
                               </p:par>
@@ -6268,36 +6691,32 @@
                     </p:cTn>
                   </p:par>
                   <p:par>
-                    <p:cTn id="12" fill="hold">
+                    <p:cTn id="11" fill="hold">
                       <p:stCondLst>
                         <p:cond delay="indefinite"/>
                       </p:stCondLst>
                       <p:childTnLst>
                         <p:par>
-                          <p:cTn id="13" fill="hold">
+                          <p:cTn id="12" fill="hold">
                             <p:stCondLst>
                               <p:cond delay="0"/>
                             </p:stCondLst>
                             <p:childTnLst>
                               <p:par>
-                                <p:cTn id="14" presetID="1" presetClass="exit" presetSubtype="0" fill="hold" grpId="1" nodeType="clickEffect">
+                                <p:cTn id="13" presetID="1" presetClass="exit" presetSubtype="0" fill="hold" grpId="1" nodeType="clickEffect">
                                   <p:stCondLst>
                                     <p:cond delay="0"/>
                                   </p:stCondLst>
                                   <p:childTnLst>
                                     <p:set>
                                       <p:cBhvr>
-                                        <p:cTn id="15" dur="1" fill="hold">
+                                        <p:cTn id="14" dur="1" fill="hold">
                                           <p:stCondLst>
                                             <p:cond delay="0"/>
                                           </p:stCondLst>
                                         </p:cTn>
                                         <p:tgtEl>
-                                          <p:spTgt spid="6">
-                                            <p:txEl>
-                                              <p:pRg st="0" end="0"/>
-                                            </p:txEl>
-                                          </p:spTgt>
+                                          <p:spTgt spid="13"/>
                                         </p:tgtEl>
                                         <p:attrNameLst>
                                           <p:attrName>style.visibility</p:attrName>
@@ -6310,39 +6729,21 @@
                                   </p:childTnLst>
                                 </p:cTn>
                               </p:par>
-                            </p:childTnLst>
-                          </p:cTn>
-                        </p:par>
-                      </p:childTnLst>
-                    </p:cTn>
-                  </p:par>
-                  <p:par>
-                    <p:cTn id="16" fill="hold">
-                      <p:stCondLst>
-                        <p:cond delay="indefinite"/>
-                      </p:stCondLst>
-                      <p:childTnLst>
-                        <p:par>
-                          <p:cTn id="17" fill="hold">
-                            <p:stCondLst>
-                              <p:cond delay="0"/>
-                            </p:stCondLst>
-                            <p:childTnLst>
                               <p:par>
-                                <p:cTn id="18" presetID="1" presetClass="entr" presetSubtype="0" fill="hold" grpId="0" nodeType="clickEffect">
+                                <p:cTn id="15" presetID="1" presetClass="entr" presetSubtype="0" fill="hold" grpId="0" nodeType="withEffect">
                                   <p:stCondLst>
                                     <p:cond delay="0"/>
                                   </p:stCondLst>
                                   <p:childTnLst>
                                     <p:set>
                                       <p:cBhvr>
-                                        <p:cTn id="19" dur="1" fill="hold">
+                                        <p:cTn id="16" dur="1" fill="hold">
                                           <p:stCondLst>
                                             <p:cond delay="0"/>
                                           </p:stCondLst>
                                         </p:cTn>
                                         <p:tgtEl>
-                                          <p:spTgt spid="9"/>
+                                          <p:spTgt spid="11"/>
                                         </p:tgtEl>
                                         <p:attrNameLst>
                                           <p:attrName>style.visibility</p:attrName>
@@ -6362,130 +6763,32 @@
                     </p:cTn>
                   </p:par>
                   <p:par>
-                    <p:cTn id="20" fill="hold">
+                    <p:cTn id="17" fill="hold">
                       <p:stCondLst>
                         <p:cond delay="indefinite"/>
                       </p:stCondLst>
                       <p:childTnLst>
                         <p:par>
-                          <p:cTn id="21" fill="hold">
+                          <p:cTn id="18" fill="hold">
                             <p:stCondLst>
                               <p:cond delay="0"/>
                             </p:stCondLst>
                             <p:childTnLst>
                               <p:par>
-                                <p:cTn id="22" presetID="10" presetClass="entr" presetSubtype="0" fill="hold" nodeType="clickEffect">
+                                <p:cTn id="19" presetID="1" presetClass="entr" presetSubtype="0" fill="hold" nodeType="clickEffect">
                                   <p:stCondLst>
                                     <p:cond delay="0"/>
                                   </p:stCondLst>
                                   <p:childTnLst>
                                     <p:set>
                                       <p:cBhvr>
-                                        <p:cTn id="23" dur="1" fill="hold">
+                                        <p:cTn id="20" dur="1" fill="hold">
                                           <p:stCondLst>
                                             <p:cond delay="0"/>
                                           </p:stCondLst>
                                         </p:cTn>
                                         <p:tgtEl>
                                           <p:spTgt spid="12"/>
-                                        </p:tgtEl>
-                                        <p:attrNameLst>
-                                          <p:attrName>style.visibility</p:attrName>
-                                        </p:attrNameLst>
-                                      </p:cBhvr>
-                                      <p:to>
-                                        <p:strVal val="visible"/>
-                                      </p:to>
-                                    </p:set>
-                                    <p:animEffect transition="in" filter="fade">
-                                      <p:cBhvr>
-                                        <p:cTn id="24" dur="500"/>
-                                        <p:tgtEl>
-                                          <p:spTgt spid="12"/>
-                                        </p:tgtEl>
-                                      </p:cBhvr>
-                                    </p:animEffect>
-                                  </p:childTnLst>
-                                </p:cTn>
-                              </p:par>
-                            </p:childTnLst>
-                          </p:cTn>
-                        </p:par>
-                      </p:childTnLst>
-                    </p:cTn>
-                  </p:par>
-                  <p:par>
-                    <p:cTn id="25" fill="hold">
-                      <p:stCondLst>
-                        <p:cond delay="indefinite"/>
-                      </p:stCondLst>
-                      <p:childTnLst>
-                        <p:par>
-                          <p:cTn id="26" fill="hold">
-                            <p:stCondLst>
-                              <p:cond delay="0"/>
-                            </p:stCondLst>
-                            <p:childTnLst>
-                              <p:par>
-                                <p:cTn id="27" presetID="1" presetClass="exit" presetSubtype="0" fill="hold" grpId="1" nodeType="clickEffect">
-                                  <p:stCondLst>
-                                    <p:cond delay="0"/>
-                                  </p:stCondLst>
-                                  <p:childTnLst>
-                                    <p:set>
-                                      <p:cBhvr>
-                                        <p:cTn id="28" dur="1" fill="hold">
-                                          <p:stCondLst>
-                                            <p:cond delay="0"/>
-                                          </p:stCondLst>
-                                        </p:cTn>
-                                        <p:tgtEl>
-                                          <p:spTgt spid="9"/>
-                                        </p:tgtEl>
-                                        <p:attrNameLst>
-                                          <p:attrName>style.visibility</p:attrName>
-                                        </p:attrNameLst>
-                                      </p:cBhvr>
-                                      <p:to>
-                                        <p:strVal val="hidden"/>
-                                      </p:to>
-                                    </p:set>
-                                  </p:childTnLst>
-                                </p:cTn>
-                              </p:par>
-                            </p:childTnLst>
-                          </p:cTn>
-                        </p:par>
-                      </p:childTnLst>
-                    </p:cTn>
-                  </p:par>
-                  <p:par>
-                    <p:cTn id="29" fill="hold">
-                      <p:stCondLst>
-                        <p:cond delay="indefinite"/>
-                      </p:stCondLst>
-                      <p:childTnLst>
-                        <p:par>
-                          <p:cTn id="30" fill="hold">
-                            <p:stCondLst>
-                              <p:cond delay="0"/>
-                            </p:stCondLst>
-                            <p:childTnLst>
-                              <p:par>
-                                <p:cTn id="31" presetID="1" presetClass="entr" presetSubtype="0" fill="hold" grpId="0" nodeType="clickEffect">
-                                  <p:stCondLst>
-                                    <p:cond delay="0"/>
-                                  </p:stCondLst>
-                                  <p:childTnLst>
-                                    <p:set>
-                                      <p:cBhvr>
-                                        <p:cTn id="32" dur="1" fill="hold">
-                                          <p:stCondLst>
-                                            <p:cond delay="0"/>
-                                          </p:stCondLst>
-                                        </p:cTn>
-                                        <p:tgtEl>
-                                          <p:spTgt spid="10"/>
                                         </p:tgtEl>
                                         <p:attrNameLst>
                                           <p:attrName>style.visibility</p:attrName>
@@ -6505,26 +6808,98 @@
                     </p:cTn>
                   </p:par>
                   <p:par>
-                    <p:cTn id="33" fill="hold">
+                    <p:cTn id="21" fill="hold">
                       <p:stCondLst>
                         <p:cond delay="indefinite"/>
                       </p:stCondLst>
                       <p:childTnLst>
                         <p:par>
-                          <p:cTn id="34" fill="hold">
+                          <p:cTn id="22" fill="hold">
                             <p:stCondLst>
                               <p:cond delay="0"/>
                             </p:stCondLst>
                             <p:childTnLst>
                               <p:par>
-                                <p:cTn id="35" presetID="10" presetClass="entr" presetSubtype="0" fill="hold" nodeType="clickEffect">
+                                <p:cTn id="23" presetID="1" presetClass="exit" presetSubtype="0" fill="hold" grpId="1" nodeType="clickEffect">
                                   <p:stCondLst>
                                     <p:cond delay="0"/>
                                   </p:stCondLst>
                                   <p:childTnLst>
                                     <p:set>
                                       <p:cBhvr>
-                                        <p:cTn id="36" dur="1" fill="hold">
+                                        <p:cTn id="24" dur="1" fill="hold">
+                                          <p:stCondLst>
+                                            <p:cond delay="0"/>
+                                          </p:stCondLst>
+                                        </p:cTn>
+                                        <p:tgtEl>
+                                          <p:spTgt spid="11"/>
+                                        </p:tgtEl>
+                                        <p:attrNameLst>
+                                          <p:attrName>style.visibility</p:attrName>
+                                        </p:attrNameLst>
+                                      </p:cBhvr>
+                                      <p:to>
+                                        <p:strVal val="hidden"/>
+                                      </p:to>
+                                    </p:set>
+                                  </p:childTnLst>
+                                </p:cTn>
+                              </p:par>
+                              <p:par>
+                                <p:cTn id="25" presetID="1" presetClass="entr" presetSubtype="0" fill="hold" grpId="0" nodeType="withEffect">
+                                  <p:stCondLst>
+                                    <p:cond delay="0"/>
+                                  </p:stCondLst>
+                                  <p:childTnLst>
+                                    <p:set>
+                                      <p:cBhvr>
+                                        <p:cTn id="26" dur="1" fill="hold">
+                                          <p:stCondLst>
+                                            <p:cond delay="0"/>
+                                          </p:stCondLst>
+                                        </p:cTn>
+                                        <p:tgtEl>
+                                          <p:spTgt spid="15"/>
+                                        </p:tgtEl>
+                                        <p:attrNameLst>
+                                          <p:attrName>style.visibility</p:attrName>
+                                        </p:attrNameLst>
+                                      </p:cBhvr>
+                                      <p:to>
+                                        <p:strVal val="visible"/>
+                                      </p:to>
+                                    </p:set>
+                                  </p:childTnLst>
+                                </p:cTn>
+                              </p:par>
+                            </p:childTnLst>
+                          </p:cTn>
+                        </p:par>
+                      </p:childTnLst>
+                    </p:cTn>
+                  </p:par>
+                  <p:par>
+                    <p:cTn id="27" fill="hold">
+                      <p:stCondLst>
+                        <p:cond delay="indefinite"/>
+                      </p:stCondLst>
+                      <p:childTnLst>
+                        <p:par>
+                          <p:cTn id="28" fill="hold">
+                            <p:stCondLst>
+                              <p:cond delay="0"/>
+                            </p:stCondLst>
+                            <p:childTnLst>
+                              <p:par>
+                                <p:cTn id="29" presetID="1" presetClass="entr" presetSubtype="0" fill="hold" nodeType="clickEffect">
+                                  <p:stCondLst>
+                                    <p:cond delay="0"/>
+                                  </p:stCondLst>
+                                  <p:childTnLst>
+                                    <p:set>
+                                      <p:cBhvr>
+                                        <p:cTn id="30" dur="1" fill="hold">
                                           <p:stCondLst>
                                             <p:cond delay="0"/>
                                           </p:stCondLst>
@@ -6540,14 +6915,6 @@
                                         <p:strVal val="visible"/>
                                       </p:to>
                                     </p:set>
-                                    <p:animEffect transition="in" filter="fade">
-                                      <p:cBhvr>
-                                        <p:cTn id="37" dur="500"/>
-                                        <p:tgtEl>
-                                          <p:spTgt spid="14"/>
-                                        </p:tgtEl>
-                                      </p:cBhvr>
-                                    </p:animEffect>
                                   </p:childTnLst>
                                 </p:cTn>
                               </p:par>
@@ -6579,11 +6946,11 @@
       </p:par>
     </p:tnLst>
     <p:bldLst>
-      <p:bldP spid="6" grpId="0" build="p"/>
-      <p:bldP spid="6" grpId="1" build="p"/>
-      <p:bldP spid="9" grpId="0"/>
-      <p:bldP spid="9" grpId="1"/>
-      <p:bldP spid="10" grpId="0"/>
+      <p:bldP spid="11" grpId="0"/>
+      <p:bldP spid="11" grpId="1"/>
+      <p:bldP spid="13" grpId="0"/>
+      <p:bldP spid="13" grpId="1"/>
+      <p:bldP spid="15" grpId="0"/>
     </p:bldLst>
   </p:timing>
 </p:sld>

--- a/docs/Analyzing_Jeopardy_Data.pptx
+++ b/docs/Analyzing_Jeopardy_Data.pptx
@@ -373,7 +373,7 @@
           <a:p>
             <a:fld id="{1160EA64-D806-43AC-9DF2-F8C432F32B4C}" type="datetimeFigureOut">
               <a:rPr lang="en-US" smtClean="0"/>
-              <a:t>4/3/21</a:t>
+              <a:t>4/3/2021</a:t>
             </a:fld>
             <a:endParaRPr lang="en-US" dirty="0"/>
           </a:p>
@@ -636,7 +636,7 @@
           <a:p>
             <a:fld id="{E9F9C37B-1D36-470B-8223-D6C91242EC14}" type="datetimeFigureOut">
               <a:rPr lang="en-US" smtClean="0"/>
-              <a:t>4/3/21</a:t>
+              <a:t>4/3/2021</a:t>
             </a:fld>
             <a:endParaRPr lang="en-US" dirty="0"/>
           </a:p>
@@ -871,7 +871,7 @@
           <a:p>
             <a:fld id="{67C6F52A-A82B-47A2-A83A-8C4C91F2D59F}" type="datetimeFigureOut">
               <a:rPr lang="en-US" smtClean="0"/>
-              <a:t>4/3/21</a:t>
+              <a:t>4/3/2021</a:t>
             </a:fld>
             <a:endParaRPr lang="en-US" dirty="0"/>
           </a:p>
@@ -1111,7 +1111,7 @@
           <a:p>
             <a:fld id="{F070A7B3-6521-4DCA-87E5-044747A908C1}" type="datetimeFigureOut">
               <a:rPr lang="en-US" smtClean="0"/>
-              <a:t>4/3/21</a:t>
+              <a:t>4/3/2021</a:t>
             </a:fld>
             <a:endParaRPr lang="en-US" dirty="0"/>
           </a:p>
@@ -1419,7 +1419,7 @@
           <a:p>
             <a:fld id="{1160EA64-D806-43AC-9DF2-F8C432F32B4C}" type="datetimeFigureOut">
               <a:rPr lang="en-US" smtClean="0"/>
-              <a:t>4/3/21</a:t>
+              <a:t>4/3/2021</a:t>
             </a:fld>
             <a:endParaRPr lang="en-US" dirty="0"/>
           </a:p>
@@ -1722,7 +1722,7 @@
           <a:p>
             <a:fld id="{AB134690-1557-4C89-A502-4959FE7FAD70}" type="datetimeFigureOut">
               <a:rPr lang="en-US" smtClean="0"/>
-              <a:t>4/3/21</a:t>
+              <a:t>4/3/2021</a:t>
             </a:fld>
             <a:endParaRPr lang="en-US" dirty="0"/>
           </a:p>
@@ -2144,7 +2144,7 @@
           <a:p>
             <a:fld id="{1160EA64-D806-43AC-9DF2-F8C432F32B4C}" type="datetimeFigureOut">
               <a:rPr lang="en-US" smtClean="0"/>
-              <a:t>4/3/21</a:t>
+              <a:t>4/3/2021</a:t>
             </a:fld>
             <a:endParaRPr lang="en-US" dirty="0"/>
           </a:p>
@@ -2241,7 +2241,7 @@
           <a:p>
             <a:fld id="{E1037C31-9E7A-4F99-8774-A0E530DE1A42}" type="datetimeFigureOut">
               <a:rPr lang="en-US" smtClean="0"/>
-              <a:t>4/3/21</a:t>
+              <a:t>4/3/2021</a:t>
             </a:fld>
             <a:endParaRPr lang="en-US" dirty="0"/>
           </a:p>
@@ -2403,7 +2403,7 @@
           <a:p>
             <a:fld id="{C278504F-A551-4DE0-9316-4DCD1D8CC752}" type="datetimeFigureOut">
               <a:rPr lang="en-US" smtClean="0"/>
-              <a:t>4/3/21</a:t>
+              <a:t>4/3/2021</a:t>
             </a:fld>
             <a:endParaRPr lang="en-US" dirty="0"/>
           </a:p>
@@ -2781,7 +2781,7 @@
           <a:p>
             <a:fld id="{1160EA64-D806-43AC-9DF2-F8C432F32B4C}" type="datetimeFigureOut">
               <a:rPr lang="en-US" smtClean="0"/>
-              <a:t>4/3/21</a:t>
+              <a:t>4/3/2021</a:t>
             </a:fld>
             <a:endParaRPr lang="en-US" dirty="0"/>
           </a:p>
@@ -3072,7 +3072,7 @@
             <a:fld id="{1160EA64-D806-43AC-9DF2-F8C432F32B4C}" type="datetimeFigureOut">
               <a:rPr lang="en-US" smtClean="0"/>
               <a:pPr/>
-              <a:t>4/3/21</a:t>
+              <a:t>4/3/2021</a:t>
             </a:fld>
             <a:endParaRPr lang="en-US" dirty="0"/>
           </a:p>
@@ -3284,7 +3284,7 @@
           <a:p>
             <a:fld id="{1160EA64-D806-43AC-9DF2-F8C432F32B4C}" type="datetimeFigureOut">
               <a:rPr lang="en-US" smtClean="0"/>
-              <a:t>4/3/21</a:t>
+              <a:t>4/3/2021</a:t>
             </a:fld>
             <a:endParaRPr lang="en-US" dirty="0"/>
           </a:p>
@@ -4733,7 +4733,7 @@
           <a:p>
             <a:r>
               <a:rPr lang="en-US" dirty="0"/>
-              <a:t>A significant portion of our data included special characters – as part of someone’s name of a clue</a:t>
+              <a:t>A significant portion of our data included special characters – as part of someone’s name or a clue</a:t>
             </a:r>
           </a:p>
           <a:p>

--- a/docs/Analyzing_Jeopardy_Data.pptx
+++ b/docs/Analyzing_Jeopardy_Data.pptx
@@ -373,7 +373,7 @@
           <a:p>
             <a:fld id="{1160EA64-D806-43AC-9DF2-F8C432F32B4C}" type="datetimeFigureOut">
               <a:rPr lang="en-US" smtClean="0"/>
-              <a:t>4/3/2021</a:t>
+              <a:t>4/4/2021</a:t>
             </a:fld>
             <a:endParaRPr lang="en-US" dirty="0"/>
           </a:p>
@@ -636,7 +636,7 @@
           <a:p>
             <a:fld id="{E9F9C37B-1D36-470B-8223-D6C91242EC14}" type="datetimeFigureOut">
               <a:rPr lang="en-US" smtClean="0"/>
-              <a:t>4/3/2021</a:t>
+              <a:t>4/4/2021</a:t>
             </a:fld>
             <a:endParaRPr lang="en-US" dirty="0"/>
           </a:p>
@@ -871,7 +871,7 @@
           <a:p>
             <a:fld id="{67C6F52A-A82B-47A2-A83A-8C4C91F2D59F}" type="datetimeFigureOut">
               <a:rPr lang="en-US" smtClean="0"/>
-              <a:t>4/3/2021</a:t>
+              <a:t>4/4/2021</a:t>
             </a:fld>
             <a:endParaRPr lang="en-US" dirty="0"/>
           </a:p>
@@ -1111,7 +1111,7 @@
           <a:p>
             <a:fld id="{F070A7B3-6521-4DCA-87E5-044747A908C1}" type="datetimeFigureOut">
               <a:rPr lang="en-US" smtClean="0"/>
-              <a:t>4/3/2021</a:t>
+              <a:t>4/4/2021</a:t>
             </a:fld>
             <a:endParaRPr lang="en-US" dirty="0"/>
           </a:p>
@@ -1419,7 +1419,7 @@
           <a:p>
             <a:fld id="{1160EA64-D806-43AC-9DF2-F8C432F32B4C}" type="datetimeFigureOut">
               <a:rPr lang="en-US" smtClean="0"/>
-              <a:t>4/3/2021</a:t>
+              <a:t>4/4/2021</a:t>
             </a:fld>
             <a:endParaRPr lang="en-US" dirty="0"/>
           </a:p>
@@ -1722,7 +1722,7 @@
           <a:p>
             <a:fld id="{AB134690-1557-4C89-A502-4959FE7FAD70}" type="datetimeFigureOut">
               <a:rPr lang="en-US" smtClean="0"/>
-              <a:t>4/3/2021</a:t>
+              <a:t>4/4/2021</a:t>
             </a:fld>
             <a:endParaRPr lang="en-US" dirty="0"/>
           </a:p>
@@ -2144,7 +2144,7 @@
           <a:p>
             <a:fld id="{1160EA64-D806-43AC-9DF2-F8C432F32B4C}" type="datetimeFigureOut">
               <a:rPr lang="en-US" smtClean="0"/>
-              <a:t>4/3/2021</a:t>
+              <a:t>4/4/2021</a:t>
             </a:fld>
             <a:endParaRPr lang="en-US" dirty="0"/>
           </a:p>
@@ -2241,7 +2241,7 @@
           <a:p>
             <a:fld id="{E1037C31-9E7A-4F99-8774-A0E530DE1A42}" type="datetimeFigureOut">
               <a:rPr lang="en-US" smtClean="0"/>
-              <a:t>4/3/2021</a:t>
+              <a:t>4/4/2021</a:t>
             </a:fld>
             <a:endParaRPr lang="en-US" dirty="0"/>
           </a:p>
@@ -2403,7 +2403,7 @@
           <a:p>
             <a:fld id="{C278504F-A551-4DE0-9316-4DCD1D8CC752}" type="datetimeFigureOut">
               <a:rPr lang="en-US" smtClean="0"/>
-              <a:t>4/3/2021</a:t>
+              <a:t>4/4/2021</a:t>
             </a:fld>
             <a:endParaRPr lang="en-US" dirty="0"/>
           </a:p>
@@ -2781,7 +2781,7 @@
           <a:p>
             <a:fld id="{1160EA64-D806-43AC-9DF2-F8C432F32B4C}" type="datetimeFigureOut">
               <a:rPr lang="en-US" smtClean="0"/>
-              <a:t>4/3/2021</a:t>
+              <a:t>4/4/2021</a:t>
             </a:fld>
             <a:endParaRPr lang="en-US" dirty="0"/>
           </a:p>
@@ -3072,7 +3072,7 @@
             <a:fld id="{1160EA64-D806-43AC-9DF2-F8C432F32B4C}" type="datetimeFigureOut">
               <a:rPr lang="en-US" smtClean="0"/>
               <a:pPr/>
-              <a:t>4/3/2021</a:t>
+              <a:t>4/4/2021</a:t>
             </a:fld>
             <a:endParaRPr lang="en-US" dirty="0"/>
           </a:p>
@@ -3284,7 +3284,7 @@
           <a:p>
             <a:fld id="{1160EA64-D806-43AC-9DF2-F8C432F32B4C}" type="datetimeFigureOut">
               <a:rPr lang="en-US" smtClean="0"/>
-              <a:t>4/3/2021</a:t>
+              <a:t>4/4/2021</a:t>
             </a:fld>
             <a:endParaRPr lang="en-US" dirty="0"/>
           </a:p>
@@ -7120,8 +7120,43 @@
           <a:p>
             <a:r>
               <a:rPr lang="en-US" dirty="0"/>
-              <a:t>Another item to pursue with this data is being able to recreate each game into an interactive app for people to play and to practice for a future appearance on Jeopardy!</a:t>
-            </a:r>
+              <a:t>Although the data base is not all that large, an area for future development could be to host the database on the cloud so that you would not have to store it locally to access the data. This would allow us to then…</a:t>
+            </a:r>
+          </a:p>
+          <a:p>
+            <a:r>
+              <a:rPr lang="en-US" dirty="0"/>
+              <a:t>Recreate each game into an interactive app for people to play and to practice for a future appearance on </a:t>
+            </a:r>
+            <a:r>
+              <a:rPr lang="en-US" dirty="0" err="1"/>
+              <a:t>eopardy</a:t>
+            </a:r>
+            <a:r>
+              <a:rPr lang="en-US" dirty="0"/>
+              <a:t>!</a:t>
+            </a:r>
+          </a:p>
+          <a:p>
+            <a:pPr lvl="1"/>
+            <a:r>
+              <a:rPr lang="en-US" dirty="0"/>
+              <a:t>BUT WAIT! Someone </a:t>
+            </a:r>
+            <a:r>
+              <a:rPr lang="en-US" dirty="0">
+                <a:hlinkClick r:id="rId2"/>
+              </a:rPr>
+              <a:t>DID</a:t>
+            </a:r>
+            <a:r>
+              <a:rPr lang="en-US" dirty="0"/>
+              <a:t> make an app like that… (but not with a database)</a:t>
+            </a:r>
+          </a:p>
+          <a:p>
+            <a:pPr lvl="1"/>
+            <a:endParaRPr lang="en-US" dirty="0"/>
           </a:p>
         </p:txBody>
       </p:sp>
@@ -7135,6 +7170,265 @@
   <p:clrMapOvr>
     <a:masterClrMapping/>
   </p:clrMapOvr>
+  <p:timing>
+    <p:tnLst>
+      <p:par>
+        <p:cTn id="1" dur="indefinite" restart="never" nodeType="tmRoot">
+          <p:childTnLst>
+            <p:seq concurrent="1" nextAc="seek">
+              <p:cTn id="2" dur="indefinite" nodeType="mainSeq">
+                <p:childTnLst>
+                  <p:par>
+                    <p:cTn id="3" fill="hold">
+                      <p:stCondLst>
+                        <p:cond delay="indefinite"/>
+                      </p:stCondLst>
+                      <p:childTnLst>
+                        <p:par>
+                          <p:cTn id="4" fill="hold">
+                            <p:stCondLst>
+                              <p:cond delay="0"/>
+                            </p:stCondLst>
+                            <p:childTnLst>
+                              <p:par>
+                                <p:cTn id="5" presetID="10" presetClass="entr" presetSubtype="0" fill="hold" grpId="0" nodeType="clickEffect">
+                                  <p:stCondLst>
+                                    <p:cond delay="0"/>
+                                  </p:stCondLst>
+                                  <p:childTnLst>
+                                    <p:set>
+                                      <p:cBhvr>
+                                        <p:cTn id="6" dur="1" fill="hold">
+                                          <p:stCondLst>
+                                            <p:cond delay="0"/>
+                                          </p:stCondLst>
+                                        </p:cTn>
+                                        <p:tgtEl>
+                                          <p:spTgt spid="5">
+                                            <p:txEl>
+                                              <p:pRg st="0" end="0"/>
+                                            </p:txEl>
+                                          </p:spTgt>
+                                        </p:tgtEl>
+                                        <p:attrNameLst>
+                                          <p:attrName>style.visibility</p:attrName>
+                                        </p:attrNameLst>
+                                      </p:cBhvr>
+                                      <p:to>
+                                        <p:strVal val="visible"/>
+                                      </p:to>
+                                    </p:set>
+                                    <p:animEffect transition="in" filter="fade">
+                                      <p:cBhvr>
+                                        <p:cTn id="7" dur="500"/>
+                                        <p:tgtEl>
+                                          <p:spTgt spid="5">
+                                            <p:txEl>
+                                              <p:pRg st="0" end="0"/>
+                                            </p:txEl>
+                                          </p:spTgt>
+                                        </p:tgtEl>
+                                      </p:cBhvr>
+                                    </p:animEffect>
+                                  </p:childTnLst>
+                                </p:cTn>
+                              </p:par>
+                            </p:childTnLst>
+                          </p:cTn>
+                        </p:par>
+                      </p:childTnLst>
+                    </p:cTn>
+                  </p:par>
+                  <p:par>
+                    <p:cTn id="8" fill="hold">
+                      <p:stCondLst>
+                        <p:cond delay="indefinite"/>
+                      </p:stCondLst>
+                      <p:childTnLst>
+                        <p:par>
+                          <p:cTn id="9" fill="hold">
+                            <p:stCondLst>
+                              <p:cond delay="0"/>
+                            </p:stCondLst>
+                            <p:childTnLst>
+                              <p:par>
+                                <p:cTn id="10" presetID="10" presetClass="entr" presetSubtype="0" fill="hold" grpId="0" nodeType="clickEffect">
+                                  <p:stCondLst>
+                                    <p:cond delay="0"/>
+                                  </p:stCondLst>
+                                  <p:childTnLst>
+                                    <p:set>
+                                      <p:cBhvr>
+                                        <p:cTn id="11" dur="1" fill="hold">
+                                          <p:stCondLst>
+                                            <p:cond delay="0"/>
+                                          </p:stCondLst>
+                                        </p:cTn>
+                                        <p:tgtEl>
+                                          <p:spTgt spid="5">
+                                            <p:txEl>
+                                              <p:pRg st="1" end="1"/>
+                                            </p:txEl>
+                                          </p:spTgt>
+                                        </p:tgtEl>
+                                        <p:attrNameLst>
+                                          <p:attrName>style.visibility</p:attrName>
+                                        </p:attrNameLst>
+                                      </p:cBhvr>
+                                      <p:to>
+                                        <p:strVal val="visible"/>
+                                      </p:to>
+                                    </p:set>
+                                    <p:animEffect transition="in" filter="fade">
+                                      <p:cBhvr>
+                                        <p:cTn id="12" dur="500"/>
+                                        <p:tgtEl>
+                                          <p:spTgt spid="5">
+                                            <p:txEl>
+                                              <p:pRg st="1" end="1"/>
+                                            </p:txEl>
+                                          </p:spTgt>
+                                        </p:tgtEl>
+                                      </p:cBhvr>
+                                    </p:animEffect>
+                                  </p:childTnLst>
+                                </p:cTn>
+                              </p:par>
+                            </p:childTnLst>
+                          </p:cTn>
+                        </p:par>
+                      </p:childTnLst>
+                    </p:cTn>
+                  </p:par>
+                  <p:par>
+                    <p:cTn id="13" fill="hold">
+                      <p:stCondLst>
+                        <p:cond delay="indefinite"/>
+                      </p:stCondLst>
+                      <p:childTnLst>
+                        <p:par>
+                          <p:cTn id="14" fill="hold">
+                            <p:stCondLst>
+                              <p:cond delay="0"/>
+                            </p:stCondLst>
+                            <p:childTnLst>
+                              <p:par>
+                                <p:cTn id="15" presetID="10" presetClass="entr" presetSubtype="0" fill="hold" grpId="0" nodeType="clickEffect">
+                                  <p:stCondLst>
+                                    <p:cond delay="0"/>
+                                  </p:stCondLst>
+                                  <p:childTnLst>
+                                    <p:set>
+                                      <p:cBhvr>
+                                        <p:cTn id="16" dur="1" fill="hold">
+                                          <p:stCondLst>
+                                            <p:cond delay="0"/>
+                                          </p:stCondLst>
+                                        </p:cTn>
+                                        <p:tgtEl>
+                                          <p:spTgt spid="5">
+                                            <p:txEl>
+                                              <p:pRg st="2" end="2"/>
+                                            </p:txEl>
+                                          </p:spTgt>
+                                        </p:tgtEl>
+                                        <p:attrNameLst>
+                                          <p:attrName>style.visibility</p:attrName>
+                                        </p:attrNameLst>
+                                      </p:cBhvr>
+                                      <p:to>
+                                        <p:strVal val="visible"/>
+                                      </p:to>
+                                    </p:set>
+                                    <p:animEffect transition="in" filter="fade">
+                                      <p:cBhvr>
+                                        <p:cTn id="17" dur="500"/>
+                                        <p:tgtEl>
+                                          <p:spTgt spid="5">
+                                            <p:txEl>
+                                              <p:pRg st="2" end="2"/>
+                                            </p:txEl>
+                                          </p:spTgt>
+                                        </p:tgtEl>
+                                      </p:cBhvr>
+                                    </p:animEffect>
+                                  </p:childTnLst>
+                                </p:cTn>
+                              </p:par>
+                              <p:par>
+                                <p:cTn id="18" presetID="10" presetClass="entr" presetSubtype="0" fill="hold" grpId="0" nodeType="withEffect">
+                                  <p:stCondLst>
+                                    <p:cond delay="0"/>
+                                  </p:stCondLst>
+                                  <p:childTnLst>
+                                    <p:set>
+                                      <p:cBhvr>
+                                        <p:cTn id="19" dur="1" fill="hold">
+                                          <p:stCondLst>
+                                            <p:cond delay="0"/>
+                                          </p:stCondLst>
+                                        </p:cTn>
+                                        <p:tgtEl>
+                                          <p:spTgt spid="5">
+                                            <p:txEl>
+                                              <p:pRg st="3" end="3"/>
+                                            </p:txEl>
+                                          </p:spTgt>
+                                        </p:tgtEl>
+                                        <p:attrNameLst>
+                                          <p:attrName>style.visibility</p:attrName>
+                                        </p:attrNameLst>
+                                      </p:cBhvr>
+                                      <p:to>
+                                        <p:strVal val="visible"/>
+                                      </p:to>
+                                    </p:set>
+                                    <p:animEffect transition="in" filter="fade">
+                                      <p:cBhvr>
+                                        <p:cTn id="20" dur="500"/>
+                                        <p:tgtEl>
+                                          <p:spTgt spid="5">
+                                            <p:txEl>
+                                              <p:pRg st="3" end="3"/>
+                                            </p:txEl>
+                                          </p:spTgt>
+                                        </p:tgtEl>
+                                      </p:cBhvr>
+                                    </p:animEffect>
+                                  </p:childTnLst>
+                                </p:cTn>
+                              </p:par>
+                            </p:childTnLst>
+                          </p:cTn>
+                        </p:par>
+                      </p:childTnLst>
+                    </p:cTn>
+                  </p:par>
+                </p:childTnLst>
+              </p:cTn>
+              <p:prevCondLst>
+                <p:cond evt="onPrev" delay="0">
+                  <p:tgtEl>
+                    <p:sldTgt/>
+                  </p:tgtEl>
+                </p:cond>
+              </p:prevCondLst>
+              <p:nextCondLst>
+                <p:cond evt="onNext" delay="0">
+                  <p:tgtEl>
+                    <p:sldTgt/>
+                  </p:tgtEl>
+                </p:cond>
+              </p:nextCondLst>
+            </p:seq>
+          </p:childTnLst>
+        </p:cTn>
+      </p:par>
+    </p:tnLst>
+    <p:bldLst>
+      <p:bldP spid="5" grpId="0" build="p"/>
+    </p:bldLst>
+  </p:timing>
 </p:sld>
 </file>
 

--- a/docs/Analyzing_Jeopardy_Data.pptx
+++ b/docs/Analyzing_Jeopardy_Data.pptx
@@ -373,7 +373,7 @@
           <a:p>
             <a:fld id="{1160EA64-D806-43AC-9DF2-F8C432F32B4C}" type="datetimeFigureOut">
               <a:rPr lang="en-US" smtClean="0"/>
-              <a:t>4/4/2021</a:t>
+              <a:t>4/5/21</a:t>
             </a:fld>
             <a:endParaRPr lang="en-US" dirty="0"/>
           </a:p>
@@ -636,7 +636,7 @@
           <a:p>
             <a:fld id="{E9F9C37B-1D36-470B-8223-D6C91242EC14}" type="datetimeFigureOut">
               <a:rPr lang="en-US" smtClean="0"/>
-              <a:t>4/4/2021</a:t>
+              <a:t>4/5/21</a:t>
             </a:fld>
             <a:endParaRPr lang="en-US" dirty="0"/>
           </a:p>
@@ -871,7 +871,7 @@
           <a:p>
             <a:fld id="{67C6F52A-A82B-47A2-A83A-8C4C91F2D59F}" type="datetimeFigureOut">
               <a:rPr lang="en-US" smtClean="0"/>
-              <a:t>4/4/2021</a:t>
+              <a:t>4/5/21</a:t>
             </a:fld>
             <a:endParaRPr lang="en-US" dirty="0"/>
           </a:p>
@@ -1111,7 +1111,7 @@
           <a:p>
             <a:fld id="{F070A7B3-6521-4DCA-87E5-044747A908C1}" type="datetimeFigureOut">
               <a:rPr lang="en-US" smtClean="0"/>
-              <a:t>4/4/2021</a:t>
+              <a:t>4/5/21</a:t>
             </a:fld>
             <a:endParaRPr lang="en-US" dirty="0"/>
           </a:p>
@@ -1419,7 +1419,7 @@
           <a:p>
             <a:fld id="{1160EA64-D806-43AC-9DF2-F8C432F32B4C}" type="datetimeFigureOut">
               <a:rPr lang="en-US" smtClean="0"/>
-              <a:t>4/4/2021</a:t>
+              <a:t>4/5/21</a:t>
             </a:fld>
             <a:endParaRPr lang="en-US" dirty="0"/>
           </a:p>
@@ -1722,7 +1722,7 @@
           <a:p>
             <a:fld id="{AB134690-1557-4C89-A502-4959FE7FAD70}" type="datetimeFigureOut">
               <a:rPr lang="en-US" smtClean="0"/>
-              <a:t>4/4/2021</a:t>
+              <a:t>4/5/21</a:t>
             </a:fld>
             <a:endParaRPr lang="en-US" dirty="0"/>
           </a:p>
@@ -2144,7 +2144,7 @@
           <a:p>
             <a:fld id="{1160EA64-D806-43AC-9DF2-F8C432F32B4C}" type="datetimeFigureOut">
               <a:rPr lang="en-US" smtClean="0"/>
-              <a:t>4/4/2021</a:t>
+              <a:t>4/5/21</a:t>
             </a:fld>
             <a:endParaRPr lang="en-US" dirty="0"/>
           </a:p>
@@ -2241,7 +2241,7 @@
           <a:p>
             <a:fld id="{E1037C31-9E7A-4F99-8774-A0E530DE1A42}" type="datetimeFigureOut">
               <a:rPr lang="en-US" smtClean="0"/>
-              <a:t>4/4/2021</a:t>
+              <a:t>4/5/21</a:t>
             </a:fld>
             <a:endParaRPr lang="en-US" dirty="0"/>
           </a:p>
@@ -2403,7 +2403,7 @@
           <a:p>
             <a:fld id="{C278504F-A551-4DE0-9316-4DCD1D8CC752}" type="datetimeFigureOut">
               <a:rPr lang="en-US" smtClean="0"/>
-              <a:t>4/4/2021</a:t>
+              <a:t>4/5/21</a:t>
             </a:fld>
             <a:endParaRPr lang="en-US" dirty="0"/>
           </a:p>
@@ -2781,7 +2781,7 @@
           <a:p>
             <a:fld id="{1160EA64-D806-43AC-9DF2-F8C432F32B4C}" type="datetimeFigureOut">
               <a:rPr lang="en-US" smtClean="0"/>
-              <a:t>4/4/2021</a:t>
+              <a:t>4/5/21</a:t>
             </a:fld>
             <a:endParaRPr lang="en-US" dirty="0"/>
           </a:p>
@@ -3072,7 +3072,7 @@
             <a:fld id="{1160EA64-D806-43AC-9DF2-F8C432F32B4C}" type="datetimeFigureOut">
               <a:rPr lang="en-US" smtClean="0"/>
               <a:pPr/>
-              <a:t>4/4/2021</a:t>
+              <a:t>4/5/21</a:t>
             </a:fld>
             <a:endParaRPr lang="en-US" dirty="0"/>
           </a:p>
@@ -3284,7 +3284,7 @@
           <a:p>
             <a:fld id="{1160EA64-D806-43AC-9DF2-F8C432F32B4C}" type="datetimeFigureOut">
               <a:rPr lang="en-US" smtClean="0"/>
-              <a:t>4/4/2021</a:t>
+              <a:t>4/5/21</a:t>
             </a:fld>
             <a:endParaRPr lang="en-US" dirty="0"/>
           </a:p>
@@ -4193,7 +4193,7 @@
         <p:spPr>
           <a:xfrm>
             <a:off x="8317076" y="668740"/>
-            <a:ext cx="3147043" cy="4926841"/>
+            <a:ext cx="3293733" cy="4926841"/>
           </a:xfrm>
         </p:spPr>
         <p:txBody>
@@ -4203,13 +4203,38 @@
           <a:lstStyle/>
           <a:p>
             <a:r>
-              <a:rPr lang="en-US" sz="4400">
+              <a:rPr lang="en-US" sz="4000" dirty="0">
                 <a:solidFill>
                   <a:srgbClr val="FFFFFF"/>
                 </a:solidFill>
               </a:rPr>
-              <a:t>M. Ball, M. Farrow, J. Harrison</a:t>
-            </a:r>
+              <a:t>M. Ball, </a:t>
+            </a:r>
+          </a:p>
+          <a:p>
+            <a:r>
+              <a:rPr lang="en-US" sz="4000" dirty="0">
+                <a:solidFill>
+                  <a:srgbClr val="FFFFFF"/>
+                </a:solidFill>
+              </a:rPr>
+              <a:t>M. Farrow, </a:t>
+            </a:r>
+          </a:p>
+          <a:p>
+            <a:r>
+              <a:rPr lang="en-US" sz="4000" dirty="0">
+                <a:solidFill>
+                  <a:srgbClr val="FFFFFF"/>
+                </a:solidFill>
+              </a:rPr>
+              <a:t>J. Harrison</a:t>
+            </a:r>
+            <a:endParaRPr lang="en-US" sz="4400" dirty="0">
+              <a:solidFill>
+                <a:srgbClr val="FFFFFF"/>
+              </a:solidFill>
+            </a:endParaRPr>
           </a:p>
         </p:txBody>
       </p:sp>
@@ -7027,9 +7052,10 @@
           <a:lstStyle/>
           <a:p>
             <a:r>
-              <a:rPr lang="en-US" dirty="0"/>
-              <a:t>*add link here</a:t>
-            </a:r>
+              <a:rPr lang="en-US" dirty="0" err="1"/>
+              <a:t>Jeopardy.site</a:t>
+            </a:r>
+            <a:endParaRPr lang="en-US" dirty="0"/>
           </a:p>
         </p:txBody>
       </p:sp>
@@ -7120,21 +7146,13 @@
           <a:p>
             <a:r>
               <a:rPr lang="en-US" dirty="0"/>
-              <a:t>Although the data base is not all that large, an area for future development could be to host the database on the cloud so that you would not have to store it locally to access the data. This would allow us to then…</a:t>
+              <a:t>Although the database is not all that large, an area for future development could be to host the database on the cloud so that you would not have to store it locally to access the data. This would allow us to then…</a:t>
             </a:r>
           </a:p>
           <a:p>
             <a:r>
               <a:rPr lang="en-US" dirty="0"/>
-              <a:t>Recreate each game into an interactive app for people to play and to practice for a future appearance on </a:t>
-            </a:r>
-            <a:r>
-              <a:rPr lang="en-US" dirty="0" err="1"/>
-              <a:t>eopardy</a:t>
-            </a:r>
-            <a:r>
-              <a:rPr lang="en-US" dirty="0"/>
-              <a:t>!</a:t>
+              <a:t>Recreate each game into an interactive app for people to play and to practice for a future appearance on Jeopardy!</a:t>
             </a:r>
           </a:p>
           <a:p>
@@ -7355,15 +7373,33 @@
                                   </p:childTnLst>
                                 </p:cTn>
                               </p:par>
+                            </p:childTnLst>
+                          </p:cTn>
+                        </p:par>
+                      </p:childTnLst>
+                    </p:cTn>
+                  </p:par>
+                  <p:par>
+                    <p:cTn id="18" fill="hold">
+                      <p:stCondLst>
+                        <p:cond delay="indefinite"/>
+                      </p:stCondLst>
+                      <p:childTnLst>
+                        <p:par>
+                          <p:cTn id="19" fill="hold">
+                            <p:stCondLst>
+                              <p:cond delay="0"/>
+                            </p:stCondLst>
+                            <p:childTnLst>
                               <p:par>
-                                <p:cTn id="18" presetID="10" presetClass="entr" presetSubtype="0" fill="hold" grpId="0" nodeType="withEffect">
+                                <p:cTn id="20" presetID="10" presetClass="entr" presetSubtype="0" fill="hold" grpId="0" nodeType="clickEffect">
                                   <p:stCondLst>
                                     <p:cond delay="0"/>
                                   </p:stCondLst>
                                   <p:childTnLst>
                                     <p:set>
                                       <p:cBhvr>
-                                        <p:cTn id="19" dur="1" fill="hold">
+                                        <p:cTn id="21" dur="1" fill="hold">
                                           <p:stCondLst>
                                             <p:cond delay="0"/>
                                           </p:stCondLst>
@@ -7385,7 +7421,7 @@
                                     </p:set>
                                     <p:animEffect transition="in" filter="fade">
                                       <p:cBhvr>
-                                        <p:cTn id="20" dur="500"/>
+                                        <p:cTn id="22" dur="500"/>
                                         <p:tgtEl>
                                           <p:spTgt spid="5">
                                             <p:txEl>
@@ -7426,7 +7462,7 @@
       </p:par>
     </p:tnLst>
     <p:bldLst>
-      <p:bldP spid="5" grpId="0" build="p"/>
+      <p:bldP spid="5" grpId="0" uiExpand="1" build="p"/>
     </p:bldLst>
   </p:timing>
 </p:sld>

--- a/docs/Analyzing_Jeopardy_Data.pptx
+++ b/docs/Analyzing_Jeopardy_Data.pptx
@@ -5,23 +5,24 @@
     <p:sldMasterId id="2147483792" r:id="rId1"/>
   </p:sldMasterIdLst>
   <p:sldIdLst>
-    <p:sldId id="256" r:id="rId2"/>
-    <p:sldId id="263" r:id="rId3"/>
-    <p:sldId id="264" r:id="rId4"/>
-    <p:sldId id="265" r:id="rId5"/>
-    <p:sldId id="266" r:id="rId6"/>
-    <p:sldId id="267" r:id="rId7"/>
-    <p:sldId id="268" r:id="rId8"/>
-    <p:sldId id="269" r:id="rId9"/>
-    <p:sldId id="270" r:id="rId10"/>
-    <p:sldId id="271" r:id="rId11"/>
-    <p:sldId id="257" r:id="rId12"/>
-    <p:sldId id="274" r:id="rId13"/>
-    <p:sldId id="272" r:id="rId14"/>
-    <p:sldId id="261" r:id="rId15"/>
-    <p:sldId id="260" r:id="rId16"/>
-    <p:sldId id="259" r:id="rId17"/>
-    <p:sldId id="273" r:id="rId18"/>
+    <p:sldId id="275" r:id="rId2"/>
+    <p:sldId id="256" r:id="rId3"/>
+    <p:sldId id="263" r:id="rId4"/>
+    <p:sldId id="264" r:id="rId5"/>
+    <p:sldId id="265" r:id="rId6"/>
+    <p:sldId id="266" r:id="rId7"/>
+    <p:sldId id="267" r:id="rId8"/>
+    <p:sldId id="268" r:id="rId9"/>
+    <p:sldId id="269" r:id="rId10"/>
+    <p:sldId id="270" r:id="rId11"/>
+    <p:sldId id="271" r:id="rId12"/>
+    <p:sldId id="257" r:id="rId13"/>
+    <p:sldId id="274" r:id="rId14"/>
+    <p:sldId id="272" r:id="rId15"/>
+    <p:sldId id="261" r:id="rId16"/>
+    <p:sldId id="260" r:id="rId17"/>
+    <p:sldId id="259" r:id="rId18"/>
+    <p:sldId id="273" r:id="rId19"/>
   </p:sldIdLst>
   <p:sldSz cx="12192000" cy="6858000"/>
   <p:notesSz cx="6858000" cy="9144000"/>
@@ -373,7 +374,7 @@
           <a:p>
             <a:fld id="{1160EA64-D806-43AC-9DF2-F8C432F32B4C}" type="datetimeFigureOut">
               <a:rPr lang="en-US" smtClean="0"/>
-              <a:t>4/5/21</a:t>
+              <a:t>4/7/2021</a:t>
             </a:fld>
             <a:endParaRPr lang="en-US" dirty="0"/>
           </a:p>
@@ -636,7 +637,7 @@
           <a:p>
             <a:fld id="{E9F9C37B-1D36-470B-8223-D6C91242EC14}" type="datetimeFigureOut">
               <a:rPr lang="en-US" smtClean="0"/>
-              <a:t>4/5/21</a:t>
+              <a:t>4/7/2021</a:t>
             </a:fld>
             <a:endParaRPr lang="en-US" dirty="0"/>
           </a:p>
@@ -871,7 +872,7 @@
           <a:p>
             <a:fld id="{67C6F52A-A82B-47A2-A83A-8C4C91F2D59F}" type="datetimeFigureOut">
               <a:rPr lang="en-US" smtClean="0"/>
-              <a:t>4/5/21</a:t>
+              <a:t>4/7/2021</a:t>
             </a:fld>
             <a:endParaRPr lang="en-US" dirty="0"/>
           </a:p>
@@ -1111,7 +1112,7 @@
           <a:p>
             <a:fld id="{F070A7B3-6521-4DCA-87E5-044747A908C1}" type="datetimeFigureOut">
               <a:rPr lang="en-US" smtClean="0"/>
-              <a:t>4/5/21</a:t>
+              <a:t>4/7/2021</a:t>
             </a:fld>
             <a:endParaRPr lang="en-US" dirty="0"/>
           </a:p>
@@ -1419,7 +1420,7 @@
           <a:p>
             <a:fld id="{1160EA64-D806-43AC-9DF2-F8C432F32B4C}" type="datetimeFigureOut">
               <a:rPr lang="en-US" smtClean="0"/>
-              <a:t>4/5/21</a:t>
+              <a:t>4/7/2021</a:t>
             </a:fld>
             <a:endParaRPr lang="en-US" dirty="0"/>
           </a:p>
@@ -1722,7 +1723,7 @@
           <a:p>
             <a:fld id="{AB134690-1557-4C89-A502-4959FE7FAD70}" type="datetimeFigureOut">
               <a:rPr lang="en-US" smtClean="0"/>
-              <a:t>4/5/21</a:t>
+              <a:t>4/7/2021</a:t>
             </a:fld>
             <a:endParaRPr lang="en-US" dirty="0"/>
           </a:p>
@@ -2144,7 +2145,7 @@
           <a:p>
             <a:fld id="{1160EA64-D806-43AC-9DF2-F8C432F32B4C}" type="datetimeFigureOut">
               <a:rPr lang="en-US" smtClean="0"/>
-              <a:t>4/5/21</a:t>
+              <a:t>4/7/2021</a:t>
             </a:fld>
             <a:endParaRPr lang="en-US" dirty="0"/>
           </a:p>
@@ -2241,7 +2242,7 @@
           <a:p>
             <a:fld id="{E1037C31-9E7A-4F99-8774-A0E530DE1A42}" type="datetimeFigureOut">
               <a:rPr lang="en-US" smtClean="0"/>
-              <a:t>4/5/21</a:t>
+              <a:t>4/7/2021</a:t>
             </a:fld>
             <a:endParaRPr lang="en-US" dirty="0"/>
           </a:p>
@@ -2403,7 +2404,7 @@
           <a:p>
             <a:fld id="{C278504F-A551-4DE0-9316-4DCD1D8CC752}" type="datetimeFigureOut">
               <a:rPr lang="en-US" smtClean="0"/>
-              <a:t>4/5/21</a:t>
+              <a:t>4/7/2021</a:t>
             </a:fld>
             <a:endParaRPr lang="en-US" dirty="0"/>
           </a:p>
@@ -2781,7 +2782,7 @@
           <a:p>
             <a:fld id="{1160EA64-D806-43AC-9DF2-F8C432F32B4C}" type="datetimeFigureOut">
               <a:rPr lang="en-US" smtClean="0"/>
-              <a:t>4/5/21</a:t>
+              <a:t>4/7/2021</a:t>
             </a:fld>
             <a:endParaRPr lang="en-US" dirty="0"/>
           </a:p>
@@ -3072,7 +3073,7 @@
             <a:fld id="{1160EA64-D806-43AC-9DF2-F8C432F32B4C}" type="datetimeFigureOut">
               <a:rPr lang="en-US" smtClean="0"/>
               <a:pPr/>
-              <a:t>4/5/21</a:t>
+              <a:t>4/7/2021</a:t>
             </a:fld>
             <a:endParaRPr lang="en-US" dirty="0"/>
           </a:p>
@@ -3284,7 +3285,7 @@
           <a:p>
             <a:fld id="{1160EA64-D806-43AC-9DF2-F8C432F32B4C}" type="datetimeFigureOut">
               <a:rPr lang="en-US" smtClean="0"/>
-              <a:t>4/5/21</a:t>
+              <a:t>4/7/2021</a:t>
             </a:fld>
             <a:endParaRPr lang="en-US" dirty="0"/>
           </a:p>
@@ -3876,7 +3877,7 @@
     <p:bg>
       <p:bgPr>
         <a:solidFill>
-          <a:schemeClr val="bg1"/>
+          <a:srgbClr val="0000FF"/>
         </a:solidFill>
         <a:effectLst/>
       </p:bgPr>
@@ -3895,37 +3896,82 @@
           <a:chExt cx="0" cy="0"/>
         </a:xfrm>
       </p:grpSpPr>
-      <p:sp useBgFill="1">
-        <p:nvSpPr>
-          <p:cNvPr id="8" name="Rectangle 7">
+      <p:sp>
+        <p:nvSpPr>
+          <p:cNvPr id="4" name="TextBox 3">
             <a:extLst>
               <a:ext uri="{FF2B5EF4-FFF2-40B4-BE49-F238E27FC236}">
-                <a16:creationId xmlns:a16="http://schemas.microsoft.com/office/drawing/2014/main" id="{34BFB7C5-23B6-4047-BF5E-F9EEBB437CD0}"/>
-              </a:ext>
-              <a:ext uri="{C183D7F6-B498-43B3-948B-1728B52AA6E4}">
-                <adec:decorative xmlns:adec="http://schemas.microsoft.com/office/drawing/2017/decorative" val="1"/>
+                <a16:creationId xmlns:a16="http://schemas.microsoft.com/office/drawing/2014/main" id="{4F060BC2-DFCB-4882-9B9D-532C680F8A06}"/>
               </a:ext>
             </a:extLst>
           </p:cNvPr>
-          <p:cNvSpPr>
-            <a:spLocks noGrp="1" noRot="1" noChangeAspect="1" noMove="1" noResize="1" noEditPoints="1" noAdjustHandles="1" noChangeArrowheads="1" noChangeShapeType="1" noTextEdit="1"/>
-          </p:cNvSpPr>
-          <p:nvPr>
-            <p:extLst>
-              <p:ext uri="{386F3935-93C4-4BCD-93E2-E3B085C9AB24}">
-                <p16:designElem xmlns:p16="http://schemas.microsoft.com/office/powerpoint/2015/main" val="1"/>
-              </p:ext>
-            </p:extLst>
-          </p:nvPr>
+          <p:cNvSpPr txBox="1"/>
+          <p:nvPr/>
         </p:nvSpPr>
         <p:spPr>
           <a:xfrm>
-            <a:off x="0" y="0"/>
-            <a:ext cx="12192000" cy="6858000"/>
+            <a:off x="993058" y="1061884"/>
+            <a:ext cx="10205884" cy="4609275"/>
           </a:xfrm>
           <a:prstGeom prst="rect">
             <a:avLst/>
           </a:prstGeom>
+          <a:noFill/>
+        </p:spPr>
+        <p:txBody>
+          <a:bodyPr wrap="square" rtlCol="0">
+            <a:spAutoFit/>
+          </a:bodyPr>
+          <a:lstStyle/>
+          <a:p>
+            <a:pPr algn="ctr">
+              <a:lnSpc>
+                <a:spcPct val="150000"/>
+              </a:lnSpc>
+            </a:pPr>
+            <a:r>
+              <a:rPr lang="en-US" sz="4000" b="1" cap="all" dirty="0">
+                <a:solidFill>
+                  <a:schemeClr val="bg1"/>
+                </a:solidFill>
+                <a:effectLst>
+                  <a:outerShdw blurRad="38100" dist="38100" dir="2700000" algn="tl">
+                    <a:srgbClr val="000000">
+                      <a:alpha val="43137"/>
+                    </a:srgbClr>
+                  </a:outerShdw>
+                </a:effectLst>
+                <a:latin typeface="HeiT" panose="020B0502000000000001" pitchFamily="34" charset="-120"/>
+                <a:ea typeface="HeiT" panose="020B0502000000000001" pitchFamily="34" charset="-120"/>
+              </a:rPr>
+              <a:t>This game show that has been on the air for more than 37 years and is known for its late, beloved host and having players answer clues in the form of a question?</a:t>
+            </a:r>
+          </a:p>
+        </p:txBody>
+      </p:sp>
+      <p:sp>
+        <p:nvSpPr>
+          <p:cNvPr id="5" name="Rectangle 4">
+            <a:extLst>
+              <a:ext uri="{FF2B5EF4-FFF2-40B4-BE49-F238E27FC236}">
+                <a16:creationId xmlns:a16="http://schemas.microsoft.com/office/drawing/2014/main" id="{4725CF1C-C5FA-4B6C-8BC1-45B7DA82DB68}"/>
+              </a:ext>
+            </a:extLst>
+          </p:cNvPr>
+          <p:cNvSpPr/>
+          <p:nvPr/>
+        </p:nvSpPr>
+        <p:spPr>
+          <a:xfrm>
+            <a:off x="294968" y="304800"/>
+            <a:ext cx="11621729" cy="481781"/>
+          </a:xfrm>
+          <a:prstGeom prst="rect">
+            <a:avLst/>
+          </a:prstGeom>
+          <a:solidFill>
+            <a:srgbClr val="0000FF"/>
+          </a:solidFill>
           <a:ln>
             <a:noFill/>
           </a:ln>
@@ -3955,120 +4001,433 @@
           </a:p>
         </p:txBody>
       </p:sp>
-      <p:sp>
-        <p:nvSpPr>
-          <p:cNvPr id="10" name="Rectangle 9">
+      <p:pic>
+        <p:nvPicPr>
+          <p:cNvPr id="6" name="Picture 5">
             <a:extLst>
               <a:ext uri="{FF2B5EF4-FFF2-40B4-BE49-F238E27FC236}">
-                <a16:creationId xmlns:a16="http://schemas.microsoft.com/office/drawing/2014/main" id="{FBC3CD9F-A361-4496-A6E0-24338B2A6901}"/>
-              </a:ext>
-              <a:ext uri="{C183D7F6-B498-43B3-948B-1728B52AA6E4}">
-                <adec:decorative xmlns:adec="http://schemas.microsoft.com/office/drawing/2017/decorative" val="1"/>
+                <a16:creationId xmlns:a16="http://schemas.microsoft.com/office/drawing/2014/main" id="{FF192BFB-67E5-46D6-A2B8-C8C36BCE7625}"/>
               </a:ext>
             </a:extLst>
           </p:cNvPr>
-          <p:cNvSpPr>
-            <a:spLocks noGrp="1" noRot="1" noChangeAspect="1" noMove="1" noResize="1" noEditPoints="1" noAdjustHandles="1" noChangeArrowheads="1" noChangeShapeType="1" noTextEdit="1"/>
-          </p:cNvSpPr>
-          <p:nvPr>
-            <p:extLst>
-              <p:ext uri="{386F3935-93C4-4BCD-93E2-E3B085C9AB24}">
-                <p16:designElem xmlns:p16="http://schemas.microsoft.com/office/powerpoint/2015/main" val="1"/>
-              </p:ext>
-            </p:extLst>
-          </p:nvPr>
-        </p:nvSpPr>
+          <p:cNvPicPr>
+            <a:picLocks noChangeAspect="1"/>
+          </p:cNvPicPr>
+          <p:nvPr/>
+        </p:nvPicPr>
+        <p:blipFill>
+          <a:blip r:embed="rId2"/>
+          <a:stretch>
+            <a:fillRect/>
+          </a:stretch>
+        </p:blipFill>
         <p:spPr>
           <a:xfrm>
-            <a:off x="581191" y="457201"/>
-            <a:ext cx="1106164" cy="5859735"/>
+            <a:off x="2854632" y="2278474"/>
+            <a:ext cx="6502400" cy="1841500"/>
           </a:xfrm>
           <a:prstGeom prst="rect">
             <a:avLst/>
           </a:prstGeom>
-          <a:solidFill>
-            <a:schemeClr val="accent2"/>
-          </a:solidFill>
-          <a:ln>
-            <a:noFill/>
-          </a:ln>
-          <a:effectLst/>
         </p:spPr>
-        <p:style>
-          <a:lnRef idx="1">
-            <a:schemeClr val="accent1"/>
-          </a:lnRef>
-          <a:fillRef idx="3">
-            <a:schemeClr val="accent1"/>
-          </a:fillRef>
-          <a:effectRef idx="2">
-            <a:schemeClr val="accent1"/>
-          </a:effectRef>
-          <a:fontRef idx="minor">
-            <a:schemeClr val="lt1"/>
-          </a:fontRef>
-        </p:style>
-      </p:sp>
-      <p:sp>
-        <p:nvSpPr>
-          <p:cNvPr id="12" name="Rectangle 11">
+      </p:pic>
+      <p:sp>
+        <p:nvSpPr>
+          <p:cNvPr id="7" name="TextBox 6">
             <a:extLst>
               <a:ext uri="{FF2B5EF4-FFF2-40B4-BE49-F238E27FC236}">
-                <a16:creationId xmlns:a16="http://schemas.microsoft.com/office/drawing/2014/main" id="{D37DA931-62D6-4B32-9103-84C0960AEA6D}"/>
-              </a:ext>
-              <a:ext uri="{C183D7F6-B498-43B3-948B-1728B52AA6E4}">
-                <adec:decorative xmlns:adec="http://schemas.microsoft.com/office/drawing/2017/decorative" val="1"/>
+                <a16:creationId xmlns:a16="http://schemas.microsoft.com/office/drawing/2014/main" id="{98B32FE1-5D2C-4293-90C3-483E2F529381}"/>
               </a:ext>
             </a:extLst>
           </p:cNvPr>
-          <p:cNvSpPr>
-            <a:spLocks noGrp="1" noRot="1" noChangeAspect="1" noMove="1" noResize="1" noEditPoints="1" noAdjustHandles="1" noChangeArrowheads="1" noChangeShapeType="1" noTextEdit="1"/>
-          </p:cNvSpPr>
-          <p:nvPr>
-            <p:extLst>
-              <p:ext uri="{386F3935-93C4-4BCD-93E2-E3B085C9AB24}">
-                <p16:designElem xmlns:p16="http://schemas.microsoft.com/office/powerpoint/2015/main" val="1"/>
-              </p:ext>
-            </p:extLst>
-          </p:nvPr>
+          <p:cNvSpPr txBox="1"/>
+          <p:nvPr/>
         </p:nvSpPr>
         <p:spPr>
           <a:xfrm>
-            <a:off x="1784420" y="457200"/>
-            <a:ext cx="6248454" cy="5859736"/>
+            <a:off x="4987245" y="1432937"/>
+            <a:ext cx="2237173" cy="707886"/>
           </a:xfrm>
           <a:prstGeom prst="rect">
             <a:avLst/>
           </a:prstGeom>
-          <a:solidFill>
-            <a:schemeClr val="accent1"/>
-          </a:solidFill>
-          <a:ln>
-            <a:noFill/>
-          </a:ln>
-          <a:effectLst/>
+          <a:noFill/>
         </p:spPr>
-        <p:style>
-          <a:lnRef idx="1">
-            <a:schemeClr val="accent1"/>
-          </a:lnRef>
-          <a:fillRef idx="3">
-            <a:schemeClr val="accent1"/>
-          </a:fillRef>
-          <a:effectRef idx="2">
-            <a:schemeClr val="accent1"/>
-          </a:effectRef>
-          <a:fontRef idx="minor">
-            <a:schemeClr val="lt1"/>
-          </a:fontRef>
-        </p:style>
-      </p:sp>
-      <p:sp>
-        <p:nvSpPr>
-          <p:cNvPr id="2" name="Title 1">
+        <p:txBody>
+          <a:bodyPr wrap="square" rtlCol="0">
+            <a:spAutoFit/>
+          </a:bodyPr>
+          <a:lstStyle/>
+          <a:p>
+            <a:r>
+              <a:rPr lang="en-US" sz="4000" dirty="0">
+                <a:solidFill>
+                  <a:schemeClr val="bg1"/>
+                </a:solidFill>
+                <a:effectLst>
+                  <a:outerShdw blurRad="38100" dist="38100" dir="2700000" algn="tl">
+                    <a:srgbClr val="000000">
+                      <a:alpha val="43137"/>
+                    </a:srgbClr>
+                  </a:outerShdw>
+                </a:effectLst>
+                <a:latin typeface="HeiT" panose="020B0502000000000001" pitchFamily="34" charset="-120"/>
+                <a:ea typeface="HeiT" panose="020B0502000000000001" pitchFamily="34" charset="-120"/>
+              </a:rPr>
+              <a:t>WHAT IS</a:t>
+            </a:r>
+          </a:p>
+        </p:txBody>
+      </p:sp>
+    </p:spTree>
+    <p:extLst>
+      <p:ext uri="{BB962C8B-B14F-4D97-AF65-F5344CB8AC3E}">
+        <p14:creationId xmlns:p14="http://schemas.microsoft.com/office/powerpoint/2010/main" val="2067894733"/>
+      </p:ext>
+    </p:extLst>
+  </p:cSld>
+  <p:clrMapOvr>
+    <a:masterClrMapping/>
+  </p:clrMapOvr>
+  <p:timing>
+    <p:tnLst>
+      <p:par>
+        <p:cTn id="1" dur="indefinite" restart="never" nodeType="tmRoot">
+          <p:childTnLst>
+            <p:seq concurrent="1" nextAc="seek">
+              <p:cTn id="2" dur="indefinite" nodeType="mainSeq">
+                <p:childTnLst>
+                  <p:par>
+                    <p:cTn id="3" fill="hold">
+                      <p:stCondLst>
+                        <p:cond delay="indefinite"/>
+                      </p:stCondLst>
+                      <p:childTnLst>
+                        <p:par>
+                          <p:cTn id="4" fill="hold">
+                            <p:stCondLst>
+                              <p:cond delay="0"/>
+                            </p:stCondLst>
+                            <p:childTnLst>
+                              <p:par>
+                                <p:cTn id="5" presetID="10" presetClass="exit" presetSubtype="0" fill="hold" grpId="0" nodeType="clickEffect">
+                                  <p:stCondLst>
+                                    <p:cond delay="0"/>
+                                  </p:stCondLst>
+                                  <p:childTnLst>
+                                    <p:animEffect transition="out" filter="fade">
+                                      <p:cBhvr>
+                                        <p:cTn id="6" dur="500"/>
+                                        <p:tgtEl>
+                                          <p:spTgt spid="4"/>
+                                        </p:tgtEl>
+                                      </p:cBhvr>
+                                    </p:animEffect>
+                                    <p:set>
+                                      <p:cBhvr>
+                                        <p:cTn id="7" dur="1" fill="hold">
+                                          <p:stCondLst>
+                                            <p:cond delay="499"/>
+                                          </p:stCondLst>
+                                        </p:cTn>
+                                        <p:tgtEl>
+                                          <p:spTgt spid="4"/>
+                                        </p:tgtEl>
+                                        <p:attrNameLst>
+                                          <p:attrName>style.visibility</p:attrName>
+                                        </p:attrNameLst>
+                                      </p:cBhvr>
+                                      <p:to>
+                                        <p:strVal val="hidden"/>
+                                      </p:to>
+                                    </p:set>
+                                  </p:childTnLst>
+                                </p:cTn>
+                              </p:par>
+                            </p:childTnLst>
+                          </p:cTn>
+                        </p:par>
+                      </p:childTnLst>
+                    </p:cTn>
+                  </p:par>
+                  <p:par>
+                    <p:cTn id="8" fill="hold">
+                      <p:stCondLst>
+                        <p:cond delay="indefinite"/>
+                      </p:stCondLst>
+                      <p:childTnLst>
+                        <p:par>
+                          <p:cTn id="9" fill="hold">
+                            <p:stCondLst>
+                              <p:cond delay="0"/>
+                            </p:stCondLst>
+                            <p:childTnLst>
+                              <p:par>
+                                <p:cTn id="10" presetID="31" presetClass="entr" presetSubtype="0" fill="hold" grpId="0" nodeType="clickEffect">
+                                  <p:stCondLst>
+                                    <p:cond delay="0"/>
+                                  </p:stCondLst>
+                                  <p:childTnLst>
+                                    <p:set>
+                                      <p:cBhvr>
+                                        <p:cTn id="11" dur="1" fill="hold">
+                                          <p:stCondLst>
+                                            <p:cond delay="0"/>
+                                          </p:stCondLst>
+                                        </p:cTn>
+                                        <p:tgtEl>
+                                          <p:spTgt spid="7"/>
+                                        </p:tgtEl>
+                                        <p:attrNameLst>
+                                          <p:attrName>style.visibility</p:attrName>
+                                        </p:attrNameLst>
+                                      </p:cBhvr>
+                                      <p:to>
+                                        <p:strVal val="visible"/>
+                                      </p:to>
+                                    </p:set>
+                                    <p:anim calcmode="lin" valueType="num">
+                                      <p:cBhvr>
+                                        <p:cTn id="12" dur="1000" fill="hold"/>
+                                        <p:tgtEl>
+                                          <p:spTgt spid="7"/>
+                                        </p:tgtEl>
+                                        <p:attrNameLst>
+                                          <p:attrName>ppt_w</p:attrName>
+                                        </p:attrNameLst>
+                                      </p:cBhvr>
+                                      <p:tavLst>
+                                        <p:tav tm="0">
+                                          <p:val>
+                                            <p:fltVal val="0"/>
+                                          </p:val>
+                                        </p:tav>
+                                        <p:tav tm="100000">
+                                          <p:val>
+                                            <p:strVal val="#ppt_w"/>
+                                          </p:val>
+                                        </p:tav>
+                                      </p:tavLst>
+                                    </p:anim>
+                                    <p:anim calcmode="lin" valueType="num">
+                                      <p:cBhvr>
+                                        <p:cTn id="13" dur="1000" fill="hold"/>
+                                        <p:tgtEl>
+                                          <p:spTgt spid="7"/>
+                                        </p:tgtEl>
+                                        <p:attrNameLst>
+                                          <p:attrName>ppt_h</p:attrName>
+                                        </p:attrNameLst>
+                                      </p:cBhvr>
+                                      <p:tavLst>
+                                        <p:tav tm="0">
+                                          <p:val>
+                                            <p:fltVal val="0"/>
+                                          </p:val>
+                                        </p:tav>
+                                        <p:tav tm="100000">
+                                          <p:val>
+                                            <p:strVal val="#ppt_h"/>
+                                          </p:val>
+                                        </p:tav>
+                                      </p:tavLst>
+                                    </p:anim>
+                                    <p:anim calcmode="lin" valueType="num">
+                                      <p:cBhvr>
+                                        <p:cTn id="14" dur="1000" fill="hold"/>
+                                        <p:tgtEl>
+                                          <p:spTgt spid="7"/>
+                                        </p:tgtEl>
+                                        <p:attrNameLst>
+                                          <p:attrName>style.rotation</p:attrName>
+                                        </p:attrNameLst>
+                                      </p:cBhvr>
+                                      <p:tavLst>
+                                        <p:tav tm="0">
+                                          <p:val>
+                                            <p:fltVal val="90"/>
+                                          </p:val>
+                                        </p:tav>
+                                        <p:tav tm="100000">
+                                          <p:val>
+                                            <p:fltVal val="0"/>
+                                          </p:val>
+                                        </p:tav>
+                                      </p:tavLst>
+                                    </p:anim>
+                                    <p:animEffect transition="in" filter="fade">
+                                      <p:cBhvr>
+                                        <p:cTn id="15" dur="1000"/>
+                                        <p:tgtEl>
+                                          <p:spTgt spid="7"/>
+                                        </p:tgtEl>
+                                      </p:cBhvr>
+                                    </p:animEffect>
+                                  </p:childTnLst>
+                                </p:cTn>
+                              </p:par>
+                              <p:par>
+                                <p:cTn id="16" presetID="31" presetClass="entr" presetSubtype="0" fill="hold" nodeType="withEffect">
+                                  <p:stCondLst>
+                                    <p:cond delay="0"/>
+                                  </p:stCondLst>
+                                  <p:childTnLst>
+                                    <p:set>
+                                      <p:cBhvr>
+                                        <p:cTn id="17" dur="1" fill="hold">
+                                          <p:stCondLst>
+                                            <p:cond delay="0"/>
+                                          </p:stCondLst>
+                                        </p:cTn>
+                                        <p:tgtEl>
+                                          <p:spTgt spid="6"/>
+                                        </p:tgtEl>
+                                        <p:attrNameLst>
+                                          <p:attrName>style.visibility</p:attrName>
+                                        </p:attrNameLst>
+                                      </p:cBhvr>
+                                      <p:to>
+                                        <p:strVal val="visible"/>
+                                      </p:to>
+                                    </p:set>
+                                    <p:anim calcmode="lin" valueType="num">
+                                      <p:cBhvr>
+                                        <p:cTn id="18" dur="1000" fill="hold"/>
+                                        <p:tgtEl>
+                                          <p:spTgt spid="6"/>
+                                        </p:tgtEl>
+                                        <p:attrNameLst>
+                                          <p:attrName>ppt_w</p:attrName>
+                                        </p:attrNameLst>
+                                      </p:cBhvr>
+                                      <p:tavLst>
+                                        <p:tav tm="0">
+                                          <p:val>
+                                            <p:fltVal val="0"/>
+                                          </p:val>
+                                        </p:tav>
+                                        <p:tav tm="100000">
+                                          <p:val>
+                                            <p:strVal val="#ppt_w"/>
+                                          </p:val>
+                                        </p:tav>
+                                      </p:tavLst>
+                                    </p:anim>
+                                    <p:anim calcmode="lin" valueType="num">
+                                      <p:cBhvr>
+                                        <p:cTn id="19" dur="1000" fill="hold"/>
+                                        <p:tgtEl>
+                                          <p:spTgt spid="6"/>
+                                        </p:tgtEl>
+                                        <p:attrNameLst>
+                                          <p:attrName>ppt_h</p:attrName>
+                                        </p:attrNameLst>
+                                      </p:cBhvr>
+                                      <p:tavLst>
+                                        <p:tav tm="0">
+                                          <p:val>
+                                            <p:fltVal val="0"/>
+                                          </p:val>
+                                        </p:tav>
+                                        <p:tav tm="100000">
+                                          <p:val>
+                                            <p:strVal val="#ppt_h"/>
+                                          </p:val>
+                                        </p:tav>
+                                      </p:tavLst>
+                                    </p:anim>
+                                    <p:anim calcmode="lin" valueType="num">
+                                      <p:cBhvr>
+                                        <p:cTn id="20" dur="1000" fill="hold"/>
+                                        <p:tgtEl>
+                                          <p:spTgt spid="6"/>
+                                        </p:tgtEl>
+                                        <p:attrNameLst>
+                                          <p:attrName>style.rotation</p:attrName>
+                                        </p:attrNameLst>
+                                      </p:cBhvr>
+                                      <p:tavLst>
+                                        <p:tav tm="0">
+                                          <p:val>
+                                            <p:fltVal val="90"/>
+                                          </p:val>
+                                        </p:tav>
+                                        <p:tav tm="100000">
+                                          <p:val>
+                                            <p:fltVal val="0"/>
+                                          </p:val>
+                                        </p:tav>
+                                      </p:tavLst>
+                                    </p:anim>
+                                    <p:animEffect transition="in" filter="fade">
+                                      <p:cBhvr>
+                                        <p:cTn id="21" dur="1000"/>
+                                        <p:tgtEl>
+                                          <p:spTgt spid="6"/>
+                                        </p:tgtEl>
+                                      </p:cBhvr>
+                                    </p:animEffect>
+                                  </p:childTnLst>
+                                </p:cTn>
+                              </p:par>
+                            </p:childTnLst>
+                          </p:cTn>
+                        </p:par>
+                      </p:childTnLst>
+                    </p:cTn>
+                  </p:par>
+                </p:childTnLst>
+              </p:cTn>
+              <p:prevCondLst>
+                <p:cond evt="onPrev" delay="0">
+                  <p:tgtEl>
+                    <p:sldTgt/>
+                  </p:tgtEl>
+                </p:cond>
+              </p:prevCondLst>
+              <p:nextCondLst>
+                <p:cond evt="onNext" delay="0">
+                  <p:tgtEl>
+                    <p:sldTgt/>
+                  </p:tgtEl>
+                </p:cond>
+              </p:nextCondLst>
+            </p:seq>
+          </p:childTnLst>
+        </p:cTn>
+      </p:par>
+    </p:tnLst>
+    <p:bldLst>
+      <p:bldP spid="4" grpId="0"/>
+      <p:bldP spid="7" grpId="0"/>
+    </p:bldLst>
+  </p:timing>
+</p:sld>
+</file>
+
+<file path=ppt/slides/slide10.xml><?xml version="1.0" encoding="utf-8"?>
+<p:sld xmlns:a="http://schemas.openxmlformats.org/drawingml/2006/main" xmlns:r="http://schemas.openxmlformats.org/officeDocument/2006/relationships" xmlns:p="http://schemas.openxmlformats.org/presentationml/2006/main">
+  <p:cSld>
+    <p:spTree>
+      <p:nvGrpSpPr>
+        <p:cNvPr id="1" name=""/>
+        <p:cNvGrpSpPr/>
+        <p:nvPr/>
+      </p:nvGrpSpPr>
+      <p:grpSpPr>
+        <a:xfrm>
+          <a:off x="0" y="0"/>
+          <a:ext cx="0" cy="0"/>
+          <a:chOff x="0" y="0"/>
+          <a:chExt cx="0" cy="0"/>
+        </a:xfrm>
+      </p:grpSpPr>
+      <p:sp>
+        <p:nvSpPr>
+          <p:cNvPr id="5" name="Title 4">
             <a:extLst>
               <a:ext uri="{FF2B5EF4-FFF2-40B4-BE49-F238E27FC236}">
-                <a16:creationId xmlns:a16="http://schemas.microsoft.com/office/drawing/2014/main" id="{D6E653B7-75FA-4DF7-9771-DB81E176D40D}"/>
+                <a16:creationId xmlns:a16="http://schemas.microsoft.com/office/drawing/2014/main" id="{287C3BCD-F1AA-EA49-B6F1-3C29251CC21F}"/>
               </a:ext>
             </a:extLst>
           </p:cNvPr>
@@ -4076,172 +4435,50 @@
             <a:spLocks noGrp="1"/>
           </p:cNvSpPr>
           <p:nvPr>
-            <p:ph type="ctrTitle"/>
-          </p:nvPr>
-        </p:nvSpPr>
-        <p:spPr>
-          <a:xfrm>
-            <a:off x="2156346" y="849745"/>
-            <a:ext cx="5526993" cy="4745836"/>
-          </a:xfrm>
-        </p:spPr>
-        <p:txBody>
-          <a:bodyPr anchor="ctr">
-            <a:normAutofit/>
-          </a:bodyPr>
+            <p:ph type="title"/>
+          </p:nvPr>
+        </p:nvSpPr>
+        <p:spPr/>
+        <p:txBody>
+          <a:bodyPr/>
           <a:lstStyle/>
           <a:p>
             <a:r>
-              <a:rPr lang="en-US" sz="6000">
-                <a:solidFill>
-                  <a:srgbClr val="FFFFFF"/>
-                </a:solidFill>
-              </a:rPr>
-              <a:t>Analyzing </a:t>
-            </a:r>
-            <a:r>
-              <a:rPr lang="en-US" sz="6000" i="1">
-                <a:solidFill>
-                  <a:srgbClr val="FFFFFF"/>
-                </a:solidFill>
-              </a:rPr>
-              <a:t>Jeopardy! </a:t>
-            </a:r>
-            <a:r>
-              <a:rPr lang="en-US" sz="6000">
-                <a:solidFill>
-                  <a:srgbClr val="FFFFFF"/>
-                </a:solidFill>
-              </a:rPr>
-              <a:t>Data</a:t>
-            </a:r>
-          </a:p>
-        </p:txBody>
-      </p:sp>
-      <p:sp>
-        <p:nvSpPr>
-          <p:cNvPr id="14" name="Rectangle 13">
+              <a:rPr lang="en-US" dirty="0"/>
+              <a:t>MySQL Workbench</a:t>
+            </a:r>
+          </a:p>
+        </p:txBody>
+      </p:sp>
+      <p:sp>
+        <p:nvSpPr>
+          <p:cNvPr id="6" name="Text Placeholder 5">
             <a:extLst>
               <a:ext uri="{FF2B5EF4-FFF2-40B4-BE49-F238E27FC236}">
-                <a16:creationId xmlns:a16="http://schemas.microsoft.com/office/drawing/2014/main" id="{4695E140-9B6E-43E9-B17E-CDFE3FCA8AFB}"/>
-              </a:ext>
-              <a:ext uri="{C183D7F6-B498-43B3-948B-1728B52AA6E4}">
-                <adec:decorative xmlns:adec="http://schemas.microsoft.com/office/drawing/2017/decorative" val="1"/>
+                <a16:creationId xmlns:a16="http://schemas.microsoft.com/office/drawing/2014/main" id="{576F54E5-0F6D-F646-95F9-F30422F61CE3}"/>
               </a:ext>
             </a:extLst>
           </p:cNvPr>
           <p:cNvSpPr>
-            <a:spLocks noGrp="1" noRot="1" noChangeAspect="1" noMove="1" noResize="1" noEditPoints="1" noAdjustHandles="1" noChangeArrowheads="1" noChangeShapeType="1" noTextEdit="1"/>
-          </p:cNvSpPr>
-          <p:nvPr>
-            <p:extLst>
-              <p:ext uri="{386F3935-93C4-4BCD-93E2-E3B085C9AB24}">
-                <p16:designElem xmlns:p16="http://schemas.microsoft.com/office/powerpoint/2015/main" val="1"/>
-              </p:ext>
-            </p:extLst>
-          </p:nvPr>
-        </p:nvSpPr>
-        <p:spPr>
-          <a:xfrm>
-            <a:off x="8129872" y="453642"/>
-            <a:ext cx="3615595" cy="5863293"/>
-          </a:xfrm>
-          <a:prstGeom prst="rect">
-            <a:avLst/>
-          </a:prstGeom>
-          <a:solidFill>
-            <a:schemeClr val="accent4">
-              <a:lumMod val="75000"/>
-            </a:schemeClr>
-          </a:solidFill>
-          <a:ln>
-            <a:noFill/>
-          </a:ln>
-          <a:effectLst/>
-        </p:spPr>
-        <p:style>
-          <a:lnRef idx="1">
-            <a:schemeClr val="accent1"/>
-          </a:lnRef>
-          <a:fillRef idx="3">
-            <a:schemeClr val="accent1"/>
-          </a:fillRef>
-          <a:effectRef idx="2">
-            <a:schemeClr val="accent1"/>
-          </a:effectRef>
-          <a:fontRef idx="minor">
-            <a:schemeClr val="lt1"/>
-          </a:fontRef>
-        </p:style>
-      </p:sp>
-      <p:sp>
-        <p:nvSpPr>
-          <p:cNvPr id="3" name="Subtitle 2">
-            <a:extLst>
-              <a:ext uri="{FF2B5EF4-FFF2-40B4-BE49-F238E27FC236}">
-                <a16:creationId xmlns:a16="http://schemas.microsoft.com/office/drawing/2014/main" id="{E2ABD4A9-BE86-4E19-9366-8F2C7E12DF1D}"/>
-              </a:ext>
-            </a:extLst>
-          </p:cNvPr>
-          <p:cNvSpPr>
             <a:spLocks noGrp="1"/>
           </p:cNvSpPr>
           <p:nvPr>
-            <p:ph type="subTitle" idx="1"/>
-          </p:nvPr>
-        </p:nvSpPr>
-        <p:spPr>
-          <a:xfrm>
-            <a:off x="8317076" y="668740"/>
-            <a:ext cx="3293733" cy="4926841"/>
-          </a:xfrm>
-        </p:spPr>
-        <p:txBody>
-          <a:bodyPr anchor="ctr">
-            <a:normAutofit/>
-          </a:bodyPr>
+            <p:ph type="body" idx="1"/>
+          </p:nvPr>
+        </p:nvSpPr>
+        <p:spPr/>
+        <p:txBody>
+          <a:bodyPr/>
           <a:lstStyle/>
           <a:p>
-            <a:r>
-              <a:rPr lang="en-US" sz="4000" dirty="0">
-                <a:solidFill>
-                  <a:srgbClr val="FFFFFF"/>
-                </a:solidFill>
-              </a:rPr>
-              <a:t>M. Ball, </a:t>
-            </a:r>
-          </a:p>
-          <a:p>
-            <a:r>
-              <a:rPr lang="en-US" sz="4000" dirty="0">
-                <a:solidFill>
-                  <a:srgbClr val="FFFFFF"/>
-                </a:solidFill>
-              </a:rPr>
-              <a:t>M. Farrow, </a:t>
-            </a:r>
-          </a:p>
-          <a:p>
-            <a:r>
-              <a:rPr lang="en-US" sz="4000" dirty="0">
-                <a:solidFill>
-                  <a:srgbClr val="FFFFFF"/>
-                </a:solidFill>
-              </a:rPr>
-              <a:t>J. Harrison</a:t>
-            </a:r>
-            <a:endParaRPr lang="en-US" sz="4400" dirty="0">
-              <a:solidFill>
-                <a:srgbClr val="FFFFFF"/>
-              </a:solidFill>
-            </a:endParaRPr>
+            <a:endParaRPr lang="en-US"/>
           </a:p>
         </p:txBody>
       </p:sp>
     </p:spTree>
     <p:extLst>
       <p:ext uri="{BB962C8B-B14F-4D97-AF65-F5344CB8AC3E}">
-        <p14:creationId xmlns:p14="http://schemas.microsoft.com/office/powerpoint/2010/main" val="2584530137"/>
+        <p14:creationId xmlns:p14="http://schemas.microsoft.com/office/powerpoint/2010/main" val="3550029264"/>
       </p:ext>
     </p:extLst>
   </p:cSld>
@@ -4251,7 +4488,7 @@
 </p:sld>
 </file>
 
-<file path=ppt/slides/slide10.xml><?xml version="1.0" encoding="utf-8"?>
+<file path=ppt/slides/slide11.xml><?xml version="1.0" encoding="utf-8"?>
 <p:sld xmlns:a="http://schemas.openxmlformats.org/drawingml/2006/main" xmlns:r="http://schemas.openxmlformats.org/officeDocument/2006/relationships" xmlns:p="http://schemas.openxmlformats.org/presentationml/2006/main">
   <p:cSld>
     <p:bg>
@@ -4690,7 +4927,7 @@
 </p:sld>
 </file>
 
-<file path=ppt/slides/slide11.xml><?xml version="1.0" encoding="utf-8"?>
+<file path=ppt/slides/slide12.xml><?xml version="1.0" encoding="utf-8"?>
 <p:sld xmlns:a="http://schemas.openxmlformats.org/drawingml/2006/main" xmlns:r="http://schemas.openxmlformats.org/officeDocument/2006/relationships" xmlns:p="http://schemas.openxmlformats.org/presentationml/2006/main">
   <p:cSld>
     <p:spTree>
@@ -4823,7 +5060,7 @@
 </p:sld>
 </file>
 
-<file path=ppt/slides/slide12.xml><?xml version="1.0" encoding="utf-8"?>
+<file path=ppt/slides/slide13.xml><?xml version="1.0" encoding="utf-8"?>
 <p:sld xmlns:a="http://schemas.openxmlformats.org/drawingml/2006/main" xmlns:r="http://schemas.openxmlformats.org/officeDocument/2006/relationships" xmlns:p="http://schemas.openxmlformats.org/presentationml/2006/main">
   <p:cSld>
     <p:spTree>
@@ -5013,7 +5250,7 @@
 </p:sld>
 </file>
 
-<file path=ppt/slides/slide13.xml><?xml version="1.0" encoding="utf-8"?>
+<file path=ppt/slides/slide14.xml><?xml version="1.0" encoding="utf-8"?>
 <p:sld xmlns:a="http://schemas.openxmlformats.org/drawingml/2006/main" xmlns:r="http://schemas.openxmlformats.org/officeDocument/2006/relationships" xmlns:p="http://schemas.openxmlformats.org/presentationml/2006/main">
   <p:cSld>
     <p:spTree>
@@ -5096,7 +5333,7 @@
 </p:sld>
 </file>
 
-<file path=ppt/slides/slide14.xml><?xml version="1.0" encoding="utf-8"?>
+<file path=ppt/slides/slide15.xml><?xml version="1.0" encoding="utf-8"?>
 <p:sld xmlns:a="http://schemas.openxmlformats.org/drawingml/2006/main" xmlns:r="http://schemas.openxmlformats.org/officeDocument/2006/relationships" xmlns:p="http://schemas.openxmlformats.org/presentationml/2006/main">
   <p:cSld>
     <p:bg>
@@ -5534,7 +5771,7 @@
 </p:sld>
 </file>
 
-<file path=ppt/slides/slide15.xml><?xml version="1.0" encoding="utf-8"?>
+<file path=ppt/slides/slide16.xml><?xml version="1.0" encoding="utf-8"?>
 <p:sld xmlns:a="http://schemas.openxmlformats.org/drawingml/2006/main" xmlns:r="http://schemas.openxmlformats.org/officeDocument/2006/relationships" xmlns:p="http://schemas.openxmlformats.org/presentationml/2006/main">
   <p:cSld>
     <p:spTree>
@@ -6981,7 +7218,7 @@
 </p:sld>
 </file>
 
-<file path=ppt/slides/slide16.xml><?xml version="1.0" encoding="utf-8"?>
+<file path=ppt/slides/slide17.xml><?xml version="1.0" encoding="utf-8"?>
 <p:sld xmlns:a="http://schemas.openxmlformats.org/drawingml/2006/main" xmlns:r="http://schemas.openxmlformats.org/officeDocument/2006/relationships" xmlns:p="http://schemas.openxmlformats.org/presentationml/2006/main">
   <p:cSld>
     <p:spTree>
@@ -7072,7 +7309,7 @@
 </p:sld>
 </file>
 
-<file path=ppt/slides/slide17.xml><?xml version="1.0" encoding="utf-8"?>
+<file path=ppt/slides/slide18.xml><?xml version="1.0" encoding="utf-8"?>
 <p:sld xmlns:a="http://schemas.openxmlformats.org/drawingml/2006/main" xmlns:r="http://schemas.openxmlformats.org/officeDocument/2006/relationships" xmlns:p="http://schemas.openxmlformats.org/presentationml/2006/main">
   <p:cSld>
     <p:spTree>
@@ -7471,6 +7708,387 @@
 <file path=ppt/slides/slide2.xml><?xml version="1.0" encoding="utf-8"?>
 <p:sld xmlns:a="http://schemas.openxmlformats.org/drawingml/2006/main" xmlns:r="http://schemas.openxmlformats.org/officeDocument/2006/relationships" xmlns:p="http://schemas.openxmlformats.org/presentationml/2006/main">
   <p:cSld>
+    <p:bg>
+      <p:bgPr>
+        <a:solidFill>
+          <a:schemeClr val="bg1"/>
+        </a:solidFill>
+        <a:effectLst/>
+      </p:bgPr>
+    </p:bg>
+    <p:spTree>
+      <p:nvGrpSpPr>
+        <p:cNvPr id="1" name=""/>
+        <p:cNvGrpSpPr/>
+        <p:nvPr/>
+      </p:nvGrpSpPr>
+      <p:grpSpPr>
+        <a:xfrm>
+          <a:off x="0" y="0"/>
+          <a:ext cx="0" cy="0"/>
+          <a:chOff x="0" y="0"/>
+          <a:chExt cx="0" cy="0"/>
+        </a:xfrm>
+      </p:grpSpPr>
+      <p:sp useBgFill="1">
+        <p:nvSpPr>
+          <p:cNvPr id="8" name="Rectangle 7">
+            <a:extLst>
+              <a:ext uri="{FF2B5EF4-FFF2-40B4-BE49-F238E27FC236}">
+                <a16:creationId xmlns:a16="http://schemas.microsoft.com/office/drawing/2014/main" id="{34BFB7C5-23B6-4047-BF5E-F9EEBB437CD0}"/>
+              </a:ext>
+              <a:ext uri="{C183D7F6-B498-43B3-948B-1728B52AA6E4}">
+                <adec:decorative xmlns:adec="http://schemas.microsoft.com/office/drawing/2017/decorative" val="1"/>
+              </a:ext>
+            </a:extLst>
+          </p:cNvPr>
+          <p:cNvSpPr>
+            <a:spLocks noGrp="1" noRot="1" noChangeAspect="1" noMove="1" noResize="1" noEditPoints="1" noAdjustHandles="1" noChangeArrowheads="1" noChangeShapeType="1" noTextEdit="1"/>
+          </p:cNvSpPr>
+          <p:nvPr>
+            <p:extLst>
+              <p:ext uri="{386F3935-93C4-4BCD-93E2-E3B085C9AB24}">
+                <p16:designElem xmlns:p16="http://schemas.microsoft.com/office/powerpoint/2015/main" val="1"/>
+              </p:ext>
+            </p:extLst>
+          </p:nvPr>
+        </p:nvSpPr>
+        <p:spPr>
+          <a:xfrm>
+            <a:off x="0" y="0"/>
+            <a:ext cx="12192000" cy="6858000"/>
+          </a:xfrm>
+          <a:prstGeom prst="rect">
+            <a:avLst/>
+          </a:prstGeom>
+          <a:ln>
+            <a:noFill/>
+          </a:ln>
+        </p:spPr>
+        <p:style>
+          <a:lnRef idx="2">
+            <a:schemeClr val="accent1">
+              <a:shade val="50000"/>
+            </a:schemeClr>
+          </a:lnRef>
+          <a:fillRef idx="1">
+            <a:schemeClr val="accent1"/>
+          </a:fillRef>
+          <a:effectRef idx="0">
+            <a:schemeClr val="accent1"/>
+          </a:effectRef>
+          <a:fontRef idx="minor">
+            <a:schemeClr val="lt1"/>
+          </a:fontRef>
+        </p:style>
+        <p:txBody>
+          <a:bodyPr rtlCol="0" anchor="ctr"/>
+          <a:lstStyle/>
+          <a:p>
+            <a:pPr algn="ctr"/>
+            <a:endParaRPr lang="en-US"/>
+          </a:p>
+        </p:txBody>
+      </p:sp>
+      <p:sp>
+        <p:nvSpPr>
+          <p:cNvPr id="10" name="Rectangle 9">
+            <a:extLst>
+              <a:ext uri="{FF2B5EF4-FFF2-40B4-BE49-F238E27FC236}">
+                <a16:creationId xmlns:a16="http://schemas.microsoft.com/office/drawing/2014/main" id="{FBC3CD9F-A361-4496-A6E0-24338B2A6901}"/>
+              </a:ext>
+              <a:ext uri="{C183D7F6-B498-43B3-948B-1728B52AA6E4}">
+                <adec:decorative xmlns:adec="http://schemas.microsoft.com/office/drawing/2017/decorative" val="1"/>
+              </a:ext>
+            </a:extLst>
+          </p:cNvPr>
+          <p:cNvSpPr>
+            <a:spLocks noGrp="1" noRot="1" noChangeAspect="1" noMove="1" noResize="1" noEditPoints="1" noAdjustHandles="1" noChangeArrowheads="1" noChangeShapeType="1" noTextEdit="1"/>
+          </p:cNvSpPr>
+          <p:nvPr>
+            <p:extLst>
+              <p:ext uri="{386F3935-93C4-4BCD-93E2-E3B085C9AB24}">
+                <p16:designElem xmlns:p16="http://schemas.microsoft.com/office/powerpoint/2015/main" val="1"/>
+              </p:ext>
+            </p:extLst>
+          </p:nvPr>
+        </p:nvSpPr>
+        <p:spPr>
+          <a:xfrm>
+            <a:off x="581191" y="457201"/>
+            <a:ext cx="1106164" cy="5859735"/>
+          </a:xfrm>
+          <a:prstGeom prst="rect">
+            <a:avLst/>
+          </a:prstGeom>
+          <a:solidFill>
+            <a:schemeClr val="accent2"/>
+          </a:solidFill>
+          <a:ln>
+            <a:noFill/>
+          </a:ln>
+          <a:effectLst/>
+        </p:spPr>
+        <p:style>
+          <a:lnRef idx="1">
+            <a:schemeClr val="accent1"/>
+          </a:lnRef>
+          <a:fillRef idx="3">
+            <a:schemeClr val="accent1"/>
+          </a:fillRef>
+          <a:effectRef idx="2">
+            <a:schemeClr val="accent1"/>
+          </a:effectRef>
+          <a:fontRef idx="minor">
+            <a:schemeClr val="lt1"/>
+          </a:fontRef>
+        </p:style>
+      </p:sp>
+      <p:sp>
+        <p:nvSpPr>
+          <p:cNvPr id="12" name="Rectangle 11">
+            <a:extLst>
+              <a:ext uri="{FF2B5EF4-FFF2-40B4-BE49-F238E27FC236}">
+                <a16:creationId xmlns:a16="http://schemas.microsoft.com/office/drawing/2014/main" id="{D37DA931-62D6-4B32-9103-84C0960AEA6D}"/>
+              </a:ext>
+              <a:ext uri="{C183D7F6-B498-43B3-948B-1728B52AA6E4}">
+                <adec:decorative xmlns:adec="http://schemas.microsoft.com/office/drawing/2017/decorative" val="1"/>
+              </a:ext>
+            </a:extLst>
+          </p:cNvPr>
+          <p:cNvSpPr>
+            <a:spLocks noGrp="1" noRot="1" noChangeAspect="1" noMove="1" noResize="1" noEditPoints="1" noAdjustHandles="1" noChangeArrowheads="1" noChangeShapeType="1" noTextEdit="1"/>
+          </p:cNvSpPr>
+          <p:nvPr>
+            <p:extLst>
+              <p:ext uri="{386F3935-93C4-4BCD-93E2-E3B085C9AB24}">
+                <p16:designElem xmlns:p16="http://schemas.microsoft.com/office/powerpoint/2015/main" val="1"/>
+              </p:ext>
+            </p:extLst>
+          </p:nvPr>
+        </p:nvSpPr>
+        <p:spPr>
+          <a:xfrm>
+            <a:off x="1784420" y="457200"/>
+            <a:ext cx="6248454" cy="5859736"/>
+          </a:xfrm>
+          <a:prstGeom prst="rect">
+            <a:avLst/>
+          </a:prstGeom>
+          <a:solidFill>
+            <a:schemeClr val="accent1"/>
+          </a:solidFill>
+          <a:ln>
+            <a:noFill/>
+          </a:ln>
+          <a:effectLst/>
+        </p:spPr>
+        <p:style>
+          <a:lnRef idx="1">
+            <a:schemeClr val="accent1"/>
+          </a:lnRef>
+          <a:fillRef idx="3">
+            <a:schemeClr val="accent1"/>
+          </a:fillRef>
+          <a:effectRef idx="2">
+            <a:schemeClr val="accent1"/>
+          </a:effectRef>
+          <a:fontRef idx="minor">
+            <a:schemeClr val="lt1"/>
+          </a:fontRef>
+        </p:style>
+      </p:sp>
+      <p:sp>
+        <p:nvSpPr>
+          <p:cNvPr id="2" name="Title 1">
+            <a:extLst>
+              <a:ext uri="{FF2B5EF4-FFF2-40B4-BE49-F238E27FC236}">
+                <a16:creationId xmlns:a16="http://schemas.microsoft.com/office/drawing/2014/main" id="{D6E653B7-75FA-4DF7-9771-DB81E176D40D}"/>
+              </a:ext>
+            </a:extLst>
+          </p:cNvPr>
+          <p:cNvSpPr>
+            <a:spLocks noGrp="1"/>
+          </p:cNvSpPr>
+          <p:nvPr>
+            <p:ph type="ctrTitle"/>
+          </p:nvPr>
+        </p:nvSpPr>
+        <p:spPr>
+          <a:xfrm>
+            <a:off x="2156346" y="849745"/>
+            <a:ext cx="5526993" cy="4745836"/>
+          </a:xfrm>
+        </p:spPr>
+        <p:txBody>
+          <a:bodyPr anchor="ctr">
+            <a:normAutofit/>
+          </a:bodyPr>
+          <a:lstStyle/>
+          <a:p>
+            <a:r>
+              <a:rPr lang="en-US" sz="6000">
+                <a:solidFill>
+                  <a:srgbClr val="FFFFFF"/>
+                </a:solidFill>
+              </a:rPr>
+              <a:t>Analyzing </a:t>
+            </a:r>
+            <a:r>
+              <a:rPr lang="en-US" sz="6000" i="1">
+                <a:solidFill>
+                  <a:srgbClr val="FFFFFF"/>
+                </a:solidFill>
+              </a:rPr>
+              <a:t>Jeopardy! </a:t>
+            </a:r>
+            <a:r>
+              <a:rPr lang="en-US" sz="6000">
+                <a:solidFill>
+                  <a:srgbClr val="FFFFFF"/>
+                </a:solidFill>
+              </a:rPr>
+              <a:t>Data</a:t>
+            </a:r>
+          </a:p>
+        </p:txBody>
+      </p:sp>
+      <p:sp>
+        <p:nvSpPr>
+          <p:cNvPr id="14" name="Rectangle 13">
+            <a:extLst>
+              <a:ext uri="{FF2B5EF4-FFF2-40B4-BE49-F238E27FC236}">
+                <a16:creationId xmlns:a16="http://schemas.microsoft.com/office/drawing/2014/main" id="{4695E140-9B6E-43E9-B17E-CDFE3FCA8AFB}"/>
+              </a:ext>
+              <a:ext uri="{C183D7F6-B498-43B3-948B-1728B52AA6E4}">
+                <adec:decorative xmlns:adec="http://schemas.microsoft.com/office/drawing/2017/decorative" val="1"/>
+              </a:ext>
+            </a:extLst>
+          </p:cNvPr>
+          <p:cNvSpPr>
+            <a:spLocks noGrp="1" noRot="1" noChangeAspect="1" noMove="1" noResize="1" noEditPoints="1" noAdjustHandles="1" noChangeArrowheads="1" noChangeShapeType="1" noTextEdit="1"/>
+          </p:cNvSpPr>
+          <p:nvPr>
+            <p:extLst>
+              <p:ext uri="{386F3935-93C4-4BCD-93E2-E3B085C9AB24}">
+                <p16:designElem xmlns:p16="http://schemas.microsoft.com/office/powerpoint/2015/main" val="1"/>
+              </p:ext>
+            </p:extLst>
+          </p:nvPr>
+        </p:nvSpPr>
+        <p:spPr>
+          <a:xfrm>
+            <a:off x="8129872" y="453642"/>
+            <a:ext cx="3615595" cy="5863293"/>
+          </a:xfrm>
+          <a:prstGeom prst="rect">
+            <a:avLst/>
+          </a:prstGeom>
+          <a:solidFill>
+            <a:schemeClr val="accent4">
+              <a:lumMod val="75000"/>
+            </a:schemeClr>
+          </a:solidFill>
+          <a:ln>
+            <a:noFill/>
+          </a:ln>
+          <a:effectLst/>
+        </p:spPr>
+        <p:style>
+          <a:lnRef idx="1">
+            <a:schemeClr val="accent1"/>
+          </a:lnRef>
+          <a:fillRef idx="3">
+            <a:schemeClr val="accent1"/>
+          </a:fillRef>
+          <a:effectRef idx="2">
+            <a:schemeClr val="accent1"/>
+          </a:effectRef>
+          <a:fontRef idx="minor">
+            <a:schemeClr val="lt1"/>
+          </a:fontRef>
+        </p:style>
+      </p:sp>
+      <p:sp>
+        <p:nvSpPr>
+          <p:cNvPr id="3" name="Subtitle 2">
+            <a:extLst>
+              <a:ext uri="{FF2B5EF4-FFF2-40B4-BE49-F238E27FC236}">
+                <a16:creationId xmlns:a16="http://schemas.microsoft.com/office/drawing/2014/main" id="{E2ABD4A9-BE86-4E19-9366-8F2C7E12DF1D}"/>
+              </a:ext>
+            </a:extLst>
+          </p:cNvPr>
+          <p:cNvSpPr>
+            <a:spLocks noGrp="1"/>
+          </p:cNvSpPr>
+          <p:nvPr>
+            <p:ph type="subTitle" idx="1"/>
+          </p:nvPr>
+        </p:nvSpPr>
+        <p:spPr>
+          <a:xfrm>
+            <a:off x="8317076" y="668740"/>
+            <a:ext cx="3293733" cy="4926841"/>
+          </a:xfrm>
+        </p:spPr>
+        <p:txBody>
+          <a:bodyPr anchor="ctr">
+            <a:normAutofit/>
+          </a:bodyPr>
+          <a:lstStyle/>
+          <a:p>
+            <a:r>
+              <a:rPr lang="en-US" sz="4000" dirty="0">
+                <a:solidFill>
+                  <a:srgbClr val="FFFFFF"/>
+                </a:solidFill>
+              </a:rPr>
+              <a:t>M. Ball, </a:t>
+            </a:r>
+          </a:p>
+          <a:p>
+            <a:r>
+              <a:rPr lang="en-US" sz="4000" dirty="0">
+                <a:solidFill>
+                  <a:srgbClr val="FFFFFF"/>
+                </a:solidFill>
+              </a:rPr>
+              <a:t>M. Farrow, </a:t>
+            </a:r>
+          </a:p>
+          <a:p>
+            <a:r>
+              <a:rPr lang="en-US" sz="4000" dirty="0">
+                <a:solidFill>
+                  <a:srgbClr val="FFFFFF"/>
+                </a:solidFill>
+              </a:rPr>
+              <a:t>J. Harrison</a:t>
+            </a:r>
+            <a:endParaRPr lang="en-US" sz="4400" dirty="0">
+              <a:solidFill>
+                <a:srgbClr val="FFFFFF"/>
+              </a:solidFill>
+            </a:endParaRPr>
+          </a:p>
+        </p:txBody>
+      </p:sp>
+    </p:spTree>
+    <p:extLst>
+      <p:ext uri="{BB962C8B-B14F-4D97-AF65-F5344CB8AC3E}">
+        <p14:creationId xmlns:p14="http://schemas.microsoft.com/office/powerpoint/2010/main" val="2584530137"/>
+      </p:ext>
+    </p:extLst>
+  </p:cSld>
+  <p:clrMapOvr>
+    <a:masterClrMapping/>
+  </p:clrMapOvr>
+</p:sld>
+</file>
+
+<file path=ppt/slides/slide3.xml><?xml version="1.0" encoding="utf-8"?>
+<p:sld xmlns:a="http://schemas.openxmlformats.org/drawingml/2006/main" xmlns:r="http://schemas.openxmlformats.org/officeDocument/2006/relationships" xmlns:p="http://schemas.openxmlformats.org/presentationml/2006/main" show="0">
+  <p:cSld>
     <p:spTree>
       <p:nvGrpSpPr>
         <p:cNvPr id="1" name=""/>
@@ -7720,7 +8338,7 @@
 </p:sld>
 </file>
 
-<file path=ppt/slides/slide3.xml><?xml version="1.0" encoding="utf-8"?>
+<file path=ppt/slides/slide4.xml><?xml version="1.0" encoding="utf-8"?>
 <p:sld xmlns:a="http://schemas.openxmlformats.org/drawingml/2006/main" xmlns:r="http://schemas.openxmlformats.org/officeDocument/2006/relationships" xmlns:p="http://schemas.openxmlformats.org/presentationml/2006/main">
   <p:cSld>
     <p:spTree>
@@ -7806,7 +8424,7 @@
 </p:sld>
 </file>
 
-<file path=ppt/slides/slide4.xml><?xml version="1.0" encoding="utf-8"?>
+<file path=ppt/slides/slide5.xml><?xml version="1.0" encoding="utf-8"?>
 <p:sld xmlns:a="http://schemas.openxmlformats.org/drawingml/2006/main" xmlns:r="http://schemas.openxmlformats.org/officeDocument/2006/relationships" xmlns:p="http://schemas.openxmlformats.org/presentationml/2006/main">
   <p:cSld>
     <p:spTree>
@@ -7893,7 +8511,7 @@
 </p:sld>
 </file>
 
-<file path=ppt/slides/slide5.xml><?xml version="1.0" encoding="utf-8"?>
+<file path=ppt/slides/slide6.xml><?xml version="1.0" encoding="utf-8"?>
 <p:sld xmlns:a="http://schemas.openxmlformats.org/drawingml/2006/main" xmlns:r="http://schemas.openxmlformats.org/officeDocument/2006/relationships" xmlns:p="http://schemas.openxmlformats.org/presentationml/2006/main">
   <p:cSld>
     <p:spTree>
@@ -8107,7 +8725,7 @@
 </p:sld>
 </file>
 
-<file path=ppt/slides/slide6.xml><?xml version="1.0" encoding="utf-8"?>
+<file path=ppt/slides/slide7.xml><?xml version="1.0" encoding="utf-8"?>
 <p:sld xmlns:a="http://schemas.openxmlformats.org/drawingml/2006/main" xmlns:r="http://schemas.openxmlformats.org/officeDocument/2006/relationships" xmlns:p="http://schemas.openxmlformats.org/presentationml/2006/main">
   <p:cSld>
     <p:spTree>
@@ -8197,7 +8815,7 @@
 </p:sld>
 </file>
 
-<file path=ppt/slides/slide7.xml><?xml version="1.0" encoding="utf-8"?>
+<file path=ppt/slides/slide8.xml><?xml version="1.0" encoding="utf-8"?>
 <p:sld xmlns:a="http://schemas.openxmlformats.org/drawingml/2006/main" xmlns:r="http://schemas.openxmlformats.org/officeDocument/2006/relationships" xmlns:p="http://schemas.openxmlformats.org/presentationml/2006/main">
   <p:cSld>
     <p:spTree>
@@ -8327,7 +8945,7 @@
 </p:sld>
 </file>
 
-<file path=ppt/slides/slide8.xml><?xml version="1.0" encoding="utf-8"?>
+<file path=ppt/slides/slide9.xml><?xml version="1.0" encoding="utf-8"?>
 <p:sld xmlns:a="http://schemas.openxmlformats.org/drawingml/2006/main" xmlns:r="http://schemas.openxmlformats.org/officeDocument/2006/relationships" xmlns:p="http://schemas.openxmlformats.org/presentationml/2006/main">
   <p:cSld>
     <p:spTree>
@@ -8443,89 +9061,6 @@
     <p:extLst>
       <p:ext uri="{BB962C8B-B14F-4D97-AF65-F5344CB8AC3E}">
         <p14:creationId xmlns:p14="http://schemas.microsoft.com/office/powerpoint/2010/main" val="3440414"/>
-      </p:ext>
-    </p:extLst>
-  </p:cSld>
-  <p:clrMapOvr>
-    <a:masterClrMapping/>
-  </p:clrMapOvr>
-</p:sld>
-</file>
-
-<file path=ppt/slides/slide9.xml><?xml version="1.0" encoding="utf-8"?>
-<p:sld xmlns:a="http://schemas.openxmlformats.org/drawingml/2006/main" xmlns:r="http://schemas.openxmlformats.org/officeDocument/2006/relationships" xmlns:p="http://schemas.openxmlformats.org/presentationml/2006/main">
-  <p:cSld>
-    <p:spTree>
-      <p:nvGrpSpPr>
-        <p:cNvPr id="1" name=""/>
-        <p:cNvGrpSpPr/>
-        <p:nvPr/>
-      </p:nvGrpSpPr>
-      <p:grpSpPr>
-        <a:xfrm>
-          <a:off x="0" y="0"/>
-          <a:ext cx="0" cy="0"/>
-          <a:chOff x="0" y="0"/>
-          <a:chExt cx="0" cy="0"/>
-        </a:xfrm>
-      </p:grpSpPr>
-      <p:sp>
-        <p:nvSpPr>
-          <p:cNvPr id="5" name="Title 4">
-            <a:extLst>
-              <a:ext uri="{FF2B5EF4-FFF2-40B4-BE49-F238E27FC236}">
-                <a16:creationId xmlns:a16="http://schemas.microsoft.com/office/drawing/2014/main" id="{287C3BCD-F1AA-EA49-B6F1-3C29251CC21F}"/>
-              </a:ext>
-            </a:extLst>
-          </p:cNvPr>
-          <p:cNvSpPr>
-            <a:spLocks noGrp="1"/>
-          </p:cNvSpPr>
-          <p:nvPr>
-            <p:ph type="title"/>
-          </p:nvPr>
-        </p:nvSpPr>
-        <p:spPr/>
-        <p:txBody>
-          <a:bodyPr/>
-          <a:lstStyle/>
-          <a:p>
-            <a:r>
-              <a:rPr lang="en-US" dirty="0"/>
-              <a:t>MySQL Workbench</a:t>
-            </a:r>
-          </a:p>
-        </p:txBody>
-      </p:sp>
-      <p:sp>
-        <p:nvSpPr>
-          <p:cNvPr id="6" name="Text Placeholder 5">
-            <a:extLst>
-              <a:ext uri="{FF2B5EF4-FFF2-40B4-BE49-F238E27FC236}">
-                <a16:creationId xmlns:a16="http://schemas.microsoft.com/office/drawing/2014/main" id="{576F54E5-0F6D-F646-95F9-F30422F61CE3}"/>
-              </a:ext>
-            </a:extLst>
-          </p:cNvPr>
-          <p:cNvSpPr>
-            <a:spLocks noGrp="1"/>
-          </p:cNvSpPr>
-          <p:nvPr>
-            <p:ph type="body" idx="1"/>
-          </p:nvPr>
-        </p:nvSpPr>
-        <p:spPr/>
-        <p:txBody>
-          <a:bodyPr/>
-          <a:lstStyle/>
-          <a:p>
-            <a:endParaRPr lang="en-US"/>
-          </a:p>
-        </p:txBody>
-      </p:sp>
-    </p:spTree>
-    <p:extLst>
-      <p:ext uri="{BB962C8B-B14F-4D97-AF65-F5344CB8AC3E}">
-        <p14:creationId xmlns:p14="http://schemas.microsoft.com/office/powerpoint/2010/main" val="3550029264"/>
       </p:ext>
     </p:extLst>
   </p:cSld>

--- a/docs/Analyzing_Jeopardy_Data.pptx
+++ b/docs/Analyzing_Jeopardy_Data.pptx
@@ -374,7 +374,7 @@
           <a:p>
             <a:fld id="{1160EA64-D806-43AC-9DF2-F8C432F32B4C}" type="datetimeFigureOut">
               <a:rPr lang="en-US" smtClean="0"/>
-              <a:t>4/7/2021</a:t>
+              <a:t>4/8/21</a:t>
             </a:fld>
             <a:endParaRPr lang="en-US" dirty="0"/>
           </a:p>
@@ -637,7 +637,7 @@
           <a:p>
             <a:fld id="{E9F9C37B-1D36-470B-8223-D6C91242EC14}" type="datetimeFigureOut">
               <a:rPr lang="en-US" smtClean="0"/>
-              <a:t>4/7/2021</a:t>
+              <a:t>4/8/21</a:t>
             </a:fld>
             <a:endParaRPr lang="en-US" dirty="0"/>
           </a:p>
@@ -872,7 +872,7 @@
           <a:p>
             <a:fld id="{67C6F52A-A82B-47A2-A83A-8C4C91F2D59F}" type="datetimeFigureOut">
               <a:rPr lang="en-US" smtClean="0"/>
-              <a:t>4/7/2021</a:t>
+              <a:t>4/8/21</a:t>
             </a:fld>
             <a:endParaRPr lang="en-US" dirty="0"/>
           </a:p>
@@ -1112,7 +1112,7 @@
           <a:p>
             <a:fld id="{F070A7B3-6521-4DCA-87E5-044747A908C1}" type="datetimeFigureOut">
               <a:rPr lang="en-US" smtClean="0"/>
-              <a:t>4/7/2021</a:t>
+              <a:t>4/8/21</a:t>
             </a:fld>
             <a:endParaRPr lang="en-US" dirty="0"/>
           </a:p>
@@ -1420,7 +1420,7 @@
           <a:p>
             <a:fld id="{1160EA64-D806-43AC-9DF2-F8C432F32B4C}" type="datetimeFigureOut">
               <a:rPr lang="en-US" smtClean="0"/>
-              <a:t>4/7/2021</a:t>
+              <a:t>4/8/21</a:t>
             </a:fld>
             <a:endParaRPr lang="en-US" dirty="0"/>
           </a:p>
@@ -1723,7 +1723,7 @@
           <a:p>
             <a:fld id="{AB134690-1557-4C89-A502-4959FE7FAD70}" type="datetimeFigureOut">
               <a:rPr lang="en-US" smtClean="0"/>
-              <a:t>4/7/2021</a:t>
+              <a:t>4/8/21</a:t>
             </a:fld>
             <a:endParaRPr lang="en-US" dirty="0"/>
           </a:p>
@@ -2145,7 +2145,7 @@
           <a:p>
             <a:fld id="{1160EA64-D806-43AC-9DF2-F8C432F32B4C}" type="datetimeFigureOut">
               <a:rPr lang="en-US" smtClean="0"/>
-              <a:t>4/7/2021</a:t>
+              <a:t>4/8/21</a:t>
             </a:fld>
             <a:endParaRPr lang="en-US" dirty="0"/>
           </a:p>
@@ -2242,7 +2242,7 @@
           <a:p>
             <a:fld id="{E1037C31-9E7A-4F99-8774-A0E530DE1A42}" type="datetimeFigureOut">
               <a:rPr lang="en-US" smtClean="0"/>
-              <a:t>4/7/2021</a:t>
+              <a:t>4/8/21</a:t>
             </a:fld>
             <a:endParaRPr lang="en-US" dirty="0"/>
           </a:p>
@@ -2404,7 +2404,7 @@
           <a:p>
             <a:fld id="{C278504F-A551-4DE0-9316-4DCD1D8CC752}" type="datetimeFigureOut">
               <a:rPr lang="en-US" smtClean="0"/>
-              <a:t>4/7/2021</a:t>
+              <a:t>4/8/21</a:t>
             </a:fld>
             <a:endParaRPr lang="en-US" dirty="0"/>
           </a:p>
@@ -2782,7 +2782,7 @@
           <a:p>
             <a:fld id="{1160EA64-D806-43AC-9DF2-F8C432F32B4C}" type="datetimeFigureOut">
               <a:rPr lang="en-US" smtClean="0"/>
-              <a:t>4/7/2021</a:t>
+              <a:t>4/8/21</a:t>
             </a:fld>
             <a:endParaRPr lang="en-US" dirty="0"/>
           </a:p>
@@ -3073,7 +3073,7 @@
             <a:fld id="{1160EA64-D806-43AC-9DF2-F8C432F32B4C}" type="datetimeFigureOut">
               <a:rPr lang="en-US" smtClean="0"/>
               <a:pPr/>
-              <a:t>4/7/2021</a:t>
+              <a:t>4/8/21</a:t>
             </a:fld>
             <a:endParaRPr lang="en-US" dirty="0"/>
           </a:p>
@@ -3285,7 +3285,7 @@
           <a:p>
             <a:fld id="{1160EA64-D806-43AC-9DF2-F8C432F32B4C}" type="datetimeFigureOut">
               <a:rPr lang="en-US" smtClean="0"/>
-              <a:t>4/7/2021</a:t>
+              <a:t>4/8/21</a:t>
             </a:fld>
             <a:endParaRPr lang="en-US" dirty="0"/>
           </a:p>
@@ -3944,7 +3944,7 @@
                 <a:latin typeface="HeiT" panose="020B0502000000000001" pitchFamily="34" charset="-120"/>
                 <a:ea typeface="HeiT" panose="020B0502000000000001" pitchFamily="34" charset="-120"/>
               </a:rPr>
-              <a:t>This game show that has been on the air for more than 37 years and is known for its late, beloved host and having players answer clues in the form of a question?</a:t>
+              <a:t>This game show has been on the air for more than 37 years and is known for its late, beloved host and having players answer clues in the form of a question</a:t>
             </a:r>
           </a:p>
         </p:txBody>
